--- a/lectures/ch10.pptx
+++ b/lectures/ch10.pptx
@@ -182,7 +182,51 @@
       </a:defRPr>
     </a:lvl9pPr>
   </p:defaultTextStyle>
+  <p:extLst>
+    <p:ext uri="{EFAFB233-063F-42B5-8137-9DF3F51BA10A}">
+      <p15:sldGuideLst xmlns:p15="http://schemas.microsoft.com/office/powerpoint/2012/main">
+        <p15:guide id="1" orient="horz" pos="816">
+          <p15:clr>
+            <a:srgbClr val="A4A3A4"/>
+          </p15:clr>
+        </p15:guide>
+        <p15:guide id="2" pos="521">
+          <p15:clr>
+            <a:srgbClr val="A4A3A4"/>
+          </p15:clr>
+        </p15:guide>
+      </p15:sldGuideLst>
+    </p:ext>
+    <p:ext uri="{2D200454-40CA-4A62-9FC3-DE9A4176ACB9}">
+      <p15:notesGuideLst xmlns:p15="http://schemas.microsoft.com/office/powerpoint/2012/main">
+        <p15:guide id="1" orient="horz" pos="2928">
+          <p15:clr>
+            <a:srgbClr val="A4A3A4"/>
+          </p15:clr>
+        </p15:guide>
+        <p15:guide id="2" pos="2168">
+          <p15:clr>
+            <a:srgbClr val="A4A3A4"/>
+          </p15:clr>
+        </p15:guide>
+      </p15:notesGuideLst>
+    </p:ext>
+  </p:extLst>
 </p:presentation>
+</file>
+
+<file path=ppt/changesInfos/changesInfo1.xml><?xml version="1.0" encoding="utf-8"?>
+<pc:chgInfo xmlns:a="http://schemas.openxmlformats.org/drawingml/2006/main" xmlns:r="http://schemas.openxmlformats.org/officeDocument/2006/relationships" xmlns:ac="http://schemas.microsoft.com/office/drawing/2013/main/command" xmlns:pc="http://schemas.microsoft.com/office/powerpoint/2013/main/command">
+  <pc:docChgLst>
+    <pc:chgData name="Jack Chen" userId="655c2951-6fa0-4a15-b0e2-9b051fb07273" providerId="ADAL" clId="{F2C1ED6E-F1E4-4857-BB2F-5920ECF28C8C}"/>
+    <pc:docChg chg="modShowInfo">
+      <pc:chgData name="Jack Chen" userId="655c2951-6fa0-4a15-b0e2-9b051fb07273" providerId="ADAL" clId="{F2C1ED6E-F1E4-4857-BB2F-5920ECF28C8C}" dt="2021-06-08T11:00:56.422" v="0" actId="2744"/>
+      <pc:docMkLst>
+        <pc:docMk/>
+      </pc:docMkLst>
+    </pc:docChg>
+  </pc:docChgLst>
+</pc:chgInfo>
 </file>
 
 <file path=ppt/handoutMasters/handoutMaster1.xml><?xml version="1.0" encoding="utf-8"?>
@@ -406,6 +450,11 @@
         </p:txBody>
       </p:sp>
     </p:spTree>
+    <p:extLst>
+      <p:ext uri="{BB962C8B-B14F-4D97-AF65-F5344CB8AC3E}">
+        <p14:creationId xmlns:p14="http://schemas.microsoft.com/office/powerpoint/2010/main" val="1"/>
+      </p:ext>
+    </p:extLst>
   </p:cSld>
   <p:clrMap bg1="lt1" tx1="dk1" bg2="lt2" tx2="dk2" accent1="accent1" accent2="accent2" accent3="accent3" accent4="accent4" accent5="accent5" accent6="accent6" hlink="hlink" folHlink="folHlink"/>
 </p:handoutMaster>
@@ -595,35 +644,35 @@
           <a:p>
             <a:pPr lvl="0"/>
             <a:r>
-              <a:rPr lang="en-US" noProof="0" smtClean="0"/>
+              <a:rPr lang="en-US" noProof="0"/>
               <a:t>Click to edit Master text styles</a:t>
             </a:r>
           </a:p>
           <a:p>
             <a:pPr lvl="1"/>
             <a:r>
-              <a:rPr lang="en-US" noProof="0" smtClean="0"/>
+              <a:rPr lang="en-US" noProof="0"/>
               <a:t>Second level</a:t>
             </a:r>
           </a:p>
           <a:p>
             <a:pPr lvl="2"/>
             <a:r>
-              <a:rPr lang="en-US" noProof="0" smtClean="0"/>
+              <a:rPr lang="en-US" noProof="0"/>
               <a:t>Third level</a:t>
             </a:r>
           </a:p>
           <a:p>
             <a:pPr lvl="3"/>
             <a:r>
-              <a:rPr lang="en-US" noProof="0" smtClean="0"/>
+              <a:rPr lang="en-US" noProof="0"/>
               <a:t>Fourth level</a:t>
             </a:r>
           </a:p>
           <a:p>
             <a:pPr lvl="4"/>
             <a:r>
-              <a:rPr lang="en-US" noProof="0" smtClean="0"/>
+              <a:rPr lang="en-US" noProof="0"/>
               <a:t>Fifth level</a:t>
             </a:r>
           </a:p>
@@ -897,7 +946,7 @@
               <a:pPr/>
               <a:t>1</a:t>
             </a:fld>
-            <a:endParaRPr lang="en-US" altLang="zh-TW" smtClean="0"/>
+            <a:endParaRPr lang="en-US" altLang="zh-TW"/>
           </a:p>
         </p:txBody>
       </p:sp>
@@ -934,7 +983,7 @@
           <a:lstStyle/>
           <a:p>
             <a:pPr eaLnBrk="1" hangingPunct="1"/>
-            <a:endParaRPr lang="zh-TW" altLang="zh-TW" smtClean="0"/>
+            <a:endParaRPr lang="zh-TW" altLang="zh-TW"/>
           </a:p>
         </p:txBody>
       </p:sp>
@@ -985,7 +1034,7 @@
               <a:pPr/>
               <a:t>10</a:t>
             </a:fld>
-            <a:endParaRPr lang="en-US" altLang="zh-TW" smtClean="0"/>
+            <a:endParaRPr lang="en-US" altLang="zh-TW"/>
           </a:p>
         </p:txBody>
       </p:sp>
@@ -1022,7 +1071,7 @@
           <a:lstStyle/>
           <a:p>
             <a:pPr eaLnBrk="1" hangingPunct="1"/>
-            <a:endParaRPr lang="zh-TW" altLang="zh-TW" smtClean="0"/>
+            <a:endParaRPr lang="zh-TW" altLang="zh-TW"/>
           </a:p>
         </p:txBody>
       </p:sp>
@@ -1073,7 +1122,7 @@
               <a:pPr/>
               <a:t>11</a:t>
             </a:fld>
-            <a:endParaRPr lang="en-US" altLang="zh-TW" smtClean="0"/>
+            <a:endParaRPr lang="en-US" altLang="zh-TW"/>
           </a:p>
         </p:txBody>
       </p:sp>
@@ -1110,7 +1159,7 @@
           <a:lstStyle/>
           <a:p>
             <a:pPr eaLnBrk="1" hangingPunct="1"/>
-            <a:endParaRPr lang="zh-TW" altLang="zh-TW" smtClean="0"/>
+            <a:endParaRPr lang="zh-TW" altLang="zh-TW"/>
           </a:p>
         </p:txBody>
       </p:sp>
@@ -1161,7 +1210,7 @@
               <a:pPr/>
               <a:t>12</a:t>
             </a:fld>
-            <a:endParaRPr lang="en-US" altLang="zh-TW" smtClean="0"/>
+            <a:endParaRPr lang="en-US" altLang="zh-TW"/>
           </a:p>
         </p:txBody>
       </p:sp>
@@ -1198,7 +1247,7 @@
           <a:lstStyle/>
           <a:p>
             <a:pPr eaLnBrk="1" hangingPunct="1"/>
-            <a:endParaRPr lang="zh-TW" altLang="zh-TW" smtClean="0"/>
+            <a:endParaRPr lang="zh-TW" altLang="zh-TW"/>
           </a:p>
         </p:txBody>
       </p:sp>
@@ -1249,7 +1298,7 @@
               <a:pPr/>
               <a:t>13</a:t>
             </a:fld>
-            <a:endParaRPr lang="en-US" altLang="zh-TW" smtClean="0"/>
+            <a:endParaRPr lang="en-US" altLang="zh-TW"/>
           </a:p>
         </p:txBody>
       </p:sp>
@@ -1286,7 +1335,7 @@
           <a:lstStyle/>
           <a:p>
             <a:pPr eaLnBrk="1" hangingPunct="1"/>
-            <a:endParaRPr lang="zh-TW" altLang="zh-TW" smtClean="0"/>
+            <a:endParaRPr lang="zh-TW" altLang="zh-TW"/>
           </a:p>
         </p:txBody>
       </p:sp>
@@ -1337,7 +1386,7 @@
               <a:pPr/>
               <a:t>14</a:t>
             </a:fld>
-            <a:endParaRPr lang="en-US" altLang="zh-TW" smtClean="0"/>
+            <a:endParaRPr lang="en-US" altLang="zh-TW"/>
           </a:p>
         </p:txBody>
       </p:sp>
@@ -1374,7 +1423,7 @@
           <a:lstStyle/>
           <a:p>
             <a:pPr eaLnBrk="1" hangingPunct="1"/>
-            <a:endParaRPr lang="zh-TW" altLang="zh-TW" smtClean="0"/>
+            <a:endParaRPr lang="zh-TW" altLang="zh-TW"/>
           </a:p>
         </p:txBody>
       </p:sp>
@@ -1425,7 +1474,7 @@
               <a:pPr/>
               <a:t>15</a:t>
             </a:fld>
-            <a:endParaRPr lang="en-US" altLang="zh-TW" smtClean="0"/>
+            <a:endParaRPr lang="en-US" altLang="zh-TW"/>
           </a:p>
         </p:txBody>
       </p:sp>
@@ -1462,7 +1511,7 @@
           <a:lstStyle/>
           <a:p>
             <a:pPr eaLnBrk="1" hangingPunct="1"/>
-            <a:endParaRPr lang="zh-TW" altLang="zh-TW" smtClean="0"/>
+            <a:endParaRPr lang="zh-TW" altLang="zh-TW"/>
           </a:p>
         </p:txBody>
       </p:sp>
@@ -1513,7 +1562,7 @@
               <a:pPr/>
               <a:t>16</a:t>
             </a:fld>
-            <a:endParaRPr lang="en-US" altLang="zh-TW" smtClean="0"/>
+            <a:endParaRPr lang="en-US" altLang="zh-TW"/>
           </a:p>
         </p:txBody>
       </p:sp>
@@ -1550,7 +1599,7 @@
           <a:lstStyle/>
           <a:p>
             <a:pPr eaLnBrk="1" hangingPunct="1"/>
-            <a:endParaRPr lang="zh-TW" altLang="zh-TW" smtClean="0"/>
+            <a:endParaRPr lang="zh-TW" altLang="zh-TW"/>
           </a:p>
         </p:txBody>
       </p:sp>
@@ -1601,7 +1650,7 @@
               <a:pPr/>
               <a:t>17</a:t>
             </a:fld>
-            <a:endParaRPr lang="en-US" altLang="zh-TW" smtClean="0"/>
+            <a:endParaRPr lang="en-US" altLang="zh-TW"/>
           </a:p>
         </p:txBody>
       </p:sp>
@@ -1638,7 +1687,7 @@
           <a:lstStyle/>
           <a:p>
             <a:pPr eaLnBrk="1" hangingPunct="1"/>
-            <a:endParaRPr lang="zh-TW" altLang="zh-TW" smtClean="0"/>
+            <a:endParaRPr lang="zh-TW" altLang="zh-TW"/>
           </a:p>
         </p:txBody>
       </p:sp>
@@ -1689,7 +1738,7 @@
               <a:pPr/>
               <a:t>19</a:t>
             </a:fld>
-            <a:endParaRPr lang="en-US" altLang="zh-TW" smtClean="0"/>
+            <a:endParaRPr lang="en-US" altLang="zh-TW"/>
           </a:p>
         </p:txBody>
       </p:sp>
@@ -1726,7 +1775,7 @@
           <a:lstStyle/>
           <a:p>
             <a:pPr eaLnBrk="1" hangingPunct="1"/>
-            <a:endParaRPr lang="zh-TW" altLang="zh-TW" smtClean="0"/>
+            <a:endParaRPr lang="zh-TW" altLang="zh-TW"/>
           </a:p>
         </p:txBody>
       </p:sp>
@@ -1777,7 +1826,7 @@
               <a:pPr/>
               <a:t>20</a:t>
             </a:fld>
-            <a:endParaRPr lang="en-US" altLang="zh-TW" smtClean="0"/>
+            <a:endParaRPr lang="en-US" altLang="zh-TW"/>
           </a:p>
         </p:txBody>
       </p:sp>
@@ -1814,7 +1863,7 @@
           <a:lstStyle/>
           <a:p>
             <a:pPr eaLnBrk="1" hangingPunct="1"/>
-            <a:endParaRPr lang="zh-TW" altLang="zh-TW" smtClean="0"/>
+            <a:endParaRPr lang="zh-TW" altLang="zh-TW"/>
           </a:p>
         </p:txBody>
       </p:sp>
@@ -1865,7 +1914,7 @@
               <a:pPr/>
               <a:t>2</a:t>
             </a:fld>
-            <a:endParaRPr lang="en-US" altLang="zh-TW" smtClean="0"/>
+            <a:endParaRPr lang="en-US" altLang="zh-TW"/>
           </a:p>
         </p:txBody>
       </p:sp>
@@ -1902,7 +1951,7 @@
           <a:lstStyle/>
           <a:p>
             <a:pPr eaLnBrk="1" hangingPunct="1"/>
-            <a:endParaRPr lang="zh-TW" altLang="zh-TW" smtClean="0"/>
+            <a:endParaRPr lang="zh-TW" altLang="zh-TW"/>
           </a:p>
         </p:txBody>
       </p:sp>
@@ -1953,7 +2002,7 @@
               <a:pPr/>
               <a:t>21</a:t>
             </a:fld>
-            <a:endParaRPr lang="en-US" altLang="zh-TW" smtClean="0"/>
+            <a:endParaRPr lang="en-US" altLang="zh-TW"/>
           </a:p>
         </p:txBody>
       </p:sp>
@@ -1990,7 +2039,7 @@
           <a:lstStyle/>
           <a:p>
             <a:pPr eaLnBrk="1" hangingPunct="1"/>
-            <a:endParaRPr lang="zh-TW" altLang="zh-TW" smtClean="0"/>
+            <a:endParaRPr lang="zh-TW" altLang="zh-TW"/>
           </a:p>
         </p:txBody>
       </p:sp>
@@ -2041,7 +2090,7 @@
               <a:pPr/>
               <a:t>22</a:t>
             </a:fld>
-            <a:endParaRPr lang="en-US" altLang="zh-TW" smtClean="0"/>
+            <a:endParaRPr lang="en-US" altLang="zh-TW"/>
           </a:p>
         </p:txBody>
       </p:sp>
@@ -2078,7 +2127,7 @@
           <a:lstStyle/>
           <a:p>
             <a:pPr eaLnBrk="1" hangingPunct="1"/>
-            <a:endParaRPr lang="zh-TW" altLang="zh-TW" smtClean="0"/>
+            <a:endParaRPr lang="zh-TW" altLang="zh-TW"/>
           </a:p>
         </p:txBody>
       </p:sp>
@@ -2129,7 +2178,7 @@
               <a:pPr/>
               <a:t>23</a:t>
             </a:fld>
-            <a:endParaRPr lang="en-US" altLang="zh-TW" smtClean="0"/>
+            <a:endParaRPr lang="en-US" altLang="zh-TW"/>
           </a:p>
         </p:txBody>
       </p:sp>
@@ -2166,7 +2215,7 @@
           <a:lstStyle/>
           <a:p>
             <a:pPr eaLnBrk="1" hangingPunct="1"/>
-            <a:endParaRPr lang="zh-TW" altLang="zh-TW" smtClean="0"/>
+            <a:endParaRPr lang="zh-TW" altLang="zh-TW"/>
           </a:p>
         </p:txBody>
       </p:sp>
@@ -2217,7 +2266,7 @@
               <a:pPr/>
               <a:t>24</a:t>
             </a:fld>
-            <a:endParaRPr lang="en-US" altLang="zh-TW" smtClean="0"/>
+            <a:endParaRPr lang="en-US" altLang="zh-TW"/>
           </a:p>
         </p:txBody>
       </p:sp>
@@ -2254,7 +2303,7 @@
           <a:lstStyle/>
           <a:p>
             <a:pPr eaLnBrk="1" hangingPunct="1"/>
-            <a:endParaRPr lang="zh-TW" altLang="zh-TW" smtClean="0"/>
+            <a:endParaRPr lang="zh-TW" altLang="zh-TW"/>
           </a:p>
         </p:txBody>
       </p:sp>
@@ -2305,7 +2354,7 @@
               <a:pPr/>
               <a:t>25</a:t>
             </a:fld>
-            <a:endParaRPr lang="en-US" altLang="zh-TW" smtClean="0"/>
+            <a:endParaRPr lang="en-US" altLang="zh-TW"/>
           </a:p>
         </p:txBody>
       </p:sp>
@@ -2342,7 +2391,7 @@
           <a:lstStyle/>
           <a:p>
             <a:pPr eaLnBrk="1" hangingPunct="1"/>
-            <a:endParaRPr lang="zh-TW" altLang="zh-TW" smtClean="0"/>
+            <a:endParaRPr lang="zh-TW" altLang="zh-TW"/>
           </a:p>
         </p:txBody>
       </p:sp>
@@ -2393,7 +2442,7 @@
               <a:pPr/>
               <a:t>26</a:t>
             </a:fld>
-            <a:endParaRPr lang="en-US" altLang="zh-TW" smtClean="0"/>
+            <a:endParaRPr lang="en-US" altLang="zh-TW"/>
           </a:p>
         </p:txBody>
       </p:sp>
@@ -2430,7 +2479,7 @@
           <a:lstStyle/>
           <a:p>
             <a:pPr eaLnBrk="1" hangingPunct="1"/>
-            <a:endParaRPr lang="zh-TW" altLang="zh-TW" smtClean="0"/>
+            <a:endParaRPr lang="zh-TW" altLang="zh-TW"/>
           </a:p>
         </p:txBody>
       </p:sp>
@@ -2481,7 +2530,7 @@
               <a:pPr/>
               <a:t>27</a:t>
             </a:fld>
-            <a:endParaRPr lang="en-US" altLang="zh-TW" smtClean="0"/>
+            <a:endParaRPr lang="en-US" altLang="zh-TW"/>
           </a:p>
         </p:txBody>
       </p:sp>
@@ -2518,7 +2567,7 @@
           <a:lstStyle/>
           <a:p>
             <a:pPr eaLnBrk="1" hangingPunct="1"/>
-            <a:endParaRPr lang="zh-TW" altLang="zh-TW" smtClean="0"/>
+            <a:endParaRPr lang="zh-TW" altLang="zh-TW"/>
           </a:p>
         </p:txBody>
       </p:sp>
@@ -2569,7 +2618,7 @@
               <a:pPr/>
               <a:t>28</a:t>
             </a:fld>
-            <a:endParaRPr lang="en-US" altLang="zh-TW" smtClean="0"/>
+            <a:endParaRPr lang="en-US" altLang="zh-TW"/>
           </a:p>
         </p:txBody>
       </p:sp>
@@ -2606,7 +2655,7 @@
           <a:lstStyle/>
           <a:p>
             <a:pPr eaLnBrk="1" hangingPunct="1"/>
-            <a:endParaRPr lang="zh-TW" altLang="zh-TW" smtClean="0"/>
+            <a:endParaRPr lang="zh-TW" altLang="zh-TW"/>
           </a:p>
         </p:txBody>
       </p:sp>
@@ -2657,7 +2706,7 @@
               <a:pPr/>
               <a:t>29</a:t>
             </a:fld>
-            <a:endParaRPr lang="en-US" altLang="zh-TW" smtClean="0"/>
+            <a:endParaRPr lang="en-US" altLang="zh-TW"/>
           </a:p>
         </p:txBody>
       </p:sp>
@@ -2694,7 +2743,7 @@
           <a:lstStyle/>
           <a:p>
             <a:pPr eaLnBrk="1" hangingPunct="1"/>
-            <a:endParaRPr lang="zh-TW" altLang="zh-TW" smtClean="0"/>
+            <a:endParaRPr lang="zh-TW" altLang="zh-TW"/>
           </a:p>
         </p:txBody>
       </p:sp>
@@ -2745,7 +2794,7 @@
               <a:pPr/>
               <a:t>30</a:t>
             </a:fld>
-            <a:endParaRPr lang="en-US" altLang="zh-TW" smtClean="0"/>
+            <a:endParaRPr lang="en-US" altLang="zh-TW"/>
           </a:p>
         </p:txBody>
       </p:sp>
@@ -2782,7 +2831,7 @@
           <a:lstStyle/>
           <a:p>
             <a:pPr eaLnBrk="1" hangingPunct="1"/>
-            <a:endParaRPr lang="zh-TW" altLang="zh-TW" smtClean="0"/>
+            <a:endParaRPr lang="zh-TW" altLang="zh-TW"/>
           </a:p>
         </p:txBody>
       </p:sp>
@@ -2833,7 +2882,7 @@
               <a:pPr/>
               <a:t>3</a:t>
             </a:fld>
-            <a:endParaRPr lang="en-US" altLang="zh-TW" smtClean="0"/>
+            <a:endParaRPr lang="en-US" altLang="zh-TW"/>
           </a:p>
         </p:txBody>
       </p:sp>
@@ -2870,7 +2919,7 @@
           <a:lstStyle/>
           <a:p>
             <a:pPr eaLnBrk="1" hangingPunct="1"/>
-            <a:endParaRPr lang="zh-TW" altLang="zh-TW" smtClean="0"/>
+            <a:endParaRPr lang="zh-TW" altLang="zh-TW"/>
           </a:p>
         </p:txBody>
       </p:sp>
@@ -2921,7 +2970,7 @@
               <a:pPr/>
               <a:t>31</a:t>
             </a:fld>
-            <a:endParaRPr lang="en-US" altLang="zh-TW" smtClean="0"/>
+            <a:endParaRPr lang="en-US" altLang="zh-TW"/>
           </a:p>
         </p:txBody>
       </p:sp>
@@ -2958,7 +3007,7 @@
           <a:lstStyle/>
           <a:p>
             <a:pPr eaLnBrk="1" hangingPunct="1"/>
-            <a:endParaRPr lang="zh-TW" altLang="zh-TW" smtClean="0"/>
+            <a:endParaRPr lang="zh-TW" altLang="zh-TW"/>
           </a:p>
         </p:txBody>
       </p:sp>
@@ -3009,7 +3058,7 @@
               <a:pPr/>
               <a:t>32</a:t>
             </a:fld>
-            <a:endParaRPr lang="en-US" altLang="zh-TW" smtClean="0"/>
+            <a:endParaRPr lang="en-US" altLang="zh-TW"/>
           </a:p>
         </p:txBody>
       </p:sp>
@@ -3046,7 +3095,7 @@
           <a:lstStyle/>
           <a:p>
             <a:pPr eaLnBrk="1" hangingPunct="1"/>
-            <a:endParaRPr lang="zh-TW" altLang="zh-TW" smtClean="0"/>
+            <a:endParaRPr lang="zh-TW" altLang="zh-TW"/>
           </a:p>
         </p:txBody>
       </p:sp>
@@ -3097,7 +3146,7 @@
               <a:pPr/>
               <a:t>33</a:t>
             </a:fld>
-            <a:endParaRPr lang="en-US" altLang="zh-TW" smtClean="0"/>
+            <a:endParaRPr lang="en-US" altLang="zh-TW"/>
           </a:p>
         </p:txBody>
       </p:sp>
@@ -3134,7 +3183,7 @@
           <a:lstStyle/>
           <a:p>
             <a:pPr eaLnBrk="1" hangingPunct="1"/>
-            <a:endParaRPr lang="zh-TW" altLang="zh-TW" smtClean="0"/>
+            <a:endParaRPr lang="zh-TW" altLang="zh-TW"/>
           </a:p>
         </p:txBody>
       </p:sp>
@@ -3185,7 +3234,7 @@
               <a:pPr/>
               <a:t>34</a:t>
             </a:fld>
-            <a:endParaRPr lang="en-US" altLang="zh-TW" smtClean="0"/>
+            <a:endParaRPr lang="en-US" altLang="zh-TW"/>
           </a:p>
         </p:txBody>
       </p:sp>
@@ -3222,7 +3271,7 @@
           <a:lstStyle/>
           <a:p>
             <a:pPr eaLnBrk="1" hangingPunct="1"/>
-            <a:endParaRPr lang="zh-TW" altLang="zh-TW" smtClean="0"/>
+            <a:endParaRPr lang="zh-TW" altLang="zh-TW"/>
           </a:p>
         </p:txBody>
       </p:sp>
@@ -3273,7 +3322,7 @@
               <a:pPr/>
               <a:t>35</a:t>
             </a:fld>
-            <a:endParaRPr lang="en-US" altLang="zh-TW" smtClean="0"/>
+            <a:endParaRPr lang="en-US" altLang="zh-TW"/>
           </a:p>
         </p:txBody>
       </p:sp>
@@ -3310,7 +3359,7 @@
           <a:lstStyle/>
           <a:p>
             <a:pPr eaLnBrk="1" hangingPunct="1"/>
-            <a:endParaRPr lang="zh-TW" altLang="zh-TW" smtClean="0"/>
+            <a:endParaRPr lang="zh-TW" altLang="zh-TW"/>
           </a:p>
         </p:txBody>
       </p:sp>
@@ -3361,7 +3410,7 @@
               <a:pPr/>
               <a:t>36</a:t>
             </a:fld>
-            <a:endParaRPr lang="en-US" altLang="zh-TW" smtClean="0"/>
+            <a:endParaRPr lang="en-US" altLang="zh-TW"/>
           </a:p>
         </p:txBody>
       </p:sp>
@@ -3398,7 +3447,7 @@
           <a:lstStyle/>
           <a:p>
             <a:pPr eaLnBrk="1" hangingPunct="1"/>
-            <a:endParaRPr lang="zh-TW" altLang="zh-TW" smtClean="0"/>
+            <a:endParaRPr lang="zh-TW" altLang="zh-TW"/>
           </a:p>
         </p:txBody>
       </p:sp>
@@ -3449,7 +3498,7 @@
               <a:pPr/>
               <a:t>37</a:t>
             </a:fld>
-            <a:endParaRPr lang="en-US" altLang="zh-TW" smtClean="0"/>
+            <a:endParaRPr lang="en-US" altLang="zh-TW"/>
           </a:p>
         </p:txBody>
       </p:sp>
@@ -3486,7 +3535,7 @@
           <a:lstStyle/>
           <a:p>
             <a:pPr eaLnBrk="1" hangingPunct="1"/>
-            <a:endParaRPr lang="zh-TW" altLang="zh-TW" smtClean="0"/>
+            <a:endParaRPr lang="zh-TW" altLang="zh-TW"/>
           </a:p>
         </p:txBody>
       </p:sp>
@@ -3537,7 +3586,7 @@
               <a:pPr/>
               <a:t>38</a:t>
             </a:fld>
-            <a:endParaRPr lang="en-US" altLang="zh-TW" smtClean="0"/>
+            <a:endParaRPr lang="en-US" altLang="zh-TW"/>
           </a:p>
         </p:txBody>
       </p:sp>
@@ -3574,7 +3623,7 @@
           <a:lstStyle/>
           <a:p>
             <a:pPr eaLnBrk="1" hangingPunct="1"/>
-            <a:endParaRPr lang="zh-TW" altLang="zh-TW" smtClean="0"/>
+            <a:endParaRPr lang="zh-TW" altLang="zh-TW"/>
           </a:p>
         </p:txBody>
       </p:sp>
@@ -3625,7 +3674,7 @@
               <a:pPr/>
               <a:t>39</a:t>
             </a:fld>
-            <a:endParaRPr lang="en-US" altLang="zh-TW" smtClean="0"/>
+            <a:endParaRPr lang="en-US" altLang="zh-TW"/>
           </a:p>
         </p:txBody>
       </p:sp>
@@ -3662,7 +3711,7 @@
           <a:lstStyle/>
           <a:p>
             <a:pPr eaLnBrk="1" hangingPunct="1"/>
-            <a:endParaRPr lang="zh-TW" altLang="zh-TW" smtClean="0"/>
+            <a:endParaRPr lang="zh-TW" altLang="zh-TW"/>
           </a:p>
         </p:txBody>
       </p:sp>
@@ -3713,7 +3762,7 @@
               <a:pPr/>
               <a:t>40</a:t>
             </a:fld>
-            <a:endParaRPr lang="en-US" altLang="zh-TW" smtClean="0"/>
+            <a:endParaRPr lang="en-US" altLang="zh-TW"/>
           </a:p>
         </p:txBody>
       </p:sp>
@@ -3750,7 +3799,7 @@
           <a:lstStyle/>
           <a:p>
             <a:pPr eaLnBrk="1" hangingPunct="1"/>
-            <a:endParaRPr lang="zh-TW" altLang="zh-TW" smtClean="0"/>
+            <a:endParaRPr lang="zh-TW" altLang="zh-TW"/>
           </a:p>
         </p:txBody>
       </p:sp>
@@ -3801,7 +3850,7 @@
               <a:pPr/>
               <a:t>4</a:t>
             </a:fld>
-            <a:endParaRPr lang="en-US" altLang="zh-TW" smtClean="0"/>
+            <a:endParaRPr lang="en-US" altLang="zh-TW"/>
           </a:p>
         </p:txBody>
       </p:sp>
@@ -3838,7 +3887,7 @@
           <a:lstStyle/>
           <a:p>
             <a:pPr eaLnBrk="1" hangingPunct="1"/>
-            <a:endParaRPr lang="zh-TW" altLang="zh-TW" smtClean="0"/>
+            <a:endParaRPr lang="zh-TW" altLang="zh-TW"/>
           </a:p>
         </p:txBody>
       </p:sp>
@@ -3889,7 +3938,7 @@
               <a:pPr/>
               <a:t>41</a:t>
             </a:fld>
-            <a:endParaRPr lang="en-US" altLang="zh-TW" smtClean="0"/>
+            <a:endParaRPr lang="en-US" altLang="zh-TW"/>
           </a:p>
         </p:txBody>
       </p:sp>
@@ -3926,7 +3975,7 @@
           <a:lstStyle/>
           <a:p>
             <a:pPr eaLnBrk="1" hangingPunct="1"/>
-            <a:endParaRPr lang="zh-TW" altLang="zh-TW" smtClean="0"/>
+            <a:endParaRPr lang="zh-TW" altLang="zh-TW"/>
           </a:p>
         </p:txBody>
       </p:sp>
@@ -3977,7 +4026,7 @@
               <a:pPr/>
               <a:t>42</a:t>
             </a:fld>
-            <a:endParaRPr lang="en-US" altLang="zh-TW" smtClean="0"/>
+            <a:endParaRPr lang="en-US" altLang="zh-TW"/>
           </a:p>
         </p:txBody>
       </p:sp>
@@ -4014,7 +4063,7 @@
           <a:lstStyle/>
           <a:p>
             <a:pPr eaLnBrk="1" hangingPunct="1"/>
-            <a:endParaRPr lang="zh-TW" altLang="zh-TW" smtClean="0"/>
+            <a:endParaRPr lang="zh-TW" altLang="zh-TW"/>
           </a:p>
         </p:txBody>
       </p:sp>
@@ -4065,7 +4114,7 @@
               <a:pPr/>
               <a:t>43</a:t>
             </a:fld>
-            <a:endParaRPr lang="en-US" altLang="zh-TW" smtClean="0"/>
+            <a:endParaRPr lang="en-US" altLang="zh-TW"/>
           </a:p>
         </p:txBody>
       </p:sp>
@@ -4102,7 +4151,7 @@
           <a:lstStyle/>
           <a:p>
             <a:pPr eaLnBrk="1" hangingPunct="1"/>
-            <a:endParaRPr lang="zh-TW" altLang="zh-TW" smtClean="0"/>
+            <a:endParaRPr lang="zh-TW" altLang="zh-TW"/>
           </a:p>
         </p:txBody>
       </p:sp>
@@ -4153,7 +4202,7 @@
               <a:pPr/>
               <a:t>5</a:t>
             </a:fld>
-            <a:endParaRPr lang="en-US" altLang="zh-TW" smtClean="0"/>
+            <a:endParaRPr lang="en-US" altLang="zh-TW"/>
           </a:p>
         </p:txBody>
       </p:sp>
@@ -4190,7 +4239,7 @@
           <a:lstStyle/>
           <a:p>
             <a:pPr eaLnBrk="1" hangingPunct="1"/>
-            <a:endParaRPr lang="zh-TW" altLang="zh-TW" smtClean="0"/>
+            <a:endParaRPr lang="zh-TW" altLang="zh-TW"/>
           </a:p>
         </p:txBody>
       </p:sp>
@@ -4241,7 +4290,7 @@
               <a:pPr/>
               <a:t>6</a:t>
             </a:fld>
-            <a:endParaRPr lang="en-US" altLang="zh-TW" smtClean="0"/>
+            <a:endParaRPr lang="en-US" altLang="zh-TW"/>
           </a:p>
         </p:txBody>
       </p:sp>
@@ -4278,7 +4327,7 @@
           <a:lstStyle/>
           <a:p>
             <a:pPr eaLnBrk="1" hangingPunct="1"/>
-            <a:endParaRPr lang="zh-TW" altLang="zh-TW" smtClean="0"/>
+            <a:endParaRPr lang="zh-TW" altLang="zh-TW"/>
           </a:p>
         </p:txBody>
       </p:sp>
@@ -4329,7 +4378,7 @@
               <a:pPr/>
               <a:t>7</a:t>
             </a:fld>
-            <a:endParaRPr lang="en-US" altLang="zh-TW" smtClean="0"/>
+            <a:endParaRPr lang="en-US" altLang="zh-TW"/>
           </a:p>
         </p:txBody>
       </p:sp>
@@ -4366,7 +4415,7 @@
           <a:lstStyle/>
           <a:p>
             <a:pPr eaLnBrk="1" hangingPunct="1"/>
-            <a:endParaRPr lang="zh-TW" altLang="zh-TW" smtClean="0"/>
+            <a:endParaRPr lang="zh-TW" altLang="zh-TW"/>
           </a:p>
         </p:txBody>
       </p:sp>
@@ -4417,7 +4466,7 @@
               <a:pPr/>
               <a:t>8</a:t>
             </a:fld>
-            <a:endParaRPr lang="en-US" altLang="zh-TW" smtClean="0"/>
+            <a:endParaRPr lang="en-US" altLang="zh-TW"/>
           </a:p>
         </p:txBody>
       </p:sp>
@@ -4454,7 +4503,7 @@
           <a:lstStyle/>
           <a:p>
             <a:pPr eaLnBrk="1" hangingPunct="1"/>
-            <a:endParaRPr lang="zh-TW" altLang="zh-TW" smtClean="0"/>
+            <a:endParaRPr lang="zh-TW" altLang="zh-TW"/>
           </a:p>
         </p:txBody>
       </p:sp>
@@ -4505,7 +4554,7 @@
               <a:pPr/>
               <a:t>9</a:t>
             </a:fld>
-            <a:endParaRPr lang="en-US" altLang="zh-TW" smtClean="0"/>
+            <a:endParaRPr lang="en-US" altLang="zh-TW"/>
           </a:p>
         </p:txBody>
       </p:sp>
@@ -4542,7 +4591,7 @@
           <a:lstStyle/>
           <a:p>
             <a:pPr eaLnBrk="1" hangingPunct="1"/>
-            <a:endParaRPr lang="zh-TW" altLang="zh-TW" smtClean="0"/>
+            <a:endParaRPr lang="zh-TW" altLang="zh-TW"/>
           </a:p>
         </p:txBody>
       </p:sp>
@@ -4810,13 +4859,6 @@
   <p:clrMapOvr>
     <a:masterClrMapping/>
   </p:clrMapOvr>
-  <p:timing>
-    <p:tnLst>
-      <p:par>
-        <p:cTn id="1" dur="indefinite" restart="never" nodeType="tmRoot"/>
-      </p:par>
-    </p:tnLst>
-  </p:timing>
 </p:sldLayout>
 </file>
 
@@ -4853,10 +4895,9 @@
           <a:lstStyle/>
           <a:p>
             <a:r>
-              <a:rPr lang="en-US" smtClean="0"/>
+              <a:rPr lang="en-US"/>
               <a:t>Click to edit Master title style</a:t>
             </a:r>
-            <a:endParaRPr lang="en-US"/>
           </a:p>
         </p:txBody>
       </p:sp>
@@ -4877,38 +4918,37 @@
           <a:p>
             <a:pPr lvl="0"/>
             <a:r>
-              <a:rPr lang="en-US" smtClean="0"/>
+              <a:rPr lang="en-US"/>
               <a:t>Click to edit Master text styles</a:t>
             </a:r>
           </a:p>
           <a:p>
             <a:pPr lvl="1"/>
             <a:r>
-              <a:rPr lang="en-US" smtClean="0"/>
+              <a:rPr lang="en-US"/>
               <a:t>Second level</a:t>
             </a:r>
           </a:p>
           <a:p>
             <a:pPr lvl="2"/>
             <a:r>
-              <a:rPr lang="en-US" smtClean="0"/>
+              <a:rPr lang="en-US"/>
               <a:t>Third level</a:t>
             </a:r>
           </a:p>
           <a:p>
             <a:pPr lvl="3"/>
             <a:r>
-              <a:rPr lang="en-US" smtClean="0"/>
+              <a:rPr lang="en-US"/>
               <a:t>Fourth level</a:t>
             </a:r>
           </a:p>
           <a:p>
             <a:pPr lvl="4"/>
             <a:r>
-              <a:rPr lang="en-US" smtClean="0"/>
+              <a:rPr lang="en-US"/>
               <a:t>Fifth level</a:t>
             </a:r>
-            <a:endParaRPr lang="en-US"/>
           </a:p>
         </p:txBody>
       </p:sp>
@@ -4958,10 +4998,9 @@
           <a:lstStyle/>
           <a:p>
             <a:r>
-              <a:rPr lang="en-US" smtClean="0"/>
+              <a:rPr lang="en-US"/>
               <a:t>Click to edit Master title style</a:t>
             </a:r>
-            <a:endParaRPr lang="en-US"/>
           </a:p>
         </p:txBody>
       </p:sp>
@@ -4987,38 +5026,37 @@
           <a:p>
             <a:pPr lvl="0"/>
             <a:r>
-              <a:rPr lang="en-US" smtClean="0"/>
+              <a:rPr lang="en-US"/>
               <a:t>Click to edit Master text styles</a:t>
             </a:r>
           </a:p>
           <a:p>
             <a:pPr lvl="1"/>
             <a:r>
-              <a:rPr lang="en-US" smtClean="0"/>
+              <a:rPr lang="en-US"/>
               <a:t>Second level</a:t>
             </a:r>
           </a:p>
           <a:p>
             <a:pPr lvl="2"/>
             <a:r>
-              <a:rPr lang="en-US" smtClean="0"/>
+              <a:rPr lang="en-US"/>
               <a:t>Third level</a:t>
             </a:r>
           </a:p>
           <a:p>
             <a:pPr lvl="3"/>
             <a:r>
-              <a:rPr lang="en-US" smtClean="0"/>
+              <a:rPr lang="en-US"/>
               <a:t>Fourth level</a:t>
             </a:r>
           </a:p>
           <a:p>
             <a:pPr lvl="4"/>
             <a:r>
-              <a:rPr lang="en-US" smtClean="0"/>
+              <a:rPr lang="en-US"/>
               <a:t>Fifth level</a:t>
             </a:r>
-            <a:endParaRPr lang="en-US"/>
           </a:p>
         </p:txBody>
       </p:sp>
@@ -5063,10 +5101,9 @@
           <a:lstStyle/>
           <a:p>
             <a:r>
-              <a:rPr lang="en-US" smtClean="0"/>
+              <a:rPr lang="en-US"/>
               <a:t>Click to edit Master title style</a:t>
             </a:r>
-            <a:endParaRPr lang="en-US"/>
           </a:p>
         </p:txBody>
       </p:sp>
@@ -5087,38 +5124,37 @@
           <a:p>
             <a:pPr lvl="0"/>
             <a:r>
-              <a:rPr lang="en-US" smtClean="0"/>
+              <a:rPr lang="en-US"/>
               <a:t>Click to edit Master text styles</a:t>
             </a:r>
           </a:p>
           <a:p>
             <a:pPr lvl="1"/>
             <a:r>
-              <a:rPr lang="en-US" smtClean="0"/>
+              <a:rPr lang="en-US"/>
               <a:t>Second level</a:t>
             </a:r>
           </a:p>
           <a:p>
             <a:pPr lvl="2"/>
             <a:r>
-              <a:rPr lang="en-US" smtClean="0"/>
+              <a:rPr lang="en-US"/>
               <a:t>Third level</a:t>
             </a:r>
           </a:p>
           <a:p>
             <a:pPr lvl="3"/>
             <a:r>
-              <a:rPr lang="en-US" smtClean="0"/>
+              <a:rPr lang="en-US"/>
               <a:t>Fourth level</a:t>
             </a:r>
           </a:p>
           <a:p>
             <a:pPr lvl="4"/>
             <a:r>
-              <a:rPr lang="en-US" smtClean="0"/>
+              <a:rPr lang="en-US"/>
               <a:t>Fifth level</a:t>
             </a:r>
-            <a:endParaRPr lang="en-US"/>
           </a:p>
         </p:txBody>
       </p:sp>
@@ -5127,13 +5163,6 @@
   <p:clrMapOvr>
     <a:masterClrMapping/>
   </p:clrMapOvr>
-  <p:timing>
-    <p:tnLst>
-      <p:par>
-        <p:cTn id="1" dur="indefinite" restart="never" nodeType="tmRoot"/>
-      </p:par>
-    </p:tnLst>
-  </p:timing>
 </p:sldLayout>
 </file>
 
@@ -5179,10 +5208,9 @@
           </a:lstStyle>
           <a:p>
             <a:r>
-              <a:rPr lang="en-US" smtClean="0"/>
+              <a:rPr lang="en-US"/>
               <a:t>Click to edit Master title style</a:t>
             </a:r>
-            <a:endParaRPr lang="en-US"/>
           </a:p>
         </p:txBody>
       </p:sp>
@@ -5245,7 +5273,7 @@
           <a:p>
             <a:pPr lvl="0"/>
             <a:r>
-              <a:rPr lang="en-US" smtClean="0"/>
+              <a:rPr lang="en-US"/>
               <a:t>Click to edit Master text styles</a:t>
             </a:r>
           </a:p>
@@ -5292,10 +5320,9 @@
           <a:lstStyle/>
           <a:p>
             <a:r>
-              <a:rPr lang="en-US" smtClean="0"/>
+              <a:rPr lang="en-US"/>
               <a:t>Click to edit Master title style</a:t>
             </a:r>
-            <a:endParaRPr lang="en-US"/>
           </a:p>
         </p:txBody>
       </p:sp>
@@ -5349,38 +5376,37 @@
           <a:p>
             <a:pPr lvl="0"/>
             <a:r>
-              <a:rPr lang="en-US" smtClean="0"/>
+              <a:rPr lang="en-US"/>
               <a:t>Click to edit Master text styles</a:t>
             </a:r>
           </a:p>
           <a:p>
             <a:pPr lvl="1"/>
             <a:r>
-              <a:rPr lang="en-US" smtClean="0"/>
+              <a:rPr lang="en-US"/>
               <a:t>Second level</a:t>
             </a:r>
           </a:p>
           <a:p>
             <a:pPr lvl="2"/>
             <a:r>
-              <a:rPr lang="en-US" smtClean="0"/>
+              <a:rPr lang="en-US"/>
               <a:t>Third level</a:t>
             </a:r>
           </a:p>
           <a:p>
             <a:pPr lvl="3"/>
             <a:r>
-              <a:rPr lang="en-US" smtClean="0"/>
+              <a:rPr lang="en-US"/>
               <a:t>Fourth level</a:t>
             </a:r>
           </a:p>
           <a:p>
             <a:pPr lvl="4"/>
             <a:r>
-              <a:rPr lang="en-US" smtClean="0"/>
+              <a:rPr lang="en-US"/>
               <a:t>Fifth level</a:t>
             </a:r>
-            <a:endParaRPr lang="en-US"/>
           </a:p>
         </p:txBody>
       </p:sp>
@@ -5434,38 +5460,37 @@
           <a:p>
             <a:pPr lvl="0"/>
             <a:r>
-              <a:rPr lang="en-US" smtClean="0"/>
+              <a:rPr lang="en-US"/>
               <a:t>Click to edit Master text styles</a:t>
             </a:r>
           </a:p>
           <a:p>
             <a:pPr lvl="1"/>
             <a:r>
-              <a:rPr lang="en-US" smtClean="0"/>
+              <a:rPr lang="en-US"/>
               <a:t>Second level</a:t>
             </a:r>
           </a:p>
           <a:p>
             <a:pPr lvl="2"/>
             <a:r>
-              <a:rPr lang="en-US" smtClean="0"/>
+              <a:rPr lang="en-US"/>
               <a:t>Third level</a:t>
             </a:r>
           </a:p>
           <a:p>
             <a:pPr lvl="3"/>
             <a:r>
-              <a:rPr lang="en-US" smtClean="0"/>
+              <a:rPr lang="en-US"/>
               <a:t>Fourth level</a:t>
             </a:r>
           </a:p>
           <a:p>
             <a:pPr lvl="4"/>
             <a:r>
-              <a:rPr lang="en-US" smtClean="0"/>
+              <a:rPr lang="en-US"/>
               <a:t>Fifth level</a:t>
             </a:r>
-            <a:endParaRPr lang="en-US"/>
           </a:p>
         </p:txBody>
       </p:sp>
@@ -5519,10 +5544,9 @@
           </a:lstStyle>
           <a:p>
             <a:r>
-              <a:rPr lang="en-US" smtClean="0"/>
+              <a:rPr lang="en-US"/>
               <a:t>Click to edit Master title style</a:t>
             </a:r>
-            <a:endParaRPr lang="en-US"/>
           </a:p>
         </p:txBody>
       </p:sp>
@@ -5585,7 +5609,7 @@
           <a:p>
             <a:pPr lvl="0"/>
             <a:r>
-              <a:rPr lang="en-US" smtClean="0"/>
+              <a:rPr lang="en-US"/>
               <a:t>Click to edit Master text styles</a:t>
             </a:r>
           </a:p>
@@ -5641,38 +5665,37 @@
           <a:p>
             <a:pPr lvl="0"/>
             <a:r>
-              <a:rPr lang="en-US" smtClean="0"/>
+              <a:rPr lang="en-US"/>
               <a:t>Click to edit Master text styles</a:t>
             </a:r>
           </a:p>
           <a:p>
             <a:pPr lvl="1"/>
             <a:r>
-              <a:rPr lang="en-US" smtClean="0"/>
+              <a:rPr lang="en-US"/>
               <a:t>Second level</a:t>
             </a:r>
           </a:p>
           <a:p>
             <a:pPr lvl="2"/>
             <a:r>
-              <a:rPr lang="en-US" smtClean="0"/>
+              <a:rPr lang="en-US"/>
               <a:t>Third level</a:t>
             </a:r>
           </a:p>
           <a:p>
             <a:pPr lvl="3"/>
             <a:r>
-              <a:rPr lang="en-US" smtClean="0"/>
+              <a:rPr lang="en-US"/>
               <a:t>Fourth level</a:t>
             </a:r>
           </a:p>
           <a:p>
             <a:pPr lvl="4"/>
             <a:r>
-              <a:rPr lang="en-US" smtClean="0"/>
+              <a:rPr lang="en-US"/>
               <a:t>Fifth level</a:t>
             </a:r>
-            <a:endParaRPr lang="en-US"/>
           </a:p>
         </p:txBody>
       </p:sp>
@@ -5735,7 +5758,7 @@
           <a:p>
             <a:pPr lvl="0"/>
             <a:r>
-              <a:rPr lang="en-US" smtClean="0"/>
+              <a:rPr lang="en-US"/>
               <a:t>Click to edit Master text styles</a:t>
             </a:r>
           </a:p>
@@ -5791,38 +5814,37 @@
           <a:p>
             <a:pPr lvl="0"/>
             <a:r>
-              <a:rPr lang="en-US" smtClean="0"/>
+              <a:rPr lang="en-US"/>
               <a:t>Click to edit Master text styles</a:t>
             </a:r>
           </a:p>
           <a:p>
             <a:pPr lvl="1"/>
             <a:r>
-              <a:rPr lang="en-US" smtClean="0"/>
+              <a:rPr lang="en-US"/>
               <a:t>Second level</a:t>
             </a:r>
           </a:p>
           <a:p>
             <a:pPr lvl="2"/>
             <a:r>
-              <a:rPr lang="en-US" smtClean="0"/>
+              <a:rPr lang="en-US"/>
               <a:t>Third level</a:t>
             </a:r>
           </a:p>
           <a:p>
             <a:pPr lvl="3"/>
             <a:r>
-              <a:rPr lang="en-US" smtClean="0"/>
+              <a:rPr lang="en-US"/>
               <a:t>Fourth level</a:t>
             </a:r>
           </a:p>
           <a:p>
             <a:pPr lvl="4"/>
             <a:r>
-              <a:rPr lang="en-US" smtClean="0"/>
+              <a:rPr lang="en-US"/>
               <a:t>Fifth level</a:t>
             </a:r>
-            <a:endParaRPr lang="en-US"/>
           </a:p>
         </p:txBody>
       </p:sp>
@@ -5867,10 +5889,9 @@
           <a:lstStyle/>
           <a:p>
             <a:r>
-              <a:rPr lang="en-US" smtClean="0"/>
+              <a:rPr lang="en-US"/>
               <a:t>Click to edit Master title style</a:t>
             </a:r>
-            <a:endParaRPr lang="en-US"/>
           </a:p>
         </p:txBody>
       </p:sp>
@@ -5879,13 +5900,6 @@
   <p:clrMapOvr>
     <a:masterClrMapping/>
   </p:clrMapOvr>
-  <p:timing>
-    <p:tnLst>
-      <p:par>
-        <p:cTn id="1" dur="indefinite" restart="never" nodeType="tmRoot"/>
-      </p:par>
-    </p:tnLst>
-  </p:timing>
 </p:sldLayout>
 </file>
 
@@ -5956,10 +5970,9 @@
           </a:lstStyle>
           <a:p>
             <a:r>
-              <a:rPr lang="en-US" smtClean="0"/>
+              <a:rPr lang="en-US"/>
               <a:t>Click to edit Master title style</a:t>
             </a:r>
-            <a:endParaRPr lang="en-US"/>
           </a:p>
         </p:txBody>
       </p:sp>
@@ -6013,38 +6026,37 @@
           <a:p>
             <a:pPr lvl="0"/>
             <a:r>
-              <a:rPr lang="en-US" smtClean="0"/>
+              <a:rPr lang="en-US"/>
               <a:t>Click to edit Master text styles</a:t>
             </a:r>
           </a:p>
           <a:p>
             <a:pPr lvl="1"/>
             <a:r>
-              <a:rPr lang="en-US" smtClean="0"/>
+              <a:rPr lang="en-US"/>
               <a:t>Second level</a:t>
             </a:r>
           </a:p>
           <a:p>
             <a:pPr lvl="2"/>
             <a:r>
-              <a:rPr lang="en-US" smtClean="0"/>
+              <a:rPr lang="en-US"/>
               <a:t>Third level</a:t>
             </a:r>
           </a:p>
           <a:p>
             <a:pPr lvl="3"/>
             <a:r>
-              <a:rPr lang="en-US" smtClean="0"/>
+              <a:rPr lang="en-US"/>
               <a:t>Fourth level</a:t>
             </a:r>
           </a:p>
           <a:p>
             <a:pPr lvl="4"/>
             <a:r>
-              <a:rPr lang="en-US" smtClean="0"/>
+              <a:rPr lang="en-US"/>
               <a:t>Fifth level</a:t>
             </a:r>
-            <a:endParaRPr lang="en-US"/>
           </a:p>
         </p:txBody>
       </p:sp>
@@ -6107,7 +6119,7 @@
           <a:p>
             <a:pPr lvl="0"/>
             <a:r>
-              <a:rPr lang="en-US" smtClean="0"/>
+              <a:rPr lang="en-US"/>
               <a:t>Click to edit Master text styles</a:t>
             </a:r>
           </a:p>
@@ -6163,10 +6175,9 @@
           </a:lstStyle>
           <a:p>
             <a:r>
-              <a:rPr lang="en-US" smtClean="0"/>
+              <a:rPr lang="en-US"/>
               <a:t>Click to edit Master title style</a:t>
             </a:r>
-            <a:endParaRPr lang="en-US"/>
           </a:p>
         </p:txBody>
       </p:sp>
@@ -6228,7 +6239,7 @@
           </a:lstStyle>
           <a:p>
             <a:pPr lvl="0"/>
-            <a:endParaRPr lang="en-US" noProof="0" smtClean="0"/>
+            <a:endParaRPr lang="en-US" noProof="0"/>
           </a:p>
         </p:txBody>
       </p:sp>
@@ -6291,7 +6302,7 @@
           <a:p>
             <a:pPr lvl="0"/>
             <a:r>
-              <a:rPr lang="en-US" smtClean="0"/>
+              <a:rPr lang="en-US"/>
               <a:t>Click to edit Master text styles</a:t>
             </a:r>
           </a:p>
@@ -6366,7 +6377,7 @@
           <a:p>
             <a:pPr lvl="0"/>
             <a:r>
-              <a:rPr lang="en-US" altLang="zh-TW" dirty="0" smtClean="0"/>
+              <a:rPr lang="en-US" altLang="zh-TW" dirty="0"/>
               <a:t>Click to edit Master title style</a:t>
             </a:r>
           </a:p>
@@ -6408,35 +6419,35 @@
           <a:p>
             <a:pPr lvl="0"/>
             <a:r>
-              <a:rPr lang="en-US" altLang="zh-TW" smtClean="0"/>
+              <a:rPr lang="en-US" altLang="zh-TW"/>
               <a:t>Click to edit Master text styles</a:t>
             </a:r>
           </a:p>
           <a:p>
             <a:pPr lvl="1"/>
             <a:r>
-              <a:rPr lang="en-US" altLang="zh-TW" smtClean="0"/>
+              <a:rPr lang="en-US" altLang="zh-TW"/>
               <a:t>Second level</a:t>
             </a:r>
           </a:p>
           <a:p>
             <a:pPr lvl="2"/>
             <a:r>
-              <a:rPr lang="en-US" altLang="zh-TW" smtClean="0"/>
+              <a:rPr lang="en-US" altLang="zh-TW"/>
               <a:t>Third level</a:t>
             </a:r>
           </a:p>
           <a:p>
             <a:pPr lvl="3"/>
             <a:r>
-              <a:rPr lang="en-US" altLang="zh-TW" smtClean="0"/>
+              <a:rPr lang="en-US" altLang="zh-TW"/>
               <a:t>Fourth level</a:t>
             </a:r>
           </a:p>
           <a:p>
             <a:pPr lvl="4"/>
             <a:r>
-              <a:rPr lang="en-US" altLang="zh-TW" smtClean="0"/>
+              <a:rPr lang="en-US" altLang="zh-TW"/>
               <a:t>Fifth level</a:t>
             </a:r>
           </a:p>
@@ -6641,7 +6652,7 @@
               <a:defRPr/>
             </a:pPr>
             <a:r>
-              <a:rPr lang="en-US" altLang="zh-TW" sz="1400" b="1" dirty="0" smtClean="0">
+              <a:rPr lang="en-US" altLang="zh-TW" sz="1400" b="1" dirty="0">
                 <a:solidFill>
                   <a:schemeClr val="tx1"/>
                 </a:solidFill>
@@ -6689,13 +6700,6 @@
     <p:sldLayoutId id="2147483851" r:id="rId10"/>
     <p:sldLayoutId id="2147483852" r:id="rId11"/>
   </p:sldLayoutIdLst>
-  <p:timing>
-    <p:tnLst>
-      <p:par>
-        <p:cTn id="1" dur="indefinite" restart="never" nodeType="tmRoot"/>
-      </p:par>
-    </p:tnLst>
-  </p:timing>
   <p:txStyles>
     <p:titleStyle>
       <a:lvl1pPr algn="ctr" rtl="0" eaLnBrk="0" fontAlgn="base" hangingPunct="0">
@@ -7159,52 +7163,40 @@
           <a:p>
             <a:pPr eaLnBrk="1" hangingPunct="1"/>
             <a:r>
-              <a:rPr lang="en-US" altLang="zh-TW" sz="5400" dirty="0" smtClean="0">
-                <a:ea typeface="新細明體" charset="-120"/>
-              </a:rPr>
-              <a:t>Chapter </a:t>
-            </a:r>
-            <a:r>
-              <a:rPr lang="en-US" altLang="zh-TW" sz="5400" dirty="0" smtClean="0">
-                <a:ea typeface="新細明體" charset="-120"/>
-              </a:rPr>
-              <a:t>10  </a:t>
-            </a:r>
-            <a:r>
-              <a:rPr lang="en-US" altLang="zh-TW" sz="5400" dirty="0" smtClean="0">
-                <a:ea typeface="新細明體" charset="-120"/>
-              </a:rPr>
-              <a:t/>
+              <a:rPr lang="en-US" altLang="zh-TW" sz="5400" dirty="0">
+                <a:ea typeface="新細明體" charset="-120"/>
+              </a:rPr>
+              <a:t>Chapter 10  </a:t>
             </a:r>
             <a:br>
-              <a:rPr lang="en-US" altLang="zh-TW" sz="5400" dirty="0" smtClean="0">
+              <a:rPr lang="en-US" altLang="zh-TW" sz="5400" dirty="0">
                 <a:ea typeface="新細明體" charset="-120"/>
               </a:rPr>
             </a:br>
             <a:r>
-              <a:rPr lang="en-US" altLang="zh-TW" sz="5400" dirty="0" smtClean="0">
+              <a:rPr lang="en-US" altLang="zh-TW" sz="5400" dirty="0">
                 <a:ea typeface="新細明體" charset="-120"/>
               </a:rPr>
               <a:t>File-System</a:t>
             </a:r>
             <a:r>
-              <a:rPr lang="zh-TW" altLang="en-US" sz="5400" dirty="0" smtClean="0">
+              <a:rPr lang="zh-TW" altLang="en-US" sz="5400" dirty="0">
                 <a:ea typeface="新細明體" charset="-120"/>
               </a:rPr>
               <a:t>  </a:t>
             </a:r>
             <a:r>
-              <a:rPr lang="en-US" altLang="zh-TW" sz="5400" dirty="0" smtClean="0">
+              <a:rPr lang="en-US" altLang="zh-TW" sz="5400" dirty="0">
                 <a:ea typeface="新細明體" charset="-120"/>
               </a:rPr>
               <a:t> </a:t>
             </a:r>
             <a:br>
-              <a:rPr lang="en-US" altLang="zh-TW" sz="5400" dirty="0" smtClean="0">
+              <a:rPr lang="en-US" altLang="zh-TW" sz="5400" dirty="0">
                 <a:ea typeface="新細明體" charset="-120"/>
               </a:rPr>
             </a:br>
-            <a:endParaRPr lang="en-US" altLang="zh-TW" sz="5400" dirty="0" smtClean="0">
+            <a:endParaRPr lang="en-US" altLang="zh-TW" sz="5400" dirty="0">
               <a:ea typeface="新細明體" charset="-120"/>
             </a:endParaRPr>
           </a:p>
@@ -7215,13 +7207,6 @@
   <p:clrMapOvr>
     <a:masterClrMapping/>
   </p:clrMapOvr>
-  <p:timing>
-    <p:tnLst>
-      <p:par>
-        <p:cTn id="1" dur="indefinite" restart="never" nodeType="tmRoot"/>
-      </p:par>
-    </p:tnLst>
-  </p:timing>
 </p:sld>
 </file>
 
@@ -7259,7 +7244,7 @@
           <a:p>
             <a:pPr eaLnBrk="1" hangingPunct="1"/>
             <a:r>
-              <a:rPr lang="en-US" altLang="zh-TW" smtClean="0">
+              <a:rPr lang="en-US" altLang="zh-TW">
                 <a:ea typeface="新細明體" charset="-120"/>
               </a:rPr>
               <a:t>File Locking Example – Java API</a:t>
@@ -7295,7 +7280,7 @@
               <a:buNone/>
             </a:pPr>
             <a:r>
-              <a:rPr lang="en-US" altLang="zh-TW" sz="1600" dirty="0" smtClean="0">
+              <a:rPr lang="en-US" altLang="zh-TW" sz="1600" dirty="0">
                 <a:solidFill>
                   <a:srgbClr val="0033CC"/>
                 </a:solidFill>
@@ -7313,7 +7298,7 @@
               <a:buNone/>
             </a:pPr>
             <a:r>
-              <a:rPr lang="en-US" altLang="zh-TW" sz="1600" dirty="0" smtClean="0">
+              <a:rPr lang="en-US" altLang="zh-TW" sz="1600" dirty="0">
                 <a:solidFill>
                   <a:srgbClr val="0033CC"/>
                 </a:solidFill>
@@ -7322,7 +7307,7 @@
               <a:t>import </a:t>
             </a:r>
             <a:r>
-              <a:rPr lang="en-US" altLang="zh-TW" sz="1600" dirty="0" err="1" smtClean="0">
+              <a:rPr lang="en-US" altLang="zh-TW" sz="1600" dirty="0" err="1">
                 <a:solidFill>
                   <a:srgbClr val="0033CC"/>
                 </a:solidFill>
@@ -7331,7 +7316,7 @@
               <a:t>java.nio.channels</a:t>
             </a:r>
             <a:r>
-              <a:rPr lang="en-US" altLang="zh-TW" sz="1600" dirty="0" smtClean="0">
+              <a:rPr lang="en-US" altLang="zh-TW" sz="1600" dirty="0">
                 <a:solidFill>
                   <a:srgbClr val="0033CC"/>
                 </a:solidFill>
@@ -7349,7 +7334,7 @@
               <a:buNone/>
             </a:pPr>
             <a:r>
-              <a:rPr lang="en-US" altLang="zh-TW" sz="1600" dirty="0" smtClean="0">
+              <a:rPr lang="en-US" altLang="zh-TW" sz="1600" dirty="0">
                 <a:solidFill>
                   <a:srgbClr val="0033CC"/>
                 </a:solidFill>
@@ -7358,7 +7343,7 @@
               <a:t>public class </a:t>
             </a:r>
             <a:r>
-              <a:rPr lang="en-US" altLang="zh-TW" sz="1600" dirty="0" err="1" smtClean="0">
+              <a:rPr lang="en-US" altLang="zh-TW" sz="1600" dirty="0" err="1">
                 <a:solidFill>
                   <a:srgbClr val="0033CC"/>
                 </a:solidFill>
@@ -7367,7 +7352,7 @@
               <a:t>LockingExample</a:t>
             </a:r>
             <a:r>
-              <a:rPr lang="en-US" altLang="zh-TW" sz="1600" dirty="0" smtClean="0">
+              <a:rPr lang="en-US" altLang="zh-TW" sz="1600" dirty="0">
                 <a:solidFill>
                   <a:srgbClr val="0033CC"/>
                 </a:solidFill>
@@ -7376,7 +7361,7 @@
               <a:t> </a:t>
             </a:r>
             <a:r>
-              <a:rPr lang="en-US" altLang="zh-TW" sz="1600" i="1" dirty="0" smtClean="0">
+              <a:rPr lang="en-US" altLang="zh-TW" sz="1600" i="1" dirty="0">
                 <a:solidFill>
                   <a:srgbClr val="0033CC"/>
                 </a:solidFill>
@@ -7394,7 +7379,7 @@
               <a:buNone/>
             </a:pPr>
             <a:r>
-              <a:rPr lang="en-US" altLang="zh-TW" sz="1600" i="1" dirty="0" smtClean="0">
+              <a:rPr lang="en-US" altLang="zh-TW" sz="1600" i="1" dirty="0">
                 <a:solidFill>
                   <a:srgbClr val="0033CC"/>
                 </a:solidFill>
@@ -7403,7 +7388,7 @@
               <a:t>	</a:t>
             </a:r>
             <a:r>
-              <a:rPr lang="en-US" altLang="zh-TW" sz="1600" dirty="0" smtClean="0">
+              <a:rPr lang="en-US" altLang="zh-TW" sz="1600" dirty="0">
                 <a:solidFill>
                   <a:srgbClr val="0033CC"/>
                 </a:solidFill>
@@ -7412,7 +7397,7 @@
               <a:t>public static final </a:t>
             </a:r>
             <a:r>
-              <a:rPr lang="en-US" altLang="zh-TW" sz="1600" dirty="0" err="1" smtClean="0">
+              <a:rPr lang="en-US" altLang="zh-TW" sz="1600" dirty="0" err="1">
                 <a:solidFill>
                   <a:srgbClr val="0033CC"/>
                 </a:solidFill>
@@ -7421,7 +7406,7 @@
               <a:t>boolean</a:t>
             </a:r>
             <a:r>
-              <a:rPr lang="en-US" altLang="zh-TW" sz="1600" dirty="0" smtClean="0">
+              <a:rPr lang="en-US" altLang="zh-TW" sz="1600" dirty="0">
                 <a:solidFill>
                   <a:srgbClr val="0033CC"/>
                 </a:solidFill>
@@ -7439,7 +7424,7 @@
               <a:buNone/>
             </a:pPr>
             <a:r>
-              <a:rPr lang="en-US" altLang="zh-TW" sz="1600" dirty="0" smtClean="0">
+              <a:rPr lang="en-US" altLang="zh-TW" sz="1600" dirty="0">
                 <a:solidFill>
                   <a:srgbClr val="0033CC"/>
                 </a:solidFill>
@@ -7448,7 +7433,7 @@
               <a:t>	public static final </a:t>
             </a:r>
             <a:r>
-              <a:rPr lang="en-US" altLang="zh-TW" sz="1600" dirty="0" err="1" smtClean="0">
+              <a:rPr lang="en-US" altLang="zh-TW" sz="1600" dirty="0" err="1">
                 <a:solidFill>
                   <a:srgbClr val="0033CC"/>
                 </a:solidFill>
@@ -7457,7 +7442,7 @@
               <a:t>boolean</a:t>
             </a:r>
             <a:r>
-              <a:rPr lang="en-US" altLang="zh-TW" sz="1600" dirty="0" smtClean="0">
+              <a:rPr lang="en-US" altLang="zh-TW" sz="1600" dirty="0">
                 <a:solidFill>
                   <a:srgbClr val="0033CC"/>
                 </a:solidFill>
@@ -7475,7 +7460,7 @@
               <a:buNone/>
             </a:pPr>
             <a:r>
-              <a:rPr lang="en-US" altLang="zh-TW" sz="1600" dirty="0" smtClean="0">
+              <a:rPr lang="en-US" altLang="zh-TW" sz="1600" dirty="0">
                 <a:solidFill>
                   <a:srgbClr val="0033CC"/>
                 </a:solidFill>
@@ -7484,7 +7469,7 @@
               <a:t>	public static void main(String </a:t>
             </a:r>
             <a:r>
-              <a:rPr lang="en-US" altLang="zh-TW" sz="1600" dirty="0" err="1" smtClean="0">
+              <a:rPr lang="en-US" altLang="zh-TW" sz="1600" dirty="0" err="1">
                 <a:solidFill>
                   <a:srgbClr val="0033CC"/>
                 </a:solidFill>
@@ -7493,7 +7478,7 @@
               <a:t>arsg</a:t>
             </a:r>
             <a:r>
-              <a:rPr lang="en-US" altLang="zh-TW" sz="1600" dirty="0" smtClean="0">
+              <a:rPr lang="en-US" altLang="zh-TW" sz="1600" dirty="0">
                 <a:solidFill>
                   <a:srgbClr val="0033CC"/>
                 </a:solidFill>
@@ -7502,7 +7487,7 @@
               <a:t>[]) throws </a:t>
             </a:r>
             <a:r>
-              <a:rPr lang="en-US" altLang="zh-TW" sz="1600" dirty="0" err="1" smtClean="0">
+              <a:rPr lang="en-US" altLang="zh-TW" sz="1600" dirty="0" err="1">
                 <a:solidFill>
                   <a:srgbClr val="0033CC"/>
                 </a:solidFill>
@@ -7511,7 +7496,7 @@
               <a:t>IOException</a:t>
             </a:r>
             <a:r>
-              <a:rPr lang="en-US" altLang="zh-TW" sz="1600" dirty="0" smtClean="0">
+              <a:rPr lang="en-US" altLang="zh-TW" sz="1600" dirty="0">
                 <a:solidFill>
                   <a:srgbClr val="0033CC"/>
                 </a:solidFill>
@@ -7520,7 +7505,7 @@
               <a:t> </a:t>
             </a:r>
             <a:r>
-              <a:rPr lang="en-US" altLang="zh-TW" sz="1600" i="1" dirty="0" smtClean="0">
+              <a:rPr lang="en-US" altLang="zh-TW" sz="1600" i="1" dirty="0">
                 <a:solidFill>
                   <a:srgbClr val="0033CC"/>
                 </a:solidFill>
@@ -7538,7 +7523,7 @@
               <a:buNone/>
             </a:pPr>
             <a:r>
-              <a:rPr lang="en-US" altLang="zh-TW" sz="1600" dirty="0" smtClean="0">
+              <a:rPr lang="en-US" altLang="zh-TW" sz="1600" dirty="0">
                 <a:solidFill>
                   <a:srgbClr val="0033CC"/>
                 </a:solidFill>
@@ -7547,7 +7532,7 @@
               <a:t>		</a:t>
             </a:r>
             <a:r>
-              <a:rPr lang="en-US" altLang="zh-TW" sz="1600" dirty="0" err="1" smtClean="0">
+              <a:rPr lang="en-US" altLang="zh-TW" sz="1600" dirty="0" err="1">
                 <a:solidFill>
                   <a:srgbClr val="FF0000"/>
                 </a:solidFill>
@@ -7556,7 +7541,7 @@
               <a:t>FileLock</a:t>
             </a:r>
             <a:r>
-              <a:rPr lang="en-US" altLang="zh-TW" sz="1600" dirty="0" smtClean="0">
+              <a:rPr lang="en-US" altLang="zh-TW" sz="1600" dirty="0">
                 <a:solidFill>
                   <a:srgbClr val="FF0000"/>
                 </a:solidFill>
@@ -7565,7 +7550,7 @@
               <a:t> </a:t>
             </a:r>
             <a:r>
-              <a:rPr lang="en-US" altLang="zh-TW" sz="1600" dirty="0" err="1" smtClean="0">
+              <a:rPr lang="en-US" altLang="zh-TW" sz="1600" dirty="0" err="1">
                 <a:solidFill>
                   <a:srgbClr val="FF0000"/>
                 </a:solidFill>
@@ -7574,7 +7559,7 @@
               <a:t>sharedLock</a:t>
             </a:r>
             <a:r>
-              <a:rPr lang="en-US" altLang="zh-TW" sz="1600" dirty="0" smtClean="0">
+              <a:rPr lang="en-US" altLang="zh-TW" sz="1600" dirty="0">
                 <a:solidFill>
                   <a:srgbClr val="FF0000"/>
                 </a:solidFill>
@@ -7592,7 +7577,7 @@
               <a:buNone/>
             </a:pPr>
             <a:r>
-              <a:rPr lang="en-US" altLang="zh-TW" sz="1600" dirty="0" smtClean="0">
+              <a:rPr lang="en-US" altLang="zh-TW" sz="1600" dirty="0">
                 <a:solidFill>
                   <a:srgbClr val="0033CC"/>
                 </a:solidFill>
@@ -7601,7 +7586,7 @@
               <a:t>		</a:t>
             </a:r>
             <a:r>
-              <a:rPr lang="en-US" altLang="zh-TW" sz="1600" dirty="0" err="1" smtClean="0">
+              <a:rPr lang="en-US" altLang="zh-TW" sz="1600" dirty="0" err="1">
                 <a:solidFill>
                   <a:srgbClr val="FF0000"/>
                 </a:solidFill>
@@ -7610,7 +7595,7 @@
               <a:t>FileLock</a:t>
             </a:r>
             <a:r>
-              <a:rPr lang="en-US" altLang="zh-TW" sz="1600" dirty="0" smtClean="0">
+              <a:rPr lang="en-US" altLang="zh-TW" sz="1600" dirty="0">
                 <a:solidFill>
                   <a:srgbClr val="FF0000"/>
                 </a:solidFill>
@@ -7619,7 +7604,7 @@
               <a:t> </a:t>
             </a:r>
             <a:r>
-              <a:rPr lang="en-US" altLang="zh-TW" sz="1600" dirty="0" err="1" smtClean="0">
+              <a:rPr lang="en-US" altLang="zh-TW" sz="1600" dirty="0" err="1">
                 <a:solidFill>
                   <a:srgbClr val="FF0000"/>
                 </a:solidFill>
@@ -7628,7 +7613,7 @@
               <a:t>exclusiveLock</a:t>
             </a:r>
             <a:r>
-              <a:rPr lang="en-US" altLang="zh-TW" sz="1600" dirty="0" smtClean="0">
+              <a:rPr lang="en-US" altLang="zh-TW" sz="1600" dirty="0">
                 <a:solidFill>
                   <a:srgbClr val="FF0000"/>
                 </a:solidFill>
@@ -7646,7 +7631,7 @@
               <a:buNone/>
             </a:pPr>
             <a:r>
-              <a:rPr lang="en-US" altLang="zh-TW" sz="1600" dirty="0" smtClean="0">
+              <a:rPr lang="en-US" altLang="zh-TW" sz="1600" dirty="0">
                 <a:solidFill>
                   <a:srgbClr val="0033CC"/>
                 </a:solidFill>
@@ -7655,7 +7640,7 @@
               <a:t>		try </a:t>
             </a:r>
             <a:r>
-              <a:rPr lang="en-US" altLang="zh-TW" sz="1600" i="1" dirty="0" smtClean="0">
+              <a:rPr lang="en-US" altLang="zh-TW" sz="1600" i="1" dirty="0">
                 <a:solidFill>
                   <a:srgbClr val="0033CC"/>
                 </a:solidFill>
@@ -7673,7 +7658,7 @@
               <a:buNone/>
             </a:pPr>
             <a:r>
-              <a:rPr lang="en-US" altLang="zh-TW" sz="1600" dirty="0" smtClean="0">
+              <a:rPr lang="en-US" altLang="zh-TW" sz="1600" dirty="0">
                 <a:solidFill>
                   <a:srgbClr val="0033CC"/>
                 </a:solidFill>
@@ -7682,7 +7667,7 @@
               <a:t>			</a:t>
             </a:r>
             <a:r>
-              <a:rPr lang="en-US" altLang="zh-TW" sz="1800" dirty="0" err="1" smtClean="0">
+              <a:rPr lang="en-US" altLang="zh-TW" sz="1800" dirty="0" err="1">
                 <a:solidFill>
                   <a:srgbClr val="FF0000"/>
                 </a:solidFill>
@@ -7691,7 +7676,7 @@
               <a:t>RandomAccessFile</a:t>
             </a:r>
             <a:r>
-              <a:rPr lang="en-US" altLang="zh-TW" sz="1800" dirty="0" smtClean="0">
+              <a:rPr lang="en-US" altLang="zh-TW" sz="1800" dirty="0">
                 <a:solidFill>
                   <a:srgbClr val="FF0000"/>
                 </a:solidFill>
@@ -7700,7 +7685,7 @@
               <a:t> </a:t>
             </a:r>
             <a:r>
-              <a:rPr lang="en-US" altLang="zh-TW" sz="1800" dirty="0" err="1" smtClean="0">
+              <a:rPr lang="en-US" altLang="zh-TW" sz="1800" dirty="0" err="1">
                 <a:solidFill>
                   <a:srgbClr val="FF0000"/>
                 </a:solidFill>
@@ -7709,7 +7694,7 @@
               <a:t>raf</a:t>
             </a:r>
             <a:r>
-              <a:rPr lang="en-US" altLang="zh-TW" sz="1800" dirty="0" smtClean="0">
+              <a:rPr lang="en-US" altLang="zh-TW" sz="1800" dirty="0">
                 <a:solidFill>
                   <a:srgbClr val="FF0000"/>
                 </a:solidFill>
@@ -7718,7 +7703,7 @@
               <a:t> = new </a:t>
             </a:r>
             <a:r>
-              <a:rPr lang="en-US" altLang="zh-TW" sz="1800" dirty="0" err="1" smtClean="0">
+              <a:rPr lang="en-US" altLang="zh-TW" sz="1800" dirty="0" err="1">
                 <a:solidFill>
                   <a:srgbClr val="FF0000"/>
                 </a:solidFill>
@@ -7727,7 +7712,7 @@
               <a:t>RandomAccessFile</a:t>
             </a:r>
             <a:r>
-              <a:rPr lang="en-US" altLang="zh-TW" sz="1800" dirty="0" smtClean="0">
+              <a:rPr lang="en-US" altLang="zh-TW" sz="1800" dirty="0">
                 <a:solidFill>
                   <a:srgbClr val="FF0000"/>
                 </a:solidFill>
@@ -7736,7 +7721,7 @@
               <a:t>("file.txt", "</a:t>
             </a:r>
             <a:r>
-              <a:rPr lang="en-US" altLang="zh-TW" sz="1800" dirty="0" err="1" smtClean="0">
+              <a:rPr lang="en-US" altLang="zh-TW" sz="1800" dirty="0" err="1">
                 <a:solidFill>
                   <a:srgbClr val="FF0000"/>
                 </a:solidFill>
@@ -7745,7 +7730,7 @@
               <a:t>rw</a:t>
             </a:r>
             <a:r>
-              <a:rPr lang="en-US" altLang="zh-TW" sz="1800" dirty="0" smtClean="0">
+              <a:rPr lang="en-US" altLang="zh-TW" sz="1800" dirty="0">
                 <a:solidFill>
                   <a:srgbClr val="FF0000"/>
                 </a:solidFill>
@@ -7753,7 +7738,7 @@
               </a:rPr>
               <a:t>");</a:t>
             </a:r>
-            <a:endParaRPr lang="en-US" altLang="zh-TW" sz="1600" dirty="0" smtClean="0">
+            <a:endParaRPr lang="en-US" altLang="zh-TW" sz="1600" dirty="0">
               <a:solidFill>
                 <a:srgbClr val="FF0000"/>
               </a:solidFill>
@@ -7769,7 +7754,7 @@
               <a:buNone/>
             </a:pPr>
             <a:r>
-              <a:rPr lang="en-US" altLang="zh-TW" sz="1600" dirty="0" smtClean="0">
+              <a:rPr lang="en-US" altLang="zh-TW" sz="1600" dirty="0">
                 <a:solidFill>
                   <a:srgbClr val="0033CC"/>
                 </a:solidFill>
@@ -7787,7 +7772,7 @@
               <a:buNone/>
             </a:pPr>
             <a:r>
-              <a:rPr lang="en-US" altLang="zh-TW" sz="1600" dirty="0" smtClean="0">
+              <a:rPr lang="en-US" altLang="zh-TW" sz="1600" dirty="0">
                 <a:solidFill>
                   <a:srgbClr val="0033CC"/>
                 </a:solidFill>
@@ -7796,7 +7781,7 @@
               <a:t>			</a:t>
             </a:r>
             <a:r>
-              <a:rPr lang="en-US" altLang="zh-TW" sz="1800" dirty="0" err="1" smtClean="0">
+              <a:rPr lang="en-US" altLang="zh-TW" sz="1800" dirty="0" err="1">
                 <a:solidFill>
                   <a:srgbClr val="FF0000"/>
                 </a:solidFill>
@@ -7805,7 +7790,7 @@
               <a:t>FileChannel</a:t>
             </a:r>
             <a:r>
-              <a:rPr lang="en-US" altLang="zh-TW" sz="1800" dirty="0" smtClean="0">
+              <a:rPr lang="en-US" altLang="zh-TW" sz="1800" dirty="0">
                 <a:solidFill>
                   <a:srgbClr val="FF0000"/>
                 </a:solidFill>
@@ -7814,7 +7799,7 @@
               <a:t> </a:t>
             </a:r>
             <a:r>
-              <a:rPr lang="en-US" altLang="zh-TW" sz="1800" dirty="0" err="1" smtClean="0">
+              <a:rPr lang="en-US" altLang="zh-TW" sz="1800" dirty="0" err="1">
                 <a:solidFill>
                   <a:srgbClr val="FF0000"/>
                 </a:solidFill>
@@ -7823,7 +7808,7 @@
               <a:t>ch</a:t>
             </a:r>
             <a:r>
-              <a:rPr lang="en-US" altLang="zh-TW" sz="1800" dirty="0" smtClean="0">
+              <a:rPr lang="en-US" altLang="zh-TW" sz="1800" dirty="0">
                 <a:solidFill>
                   <a:srgbClr val="FF0000"/>
                 </a:solidFill>
@@ -7832,7 +7817,7 @@
               <a:t> = </a:t>
             </a:r>
             <a:r>
-              <a:rPr lang="en-US" altLang="zh-TW" sz="1800" dirty="0" err="1" smtClean="0">
+              <a:rPr lang="en-US" altLang="zh-TW" sz="1800" dirty="0" err="1">
                 <a:solidFill>
                   <a:srgbClr val="FF0000"/>
                 </a:solidFill>
@@ -7841,7 +7826,7 @@
               <a:t>raf.getChannel</a:t>
             </a:r>
             <a:r>
-              <a:rPr lang="en-US" altLang="zh-TW" sz="1800" dirty="0" smtClean="0">
+              <a:rPr lang="en-US" altLang="zh-TW" sz="1800" dirty="0">
                 <a:solidFill>
                   <a:srgbClr val="FF0000"/>
                 </a:solidFill>
@@ -7849,7 +7834,7 @@
               </a:rPr>
               <a:t>();</a:t>
             </a:r>
-            <a:endParaRPr lang="en-US" altLang="zh-TW" sz="1600" dirty="0" smtClean="0">
+            <a:endParaRPr lang="en-US" altLang="zh-TW" sz="1600" dirty="0">
               <a:solidFill>
                 <a:srgbClr val="FF0000"/>
               </a:solidFill>
@@ -7865,7 +7850,7 @@
               <a:buNone/>
             </a:pPr>
             <a:r>
-              <a:rPr lang="en-US" altLang="zh-TW" sz="1600" dirty="0" smtClean="0">
+              <a:rPr lang="en-US" altLang="zh-TW" sz="1600" dirty="0">
                 <a:solidFill>
                   <a:srgbClr val="0033CC"/>
                 </a:solidFill>
@@ -7883,7 +7868,7 @@
               <a:buNone/>
             </a:pPr>
             <a:r>
-              <a:rPr lang="en-US" altLang="zh-TW" sz="1600" dirty="0" smtClean="0">
+              <a:rPr lang="en-US" altLang="zh-TW" sz="1600" dirty="0">
                 <a:solidFill>
                   <a:srgbClr val="0033CC"/>
                 </a:solidFill>
@@ -7892,7 +7877,7 @@
               <a:t>			</a:t>
             </a:r>
             <a:r>
-              <a:rPr lang="en-US" altLang="zh-TW" sz="1800" dirty="0" err="1" smtClean="0">
+              <a:rPr lang="en-US" altLang="zh-TW" sz="1800" dirty="0" err="1">
                 <a:solidFill>
                   <a:srgbClr val="FF0000"/>
                 </a:solidFill>
@@ -7901,7 +7886,7 @@
               <a:t>exclusiveLock</a:t>
             </a:r>
             <a:r>
-              <a:rPr lang="en-US" altLang="zh-TW" sz="1800" dirty="0" smtClean="0">
+              <a:rPr lang="en-US" altLang="zh-TW" sz="1800" dirty="0">
                 <a:solidFill>
                   <a:srgbClr val="FF0000"/>
                 </a:solidFill>
@@ -7910,7 +7895,7 @@
               <a:t> = </a:t>
             </a:r>
             <a:r>
-              <a:rPr lang="en-US" altLang="zh-TW" sz="1800" dirty="0" err="1" smtClean="0">
+              <a:rPr lang="en-US" altLang="zh-TW" sz="1800" dirty="0" err="1">
                 <a:solidFill>
                   <a:srgbClr val="FF0000"/>
                 </a:solidFill>
@@ -7919,7 +7904,7 @@
               <a:t>ch.lock</a:t>
             </a:r>
             <a:r>
-              <a:rPr lang="en-US" altLang="zh-TW" sz="1800" dirty="0" smtClean="0">
+              <a:rPr lang="en-US" altLang="zh-TW" sz="1800" dirty="0">
                 <a:solidFill>
                   <a:srgbClr val="FF0000"/>
                 </a:solidFill>
@@ -7928,7 +7913,7 @@
               <a:t>(0, </a:t>
             </a:r>
             <a:r>
-              <a:rPr lang="en-US" altLang="zh-TW" sz="1800" dirty="0" err="1" smtClean="0">
+              <a:rPr lang="en-US" altLang="zh-TW" sz="1800" dirty="0" err="1">
                 <a:solidFill>
                   <a:srgbClr val="FF0000"/>
                 </a:solidFill>
@@ -7937,7 +7922,7 @@
               <a:t>raf.length</a:t>
             </a:r>
             <a:r>
-              <a:rPr lang="en-US" altLang="zh-TW" sz="1800" dirty="0" smtClean="0">
+              <a:rPr lang="en-US" altLang="zh-TW" sz="1800" dirty="0">
                 <a:solidFill>
                   <a:srgbClr val="FF0000"/>
                 </a:solidFill>
@@ -7945,7 +7930,7 @@
               </a:rPr>
               <a:t>()/2, EXCLUSIVE);</a:t>
             </a:r>
-            <a:endParaRPr lang="en-US" altLang="zh-TW" sz="1600" dirty="0" smtClean="0">
+            <a:endParaRPr lang="en-US" altLang="zh-TW" sz="1600" dirty="0">
               <a:solidFill>
                 <a:srgbClr val="FF0000"/>
               </a:solidFill>
@@ -7960,7 +7945,7 @@
               <a:buFont typeface="Monotype Sorts" charset="2"/>
               <a:buNone/>
             </a:pPr>
-            <a:endParaRPr lang="en-US" altLang="zh-TW" sz="1600" dirty="0" smtClean="0">
+            <a:endParaRPr lang="en-US" altLang="zh-TW" sz="1600" dirty="0">
               <a:solidFill>
                 <a:srgbClr val="0033CC"/>
               </a:solidFill>
@@ -7976,7 +7961,7 @@
               <a:buNone/>
             </a:pPr>
             <a:r>
-              <a:rPr lang="en-US" altLang="zh-TW" sz="1600" dirty="0" smtClean="0">
+              <a:rPr lang="en-US" altLang="zh-TW" sz="1600" dirty="0">
                 <a:solidFill>
                   <a:srgbClr val="0033CC"/>
                 </a:solidFill>
@@ -7993,7 +7978,7 @@
               <a:buFont typeface="Monotype Sorts" charset="2"/>
               <a:buNone/>
             </a:pPr>
-            <a:endParaRPr lang="en-US" altLang="zh-TW" sz="1600" dirty="0" smtClean="0">
+            <a:endParaRPr lang="en-US" altLang="zh-TW" sz="1600" dirty="0">
               <a:solidFill>
                 <a:srgbClr val="0033CC"/>
               </a:solidFill>
@@ -8009,7 +7994,7 @@
               <a:buNone/>
             </a:pPr>
             <a:r>
-              <a:rPr lang="en-US" altLang="zh-TW" sz="1600" dirty="0" smtClean="0">
+              <a:rPr lang="en-US" altLang="zh-TW" sz="1600" dirty="0">
                 <a:solidFill>
                   <a:srgbClr val="0033CC"/>
                 </a:solidFill>
@@ -8027,7 +8012,7 @@
               <a:buNone/>
             </a:pPr>
             <a:r>
-              <a:rPr lang="en-US" altLang="zh-TW" sz="1600" dirty="0" smtClean="0">
+              <a:rPr lang="en-US" altLang="zh-TW" sz="1600" dirty="0">
                 <a:solidFill>
                   <a:srgbClr val="0033CC"/>
                 </a:solidFill>
@@ -8036,7 +8021,7 @@
               <a:t>			</a:t>
             </a:r>
             <a:r>
-              <a:rPr lang="en-US" altLang="zh-TW" sz="1800" dirty="0" err="1" smtClean="0">
+              <a:rPr lang="en-US" altLang="zh-TW" sz="1800" dirty="0" err="1">
                 <a:solidFill>
                   <a:srgbClr val="FF0000"/>
                 </a:solidFill>
@@ -8045,7 +8030,7 @@
               <a:t>exclusiveLock.release</a:t>
             </a:r>
             <a:r>
-              <a:rPr lang="en-US" altLang="zh-TW" sz="1800" dirty="0" smtClean="0">
+              <a:rPr lang="en-US" altLang="zh-TW" sz="1800" dirty="0">
                 <a:solidFill>
                   <a:srgbClr val="FF0000"/>
                 </a:solidFill>
@@ -8053,7 +8038,7 @@
               </a:rPr>
               <a:t>();</a:t>
             </a:r>
-            <a:endParaRPr lang="en-US" altLang="zh-TW" sz="1600" dirty="0" smtClean="0">
+            <a:endParaRPr lang="en-US" altLang="zh-TW" sz="1600" dirty="0">
               <a:solidFill>
                 <a:srgbClr val="FF0000"/>
               </a:solidFill>
@@ -8068,7 +8053,7 @@
               <a:buFont typeface="Monotype Sorts" charset="2"/>
               <a:buNone/>
             </a:pPr>
-            <a:endParaRPr lang="en-US" altLang="zh-TW" sz="1600" dirty="0" smtClean="0">
+            <a:endParaRPr lang="en-US" altLang="zh-TW" sz="1600" dirty="0">
               <a:solidFill>
                 <a:srgbClr val="0033CC"/>
               </a:solidFill>
@@ -8780,7 +8765,7 @@
           <a:p>
             <a:pPr eaLnBrk="1" hangingPunct="1"/>
             <a:r>
-              <a:rPr lang="en-US" altLang="zh-TW" smtClean="0">
+              <a:rPr lang="en-US" altLang="zh-TW">
                 <a:ea typeface="新細明體" charset="-120"/>
               </a:rPr>
               <a:t>File Locking Example – Java API (cont)</a:t>
@@ -8816,7 +8801,7 @@
               <a:buNone/>
             </a:pPr>
             <a:r>
-              <a:rPr lang="en-US" altLang="zh-TW" sz="1800" dirty="0" smtClean="0">
+              <a:rPr lang="en-US" altLang="zh-TW" sz="1800" dirty="0">
                 <a:solidFill>
                   <a:srgbClr val="0033CC"/>
                 </a:solidFill>
@@ -8834,7 +8819,7 @@
               <a:buNone/>
             </a:pPr>
             <a:r>
-              <a:rPr lang="en-US" altLang="zh-TW" sz="1800" dirty="0" smtClean="0">
+              <a:rPr lang="en-US" altLang="zh-TW" sz="1800" dirty="0">
                 <a:solidFill>
                   <a:srgbClr val="0033CC"/>
                 </a:solidFill>
@@ -8843,7 +8828,7 @@
               <a:t>			</a:t>
             </a:r>
             <a:r>
-              <a:rPr lang="en-US" altLang="zh-TW" sz="1800" dirty="0" err="1" smtClean="0">
+              <a:rPr lang="en-US" altLang="zh-TW" sz="1800" dirty="0" err="1">
                 <a:solidFill>
                   <a:srgbClr val="FF0000"/>
                 </a:solidFill>
@@ -8852,7 +8837,7 @@
               <a:t>sharedLock</a:t>
             </a:r>
             <a:r>
-              <a:rPr lang="en-US" altLang="zh-TW" sz="1800" dirty="0" smtClean="0">
+              <a:rPr lang="en-US" altLang="zh-TW" sz="1800" dirty="0">
                 <a:solidFill>
                   <a:srgbClr val="FF0000"/>
                 </a:solidFill>
@@ -8861,7 +8846,7 @@
               <a:t> = </a:t>
             </a:r>
             <a:r>
-              <a:rPr lang="en-US" altLang="zh-TW" sz="1800" dirty="0" err="1" smtClean="0">
+              <a:rPr lang="en-US" altLang="zh-TW" sz="1800" dirty="0" err="1">
                 <a:solidFill>
                   <a:srgbClr val="FF0000"/>
                 </a:solidFill>
@@ -8870,7 +8855,7 @@
               <a:t>ch.lock</a:t>
             </a:r>
             <a:r>
-              <a:rPr lang="en-US" altLang="zh-TW" sz="1800" dirty="0" smtClean="0">
+              <a:rPr lang="en-US" altLang="zh-TW" sz="1800" dirty="0">
                 <a:solidFill>
                   <a:srgbClr val="FF0000"/>
                 </a:solidFill>
@@ -8879,7 +8864,7 @@
               <a:t>(</a:t>
             </a:r>
             <a:r>
-              <a:rPr lang="en-US" altLang="zh-TW" sz="1800" dirty="0" err="1" smtClean="0">
+              <a:rPr lang="en-US" altLang="zh-TW" sz="1800" dirty="0" err="1">
                 <a:solidFill>
                   <a:srgbClr val="FF0000"/>
                 </a:solidFill>
@@ -8888,7 +8873,7 @@
               <a:t>raf.length</a:t>
             </a:r>
             <a:r>
-              <a:rPr lang="en-US" altLang="zh-TW" sz="1800" dirty="0" smtClean="0">
+              <a:rPr lang="en-US" altLang="zh-TW" sz="1800" dirty="0">
                 <a:solidFill>
                   <a:srgbClr val="FF0000"/>
                 </a:solidFill>
@@ -8897,7 +8882,7 @@
               <a:t>()/2+1, </a:t>
             </a:r>
             <a:r>
-              <a:rPr lang="en-US" altLang="zh-TW" sz="1800" dirty="0" err="1" smtClean="0">
+              <a:rPr lang="en-US" altLang="zh-TW" sz="1800" dirty="0" err="1">
                 <a:solidFill>
                   <a:srgbClr val="FF0000"/>
                 </a:solidFill>
@@ -8906,7 +8891,7 @@
               <a:t>raf.length</a:t>
             </a:r>
             <a:r>
-              <a:rPr lang="en-US" altLang="zh-TW" sz="1800" dirty="0" smtClean="0">
+              <a:rPr lang="en-US" altLang="zh-TW" sz="1800" dirty="0">
                 <a:solidFill>
                   <a:srgbClr val="FF0000"/>
                 </a:solidFill>
@@ -8923,7 +8908,7 @@
               <a:buFont typeface="Monotype Sorts" charset="2"/>
               <a:buNone/>
             </a:pPr>
-            <a:endParaRPr lang="en-US" altLang="zh-TW" sz="1800" dirty="0" smtClean="0">
+            <a:endParaRPr lang="en-US" altLang="zh-TW" sz="1800" dirty="0">
               <a:solidFill>
                 <a:srgbClr val="0033CC"/>
               </a:solidFill>
@@ -8939,7 +8924,7 @@
               <a:buNone/>
             </a:pPr>
             <a:r>
-              <a:rPr lang="en-US" altLang="zh-TW" sz="1800" dirty="0" smtClean="0">
+              <a:rPr lang="en-US" altLang="zh-TW" sz="1800" dirty="0">
                 <a:solidFill>
                   <a:srgbClr val="0033CC"/>
                 </a:solidFill>
@@ -8956,7 +8941,7 @@
               <a:buFont typeface="Monotype Sorts" charset="2"/>
               <a:buNone/>
             </a:pPr>
-            <a:endParaRPr lang="en-US" altLang="zh-TW" sz="1800" dirty="0" smtClean="0">
+            <a:endParaRPr lang="en-US" altLang="zh-TW" sz="1800" dirty="0">
               <a:solidFill>
                 <a:srgbClr val="0033CC"/>
               </a:solidFill>
@@ -8972,7 +8957,7 @@
               <a:buNone/>
             </a:pPr>
             <a:r>
-              <a:rPr lang="en-US" altLang="zh-TW" sz="1800" dirty="0" smtClean="0">
+              <a:rPr lang="en-US" altLang="zh-TW" sz="1800" dirty="0">
                 <a:solidFill>
                   <a:srgbClr val="0033CC"/>
                 </a:solidFill>
@@ -8990,7 +8975,7 @@
               <a:buNone/>
             </a:pPr>
             <a:r>
-              <a:rPr lang="en-US" altLang="zh-TW" sz="1800" dirty="0" smtClean="0">
+              <a:rPr lang="en-US" altLang="zh-TW" sz="1800" dirty="0">
                 <a:solidFill>
                   <a:srgbClr val="0033CC"/>
                 </a:solidFill>
@@ -8999,7 +8984,7 @@
               <a:t>			</a:t>
             </a:r>
             <a:r>
-              <a:rPr lang="en-US" altLang="zh-TW" sz="1800" dirty="0" err="1" smtClean="0">
+              <a:rPr lang="en-US" altLang="zh-TW" sz="1800" dirty="0" err="1">
                 <a:solidFill>
                   <a:srgbClr val="FF0000"/>
                 </a:solidFill>
@@ -9008,7 +8993,7 @@
               <a:t>sharedLock.release</a:t>
             </a:r>
             <a:r>
-              <a:rPr lang="en-US" altLang="zh-TW" sz="1800" dirty="0" smtClean="0">
+              <a:rPr lang="en-US" altLang="zh-TW" sz="1800" dirty="0">
                 <a:solidFill>
                   <a:srgbClr val="FF0000"/>
                 </a:solidFill>
@@ -9026,7 +9011,7 @@
               <a:buNone/>
             </a:pPr>
             <a:r>
-              <a:rPr lang="en-US" altLang="zh-TW" sz="1800" i="1" dirty="0" smtClean="0">
+              <a:rPr lang="en-US" altLang="zh-TW" sz="1800" i="1" dirty="0">
                 <a:solidFill>
                   <a:srgbClr val="0033CC"/>
                 </a:solidFill>
@@ -9035,7 +9020,7 @@
               <a:t>		</a:t>
             </a:r>
             <a:r>
-              <a:rPr lang="en-US" altLang="zh-TW" sz="1800" dirty="0" smtClean="0">
+              <a:rPr lang="en-US" altLang="zh-TW" sz="1800" dirty="0">
                 <a:solidFill>
                   <a:srgbClr val="0033CC"/>
                 </a:solidFill>
@@ -9044,7 +9029,7 @@
               <a:t>}</a:t>
             </a:r>
             <a:r>
-              <a:rPr lang="en-US" altLang="zh-TW" sz="1800" i="1" dirty="0" smtClean="0">
+              <a:rPr lang="en-US" altLang="zh-TW" sz="1800" i="1" dirty="0">
                 <a:solidFill>
                   <a:srgbClr val="0033CC"/>
                 </a:solidFill>
@@ -9053,7 +9038,7 @@
               <a:t> </a:t>
             </a:r>
             <a:r>
-              <a:rPr lang="en-US" altLang="zh-TW" sz="1800" dirty="0" smtClean="0">
+              <a:rPr lang="en-US" altLang="zh-TW" sz="1800" dirty="0">
                 <a:solidFill>
                   <a:srgbClr val="0033CC"/>
                 </a:solidFill>
@@ -9062,7 +9047,7 @@
               <a:t>catch (</a:t>
             </a:r>
             <a:r>
-              <a:rPr lang="en-US" altLang="zh-TW" sz="1800" dirty="0" err="1" smtClean="0">
+              <a:rPr lang="en-US" altLang="zh-TW" sz="1800" dirty="0" err="1">
                 <a:solidFill>
                   <a:srgbClr val="0033CC"/>
                 </a:solidFill>
@@ -9071,7 +9056,7 @@
               <a:t>java.io.IOException</a:t>
             </a:r>
             <a:r>
-              <a:rPr lang="en-US" altLang="zh-TW" sz="1800" dirty="0" smtClean="0">
+              <a:rPr lang="en-US" altLang="zh-TW" sz="1800" dirty="0">
                 <a:solidFill>
                   <a:srgbClr val="0033CC"/>
                 </a:solidFill>
@@ -9080,7 +9065,7 @@
               <a:t> </a:t>
             </a:r>
             <a:r>
-              <a:rPr lang="en-US" altLang="zh-TW" sz="1800" dirty="0" err="1" smtClean="0">
+              <a:rPr lang="en-US" altLang="zh-TW" sz="1800" dirty="0" err="1">
                 <a:solidFill>
                   <a:srgbClr val="0033CC"/>
                 </a:solidFill>
@@ -9089,7 +9074,7 @@
               <a:t>ioe</a:t>
             </a:r>
             <a:r>
-              <a:rPr lang="en-US" altLang="zh-TW" sz="1800" dirty="0" smtClean="0">
+              <a:rPr lang="en-US" altLang="zh-TW" sz="1800" dirty="0">
                 <a:solidFill>
                   <a:srgbClr val="0033CC"/>
                 </a:solidFill>
@@ -9098,7 +9083,7 @@
               <a:t>) {</a:t>
             </a:r>
             <a:r>
-              <a:rPr lang="en-US" altLang="zh-TW" sz="1800" i="1" dirty="0" smtClean="0">
+              <a:rPr lang="en-US" altLang="zh-TW" sz="1800" i="1" dirty="0">
                 <a:solidFill>
                   <a:srgbClr val="0033CC"/>
                 </a:solidFill>
@@ -9116,7 +9101,7 @@
               <a:buNone/>
             </a:pPr>
             <a:r>
-              <a:rPr lang="en-US" altLang="zh-TW" sz="1800" i="1" dirty="0" smtClean="0">
+              <a:rPr lang="en-US" altLang="zh-TW" sz="1800" i="1" dirty="0">
                 <a:solidFill>
                   <a:srgbClr val="0033CC"/>
                 </a:solidFill>
@@ -9125,7 +9110,7 @@
               <a:t>			</a:t>
             </a:r>
             <a:r>
-              <a:rPr lang="en-US" altLang="zh-TW" sz="1800" dirty="0" err="1" smtClean="0">
+              <a:rPr lang="en-US" altLang="zh-TW" sz="1800" dirty="0" err="1">
                 <a:solidFill>
                   <a:srgbClr val="0033CC"/>
                 </a:solidFill>
@@ -9134,7 +9119,7 @@
               <a:t>System.err.println</a:t>
             </a:r>
             <a:r>
-              <a:rPr lang="en-US" altLang="zh-TW" sz="1800" dirty="0" smtClean="0">
+              <a:rPr lang="en-US" altLang="zh-TW" sz="1800" dirty="0">
                 <a:solidFill>
                   <a:srgbClr val="0033CC"/>
                 </a:solidFill>
@@ -9143,7 +9128,7 @@
               <a:t>(</a:t>
             </a:r>
             <a:r>
-              <a:rPr lang="en-US" altLang="zh-TW" sz="1800" dirty="0" err="1" smtClean="0">
+              <a:rPr lang="en-US" altLang="zh-TW" sz="1800" dirty="0" err="1">
                 <a:solidFill>
                   <a:srgbClr val="0033CC"/>
                 </a:solidFill>
@@ -9152,7 +9137,7 @@
               <a:t>ioe</a:t>
             </a:r>
             <a:r>
-              <a:rPr lang="en-US" altLang="zh-TW" sz="1800" dirty="0" smtClean="0">
+              <a:rPr lang="en-US" altLang="zh-TW" sz="1800" dirty="0">
                 <a:solidFill>
                   <a:srgbClr val="0033CC"/>
                 </a:solidFill>
@@ -9170,7 +9155,7 @@
               <a:buNone/>
             </a:pPr>
             <a:r>
-              <a:rPr lang="en-US" altLang="zh-TW" sz="1800" i="1" dirty="0" smtClean="0">
+              <a:rPr lang="en-US" altLang="zh-TW" sz="1800" i="1" dirty="0">
                 <a:solidFill>
                   <a:srgbClr val="0033CC"/>
                 </a:solidFill>
@@ -9179,7 +9164,7 @@
               <a:t>		</a:t>
             </a:r>
             <a:r>
-              <a:rPr lang="en-US" altLang="zh-TW" sz="1800" dirty="0" smtClean="0">
+              <a:rPr lang="en-US" altLang="zh-TW" sz="1800" dirty="0">
                 <a:solidFill>
                   <a:srgbClr val="0033CC"/>
                 </a:solidFill>
@@ -9188,7 +9173,7 @@
               <a:t>}finally {</a:t>
             </a:r>
             <a:r>
-              <a:rPr lang="en-US" altLang="zh-TW" sz="1800" i="1" dirty="0" smtClean="0">
+              <a:rPr lang="en-US" altLang="zh-TW" sz="1800" i="1" dirty="0">
                 <a:solidFill>
                   <a:srgbClr val="0033CC"/>
                 </a:solidFill>
@@ -9206,7 +9191,7 @@
               <a:buNone/>
             </a:pPr>
             <a:r>
-              <a:rPr lang="en-US" altLang="zh-TW" sz="1800" dirty="0" smtClean="0">
+              <a:rPr lang="en-US" altLang="zh-TW" sz="1800" dirty="0">
                 <a:solidFill>
                   <a:srgbClr val="0033CC"/>
                 </a:solidFill>
@@ -9215,7 +9200,7 @@
               <a:t>			if (</a:t>
             </a:r>
             <a:r>
-              <a:rPr lang="en-US" altLang="zh-TW" sz="1800" dirty="0" err="1" smtClean="0">
+              <a:rPr lang="en-US" altLang="zh-TW" sz="1800" dirty="0" err="1">
                 <a:solidFill>
                   <a:srgbClr val="0033CC"/>
                 </a:solidFill>
@@ -9224,7 +9209,7 @@
               <a:t>exclusiveLock</a:t>
             </a:r>
             <a:r>
-              <a:rPr lang="en-US" altLang="zh-TW" sz="1800" dirty="0" smtClean="0">
+              <a:rPr lang="en-US" altLang="zh-TW" sz="1800" dirty="0">
                 <a:solidFill>
                   <a:srgbClr val="0033CC"/>
                 </a:solidFill>
@@ -9242,7 +9227,7 @@
               <a:buNone/>
             </a:pPr>
             <a:r>
-              <a:rPr lang="en-US" altLang="zh-TW" sz="1800" dirty="0" smtClean="0">
+              <a:rPr lang="en-US" altLang="zh-TW" sz="1800" dirty="0">
                 <a:solidFill>
                   <a:srgbClr val="0033CC"/>
                 </a:solidFill>
@@ -9251,7 +9236,7 @@
               <a:t>			</a:t>
             </a:r>
             <a:r>
-              <a:rPr lang="en-US" altLang="zh-TW" sz="1800" dirty="0" err="1" smtClean="0">
+              <a:rPr lang="en-US" altLang="zh-TW" sz="1800" dirty="0" err="1">
                 <a:solidFill>
                   <a:srgbClr val="0033CC"/>
                 </a:solidFill>
@@ -9260,7 +9245,7 @@
               <a:t>exclusiveLock.release</a:t>
             </a:r>
             <a:r>
-              <a:rPr lang="en-US" altLang="zh-TW" sz="1800" dirty="0" smtClean="0">
+              <a:rPr lang="en-US" altLang="zh-TW" sz="1800" dirty="0">
                 <a:solidFill>
                   <a:srgbClr val="0033CC"/>
                 </a:solidFill>
@@ -9278,7 +9263,7 @@
               <a:buNone/>
             </a:pPr>
             <a:r>
-              <a:rPr lang="en-US" altLang="zh-TW" sz="1800" dirty="0" smtClean="0">
+              <a:rPr lang="en-US" altLang="zh-TW" sz="1800" dirty="0">
                 <a:solidFill>
                   <a:srgbClr val="0033CC"/>
                 </a:solidFill>
@@ -9287,7 +9272,7 @@
               <a:t>			if (</a:t>
             </a:r>
             <a:r>
-              <a:rPr lang="en-US" altLang="zh-TW" sz="1800" dirty="0" err="1" smtClean="0">
+              <a:rPr lang="en-US" altLang="zh-TW" sz="1800" dirty="0" err="1">
                 <a:solidFill>
                   <a:srgbClr val="0033CC"/>
                 </a:solidFill>
@@ -9296,7 +9281,7 @@
               <a:t>sharedLock</a:t>
             </a:r>
             <a:r>
-              <a:rPr lang="en-US" altLang="zh-TW" sz="1800" dirty="0" smtClean="0">
+              <a:rPr lang="en-US" altLang="zh-TW" sz="1800" dirty="0">
                 <a:solidFill>
                   <a:srgbClr val="0033CC"/>
                 </a:solidFill>
@@ -9314,7 +9299,7 @@
               <a:buNone/>
             </a:pPr>
             <a:r>
-              <a:rPr lang="en-US" altLang="zh-TW" sz="1800" dirty="0" smtClean="0">
+              <a:rPr lang="en-US" altLang="zh-TW" sz="1800" dirty="0">
                 <a:solidFill>
                   <a:srgbClr val="0033CC"/>
                 </a:solidFill>
@@ -9323,7 +9308,7 @@
               <a:t>			</a:t>
             </a:r>
             <a:r>
-              <a:rPr lang="en-US" altLang="zh-TW" sz="1800" dirty="0" err="1" smtClean="0">
+              <a:rPr lang="en-US" altLang="zh-TW" sz="1800" dirty="0" err="1">
                 <a:solidFill>
                   <a:srgbClr val="0033CC"/>
                 </a:solidFill>
@@ -9332,7 +9317,7 @@
               <a:t>sharedLock.release</a:t>
             </a:r>
             <a:r>
-              <a:rPr lang="en-US" altLang="zh-TW" sz="1800" dirty="0" smtClean="0">
+              <a:rPr lang="en-US" altLang="zh-TW" sz="1800" dirty="0">
                 <a:solidFill>
                   <a:srgbClr val="0033CC"/>
                 </a:solidFill>
@@ -9350,7 +9335,7 @@
               <a:buNone/>
             </a:pPr>
             <a:r>
-              <a:rPr lang="en-US" altLang="zh-TW" sz="1800" i="1" dirty="0" smtClean="0">
+              <a:rPr lang="en-US" altLang="zh-TW" sz="1800" i="1" dirty="0">
                 <a:solidFill>
                   <a:srgbClr val="0033CC"/>
                 </a:solidFill>
@@ -9359,7 +9344,7 @@
               <a:t>		</a:t>
             </a:r>
             <a:r>
-              <a:rPr lang="en-US" altLang="zh-TW" sz="1800" dirty="0" smtClean="0">
+              <a:rPr lang="en-US" altLang="zh-TW" sz="1800" dirty="0">
                 <a:solidFill>
                   <a:srgbClr val="0033CC"/>
                 </a:solidFill>
@@ -9377,7 +9362,7 @@
               <a:buNone/>
             </a:pPr>
             <a:r>
-              <a:rPr lang="en-US" altLang="zh-TW" sz="1800" i="1" dirty="0" smtClean="0">
+              <a:rPr lang="en-US" altLang="zh-TW" sz="1800" i="1" dirty="0">
                 <a:solidFill>
                   <a:srgbClr val="0033CC"/>
                 </a:solidFill>
@@ -9386,7 +9371,7 @@
               <a:t>	</a:t>
             </a:r>
             <a:r>
-              <a:rPr lang="en-US" altLang="zh-TW" sz="1800" dirty="0" smtClean="0">
+              <a:rPr lang="en-US" altLang="zh-TW" sz="1800" dirty="0">
                 <a:solidFill>
                   <a:srgbClr val="0033CC"/>
                 </a:solidFill>
@@ -9404,7 +9389,7 @@
               <a:buNone/>
             </a:pPr>
             <a:r>
-              <a:rPr lang="en-US" altLang="zh-TW" sz="1800" dirty="0" smtClean="0">
+              <a:rPr lang="en-US" altLang="zh-TW" sz="1800" dirty="0">
                 <a:solidFill>
                   <a:srgbClr val="0033CC"/>
                 </a:solidFill>
@@ -9419,7 +9404,7 @@
                 <a:spcPct val="80000"/>
               </a:lnSpc>
             </a:pPr>
-            <a:endParaRPr lang="en-US" altLang="zh-TW" sz="1800" dirty="0" smtClean="0">
+            <a:endParaRPr lang="en-US" altLang="zh-TW" sz="1800" dirty="0">
               <a:solidFill>
                 <a:srgbClr val="0033CC"/>
               </a:solidFill>
@@ -9814,7 +9799,7 @@
           <a:p>
             <a:pPr eaLnBrk="1" hangingPunct="1"/>
             <a:r>
-              <a:rPr lang="en-US" altLang="zh-TW" smtClean="0">
+              <a:rPr lang="en-US" altLang="zh-TW">
                 <a:ea typeface="新細明體" charset="-120"/>
               </a:rPr>
               <a:t>File Types – Name, Extension</a:t>
@@ -9861,13 +9846,6 @@
   <p:clrMapOvr>
     <a:masterClrMapping/>
   </p:clrMapOvr>
-  <p:timing>
-    <p:tnLst>
-      <p:par>
-        <p:cTn id="1" dur="indefinite" restart="never" nodeType="tmRoot"/>
-      </p:par>
-    </p:tnLst>
-  </p:timing>
 </p:sld>
 </file>
 
@@ -9905,7 +9883,7 @@
           <a:p>
             <a:pPr eaLnBrk="1" hangingPunct="1"/>
             <a:r>
-              <a:rPr lang="en-US" altLang="zh-TW" smtClean="0">
+              <a:rPr lang="en-US" altLang="zh-TW">
                 <a:ea typeface="新細明體" charset="-120"/>
               </a:rPr>
               <a:t>Access Methods</a:t>
@@ -9943,7 +9921,7 @@
               </a:tabLst>
             </a:pPr>
             <a:r>
-              <a:rPr lang="en-US" altLang="zh-TW" sz="2800" b="1" dirty="0" smtClean="0">
+              <a:rPr lang="en-US" altLang="zh-TW" sz="2800" b="1" dirty="0">
                 <a:solidFill>
                   <a:srgbClr val="FF0000"/>
                 </a:solidFill>
@@ -9968,7 +9946,7 @@
               </a:tabLst>
             </a:pPr>
             <a:r>
-              <a:rPr lang="en-US" altLang="zh-TW" sz="2400" dirty="0" smtClean="0">
+              <a:rPr lang="en-US" altLang="zh-TW" sz="2400" dirty="0">
                 <a:solidFill>
                   <a:srgbClr val="0033CC"/>
                 </a:solidFill>
@@ -9993,7 +9971,7 @@
               </a:tabLst>
             </a:pPr>
             <a:r>
-              <a:rPr lang="en-US" altLang="zh-TW" sz="2400" dirty="0" smtClean="0">
+              <a:rPr lang="en-US" altLang="zh-TW" sz="2400" dirty="0">
                 <a:solidFill>
                   <a:srgbClr val="0033CC"/>
                 </a:solidFill>
@@ -10018,7 +9996,7 @@
               </a:tabLst>
             </a:pPr>
             <a:r>
-              <a:rPr lang="en-US" altLang="zh-TW" sz="2400" dirty="0" smtClean="0">
+              <a:rPr lang="en-US" altLang="zh-TW" sz="2400" dirty="0">
                 <a:solidFill>
                   <a:srgbClr val="0033CC"/>
                 </a:solidFill>
@@ -10043,7 +10021,7 @@
               </a:tabLst>
             </a:pPr>
             <a:r>
-              <a:rPr lang="en-US" altLang="zh-TW" sz="2400" dirty="0" smtClean="0">
+              <a:rPr lang="en-US" altLang="zh-TW" sz="2400" dirty="0">
                 <a:solidFill>
                   <a:srgbClr val="0033CC"/>
                 </a:solidFill>
@@ -10063,7 +10041,7 @@
               </a:tabLst>
             </a:pPr>
             <a:r>
-              <a:rPr lang="en-US" altLang="zh-TW" sz="2800" b="1" dirty="0" smtClean="0">
+              <a:rPr lang="en-US" altLang="zh-TW" sz="2800" b="1" dirty="0">
                 <a:solidFill>
                   <a:srgbClr val="FF0000"/>
                 </a:solidFill>
@@ -10088,7 +10066,7 @@
               </a:tabLst>
             </a:pPr>
             <a:r>
-              <a:rPr lang="en-US" altLang="zh-TW" sz="2400" dirty="0" smtClean="0">
+              <a:rPr lang="en-US" altLang="zh-TW" sz="2400" dirty="0">
                 <a:solidFill>
                   <a:srgbClr val="0033CC"/>
                 </a:solidFill>
@@ -10097,7 +10075,7 @@
               <a:t>		read </a:t>
             </a:r>
             <a:r>
-              <a:rPr lang="en-US" altLang="zh-TW" sz="2400" i="1" dirty="0" smtClean="0">
+              <a:rPr lang="en-US" altLang="zh-TW" sz="2400" i="1" dirty="0">
                 <a:solidFill>
                   <a:srgbClr val="0033CC"/>
                 </a:solidFill>
@@ -10122,7 +10100,7 @@
               </a:tabLst>
             </a:pPr>
             <a:r>
-              <a:rPr lang="en-US" altLang="zh-TW" sz="2400" dirty="0" smtClean="0">
+              <a:rPr lang="en-US" altLang="zh-TW" sz="2400" dirty="0">
                 <a:solidFill>
                   <a:srgbClr val="0033CC"/>
                 </a:solidFill>
@@ -10131,7 +10109,7 @@
               <a:t>		write </a:t>
             </a:r>
             <a:r>
-              <a:rPr lang="en-US" altLang="zh-TW" sz="2400" i="1" dirty="0" smtClean="0">
+              <a:rPr lang="en-US" altLang="zh-TW" sz="2400" i="1" dirty="0">
                 <a:solidFill>
                   <a:srgbClr val="0033CC"/>
                 </a:solidFill>
@@ -10156,7 +10134,7 @@
               </a:tabLst>
             </a:pPr>
             <a:r>
-              <a:rPr lang="en-US" altLang="zh-TW" sz="2400" dirty="0" smtClean="0">
+              <a:rPr lang="en-US" altLang="zh-TW" sz="2400" dirty="0">
                 <a:solidFill>
                   <a:srgbClr val="0033CC"/>
                 </a:solidFill>
@@ -10165,7 +10143,7 @@
               <a:t>		position to </a:t>
             </a:r>
             <a:r>
-              <a:rPr lang="en-US" altLang="zh-TW" sz="2400" i="1" dirty="0" smtClean="0">
+              <a:rPr lang="en-US" altLang="zh-TW" sz="2400" i="1" dirty="0">
                 <a:solidFill>
                   <a:srgbClr val="0033CC"/>
                 </a:solidFill>
@@ -10190,7 +10168,7 @@
               </a:tabLst>
             </a:pPr>
             <a:r>
-              <a:rPr lang="en-US" altLang="zh-TW" sz="2400" dirty="0" smtClean="0">
+              <a:rPr lang="en-US" altLang="zh-TW" sz="2400" dirty="0">
                 <a:solidFill>
                   <a:srgbClr val="0033CC"/>
                 </a:solidFill>
@@ -10215,7 +10193,7 @@
               </a:tabLst>
             </a:pPr>
             <a:r>
-              <a:rPr lang="en-US" altLang="zh-TW" sz="2400" dirty="0" smtClean="0">
+              <a:rPr lang="en-US" altLang="zh-TW" sz="2400" dirty="0">
                 <a:solidFill>
                   <a:srgbClr val="0033CC"/>
                 </a:solidFill>
@@ -10240,7 +10218,7 @@
               </a:tabLst>
             </a:pPr>
             <a:r>
-              <a:rPr lang="en-US" altLang="zh-TW" sz="2400" dirty="0" smtClean="0">
+              <a:rPr lang="en-US" altLang="zh-TW" sz="2400" dirty="0">
                 <a:solidFill>
                   <a:srgbClr val="0033CC"/>
                 </a:solidFill>
@@ -10249,7 +10227,7 @@
               <a:t>		rewrite </a:t>
             </a:r>
             <a:r>
-              <a:rPr lang="en-US" altLang="zh-TW" sz="2400" i="1" dirty="0" smtClean="0">
+              <a:rPr lang="en-US" altLang="zh-TW" sz="2400" i="1" dirty="0">
                 <a:solidFill>
                   <a:srgbClr val="0033CC"/>
                 </a:solidFill>
@@ -10271,19 +10249,19 @@
               </a:tabLst>
             </a:pPr>
             <a:r>
-              <a:rPr lang="en-US" altLang="zh-TW" sz="2400" dirty="0" smtClean="0">
+              <a:rPr lang="en-US" altLang="zh-TW" sz="2400" dirty="0">
                 <a:ea typeface="新細明體" charset="-120"/>
               </a:rPr>
               <a:t>	</a:t>
             </a:r>
             <a:r>
-              <a:rPr lang="en-US" altLang="zh-TW" sz="2400" i="1" dirty="0" smtClean="0">
+              <a:rPr lang="en-US" altLang="zh-TW" sz="2400" i="1" dirty="0">
                 <a:ea typeface="新細明體" charset="-120"/>
               </a:rPr>
               <a:t>n</a:t>
             </a:r>
             <a:r>
-              <a:rPr lang="en-US" altLang="zh-TW" sz="2400" dirty="0" smtClean="0">
+              <a:rPr lang="en-US" altLang="zh-TW" sz="2400" dirty="0">
                 <a:ea typeface="新細明體" charset="-120"/>
               </a:rPr>
               <a:t> = relative block number</a:t>
@@ -10296,13 +10274,6 @@
   <p:clrMapOvr>
     <a:masterClrMapping/>
   </p:clrMapOvr>
-  <p:timing>
-    <p:tnLst>
-      <p:par>
-        <p:cTn id="1" dur="indefinite" restart="never" nodeType="tmRoot"/>
-      </p:par>
-    </p:tnLst>
-  </p:timing>
 </p:sld>
 </file>
 
@@ -10340,7 +10311,7 @@
           <a:p>
             <a:pPr eaLnBrk="1" hangingPunct="1"/>
             <a:r>
-              <a:rPr lang="en-US" altLang="zh-TW" smtClean="0">
+              <a:rPr lang="en-US" altLang="zh-TW">
                 <a:ea typeface="新細明體" charset="-120"/>
               </a:rPr>
               <a:t>Sequential-access File</a:t>
@@ -10385,13 +10356,6 @@
   <p:clrMapOvr>
     <a:masterClrMapping/>
   </p:clrMapOvr>
-  <p:timing>
-    <p:tnLst>
-      <p:par>
-        <p:cTn id="1" dur="indefinite" restart="never" nodeType="tmRoot"/>
-      </p:par>
-    </p:tnLst>
-  </p:timing>
 </p:sld>
 </file>
 
@@ -10434,7 +10398,7 @@
           <a:p>
             <a:pPr eaLnBrk="1" hangingPunct="1"/>
             <a:r>
-              <a:rPr lang="en-US" altLang="zh-TW" sz="2800" dirty="0" smtClean="0">
+              <a:rPr lang="en-US" altLang="zh-TW" sz="2800" dirty="0">
                 <a:ea typeface="新細明體" charset="-120"/>
               </a:rPr>
               <a:t>Simulation of Sequential Access on Direct-access File</a:t>
@@ -10479,13 +10443,6 @@
   <p:clrMapOvr>
     <a:masterClrMapping/>
   </p:clrMapOvr>
-  <p:timing>
-    <p:tnLst>
-      <p:par>
-        <p:cTn id="1" dur="indefinite" restart="never" nodeType="tmRoot"/>
-      </p:par>
-    </p:tnLst>
-  </p:timing>
 </p:sld>
 </file>
 
@@ -10528,7 +10485,7 @@
           <a:p>
             <a:pPr eaLnBrk="1" hangingPunct="1"/>
             <a:r>
-              <a:rPr lang="en-US" altLang="zh-TW" smtClean="0">
+              <a:rPr lang="en-US" altLang="zh-TW">
                 <a:ea typeface="新細明體" charset="-120"/>
               </a:rPr>
               <a:t>Example of Index and Relative Files</a:t>
@@ -10573,13 +10530,6 @@
   <p:clrMapOvr>
     <a:masterClrMapping/>
   </p:clrMapOvr>
-  <p:timing>
-    <p:tnLst>
-      <p:par>
-        <p:cTn id="1" dur="indefinite" restart="never" nodeType="tmRoot"/>
-      </p:par>
-    </p:tnLst>
-  </p:timing>
 </p:sld>
 </file>
 
@@ -10617,7 +10567,7 @@
           <a:p>
             <a:pPr eaLnBrk="1" hangingPunct="1"/>
             <a:r>
-              <a:rPr lang="en-US" altLang="zh-TW" smtClean="0">
+              <a:rPr lang="en-US" altLang="zh-TW">
                 <a:ea typeface="新細明體" charset="-120"/>
               </a:rPr>
               <a:t>Directory Structure</a:t>
@@ -10651,7 +10601,7 @@
               </a:lnSpc>
             </a:pPr>
             <a:r>
-              <a:rPr lang="en-US" altLang="zh-TW" sz="2800" dirty="0" smtClean="0">
+              <a:rPr lang="en-US" altLang="zh-TW" sz="2800" dirty="0">
                 <a:ea typeface="新細明體" charset="-120"/>
               </a:rPr>
               <a:t>A collection of nodes containing information about all files</a:t>
@@ -12042,13 +11992,6 @@
   <p:clrMapOvr>
     <a:masterClrMapping/>
   </p:clrMapOvr>
-  <p:timing>
-    <p:tnLst>
-      <p:par>
-        <p:cTn id="1" dur="indefinite" restart="never" nodeType="tmRoot"/>
-      </p:par>
-    </p:tnLst>
-  </p:timing>
 </p:sld>
 </file>
 
@@ -12086,7 +12029,7 @@
           <a:p>
             <a:pPr eaLnBrk="1" hangingPunct="1"/>
             <a:r>
-              <a:rPr lang="en-US" altLang="zh-TW" smtClean="0">
+              <a:rPr lang="en-US" altLang="zh-TW">
                 <a:ea typeface="新細明體" charset="-120"/>
               </a:rPr>
               <a:t>Disk Structure</a:t>
@@ -12115,13 +12058,13 @@
           <a:lstStyle/>
           <a:p>
             <a:r>
-              <a:rPr lang="en-US" altLang="zh-TW" sz="2400" dirty="0" smtClean="0">
+              <a:rPr lang="en-US" altLang="zh-TW" sz="2400" dirty="0">
                 <a:ea typeface="新細明體" charset="-120"/>
               </a:rPr>
               <a:t>Disk can be subdivided into </a:t>
             </a:r>
             <a:r>
-              <a:rPr lang="en-US" altLang="zh-TW" sz="2400" dirty="0" smtClean="0">
+              <a:rPr lang="en-US" altLang="zh-TW" sz="2400" dirty="0">
                 <a:solidFill>
                   <a:srgbClr val="FF0000"/>
                 </a:solidFill>
@@ -12132,13 +12075,13 @@
           </a:p>
           <a:p>
             <a:r>
-              <a:rPr lang="en-US" altLang="zh-TW" sz="2400" dirty="0" smtClean="0">
+              <a:rPr lang="en-US" altLang="zh-TW" sz="2400" dirty="0">
                 <a:ea typeface="新細明體" charset="-120"/>
               </a:rPr>
               <a:t>Disks or partitions can be </a:t>
             </a:r>
             <a:r>
-              <a:rPr lang="en-US" altLang="zh-TW" sz="2400" dirty="0" smtClean="0">
+              <a:rPr lang="en-US" altLang="zh-TW" sz="2400" dirty="0">
                 <a:solidFill>
                   <a:srgbClr val="3366FF"/>
                 </a:solidFill>
@@ -12147,7 +12090,7 @@
               <a:t>RAID </a:t>
             </a:r>
             <a:r>
-              <a:rPr lang="en-US" altLang="zh-TW" sz="2400" dirty="0" smtClean="0">
+              <a:rPr lang="en-US" altLang="zh-TW" sz="2400" dirty="0">
                 <a:ea typeface="新細明體" charset="-120"/>
               </a:rPr>
               <a:t>protected against failure</a:t>
@@ -12155,13 +12098,13 @@
           </a:p>
           <a:p>
             <a:r>
-              <a:rPr lang="en-US" altLang="zh-TW" sz="2400" dirty="0" smtClean="0">
+              <a:rPr lang="en-US" altLang="zh-TW" sz="2400" dirty="0">
                 <a:ea typeface="新細明體" charset="-120"/>
               </a:rPr>
               <a:t>Disk or partition can be used </a:t>
             </a:r>
             <a:r>
-              <a:rPr lang="en-US" altLang="zh-TW" sz="2400" dirty="0" smtClean="0">
+              <a:rPr lang="en-US" altLang="zh-TW" sz="2400" dirty="0">
                 <a:solidFill>
                   <a:srgbClr val="FF0000"/>
                 </a:solidFill>
@@ -12170,13 +12113,13 @@
               <a:t>raw </a:t>
             </a:r>
             <a:r>
-              <a:rPr lang="en-US" altLang="zh-TW" sz="2400" dirty="0" smtClean="0">
+              <a:rPr lang="en-US" altLang="zh-TW" sz="2400" dirty="0">
                 <a:ea typeface="新細明體" charset="-120"/>
               </a:rPr>
               <a:t>– without a file system, or </a:t>
             </a:r>
             <a:r>
-              <a:rPr lang="en-US" altLang="zh-TW" sz="2400" dirty="0" smtClean="0">
+              <a:rPr lang="en-US" altLang="zh-TW" sz="2400" dirty="0">
                 <a:solidFill>
                   <a:srgbClr val="FF0000"/>
                 </a:solidFill>
@@ -12185,7 +12128,7 @@
               <a:t>formatted</a:t>
             </a:r>
             <a:r>
-              <a:rPr lang="en-US" altLang="zh-TW" sz="2400" dirty="0" smtClean="0">
+              <a:rPr lang="en-US" altLang="zh-TW" sz="2400" dirty="0">
                 <a:solidFill>
                   <a:srgbClr val="3366FF"/>
                 </a:solidFill>
@@ -12194,7 +12137,7 @@
               <a:t> </a:t>
             </a:r>
             <a:r>
-              <a:rPr lang="en-US" altLang="zh-TW" sz="2400" dirty="0" smtClean="0">
+              <a:rPr lang="en-US" altLang="zh-TW" sz="2400" dirty="0">
                 <a:ea typeface="新細明體" charset="-120"/>
               </a:rPr>
               <a:t>with a file system</a:t>
@@ -12202,7 +12145,7 @@
           </a:p>
           <a:p>
             <a:r>
-              <a:rPr lang="en-US" altLang="zh-TW" sz="2400" dirty="0" smtClean="0">
+              <a:rPr lang="en-US" altLang="zh-TW" sz="2400" dirty="0">
                 <a:ea typeface="新細明體" charset="-120"/>
               </a:rPr>
               <a:t>Partitions also known as minidisks, slices</a:t>
@@ -12210,13 +12153,13 @@
           </a:p>
           <a:p>
             <a:r>
-              <a:rPr lang="en-US" altLang="zh-TW" sz="2400" dirty="0" smtClean="0">
+              <a:rPr lang="en-US" altLang="zh-TW" sz="2400" dirty="0">
                 <a:ea typeface="新細明體" charset="-120"/>
               </a:rPr>
               <a:t>Entity containing file system known as a </a:t>
             </a:r>
             <a:r>
-              <a:rPr lang="en-US" altLang="zh-TW" sz="2400" dirty="0" smtClean="0">
+              <a:rPr lang="en-US" altLang="zh-TW" sz="2400" dirty="0">
                 <a:solidFill>
                   <a:srgbClr val="FF0000"/>
                 </a:solidFill>
@@ -12227,13 +12170,13 @@
           </a:p>
           <a:p>
             <a:r>
-              <a:rPr lang="en-US" altLang="zh-TW" sz="2400" dirty="0" smtClean="0">
+              <a:rPr lang="en-US" altLang="zh-TW" sz="2400" dirty="0">
                 <a:ea typeface="新細明體" charset="-120"/>
               </a:rPr>
               <a:t>Each volume containing file system also tracks that file system’s info in </a:t>
             </a:r>
             <a:r>
-              <a:rPr lang="en-US" altLang="zh-TW" sz="2400" dirty="0" smtClean="0">
+              <a:rPr lang="en-US" altLang="zh-TW" sz="2400" dirty="0">
                 <a:solidFill>
                   <a:srgbClr val="FF0000"/>
                 </a:solidFill>
@@ -12242,13 +12185,13 @@
               <a:t>device directory </a:t>
             </a:r>
             <a:r>
-              <a:rPr lang="en-US" altLang="zh-TW" sz="2400" dirty="0" smtClean="0">
+              <a:rPr lang="en-US" altLang="zh-TW" sz="2400" dirty="0">
                 <a:ea typeface="新細明體" charset="-120"/>
               </a:rPr>
               <a:t>or </a:t>
             </a:r>
             <a:r>
-              <a:rPr lang="en-US" altLang="zh-TW" sz="2400" dirty="0" smtClean="0">
+              <a:rPr lang="en-US" altLang="zh-TW" sz="2400" dirty="0">
                 <a:solidFill>
                   <a:srgbClr val="3366FF"/>
                 </a:solidFill>
@@ -12259,13 +12202,13 @@
           </a:p>
           <a:p>
             <a:r>
-              <a:rPr lang="en-US" altLang="zh-TW" sz="2400" dirty="0" smtClean="0">
+              <a:rPr lang="en-US" altLang="zh-TW" sz="2400" dirty="0">
                 <a:ea typeface="新細明體" charset="-120"/>
               </a:rPr>
               <a:t>As well as </a:t>
             </a:r>
             <a:r>
-              <a:rPr lang="en-US" altLang="zh-TW" sz="2400" dirty="0" smtClean="0">
+              <a:rPr lang="en-US" altLang="zh-TW" sz="2400" dirty="0">
                 <a:solidFill>
                   <a:srgbClr val="3366FF"/>
                 </a:solidFill>
@@ -12274,13 +12217,13 @@
               <a:t>general-purpose file systems </a:t>
             </a:r>
             <a:r>
-              <a:rPr lang="en-US" altLang="zh-TW" sz="2400" dirty="0" smtClean="0">
+              <a:rPr lang="en-US" altLang="zh-TW" sz="2400" dirty="0">
                 <a:ea typeface="新細明體" charset="-120"/>
               </a:rPr>
               <a:t>there are many </a:t>
             </a:r>
             <a:r>
-              <a:rPr lang="en-US" altLang="zh-TW" sz="2400" dirty="0" smtClean="0">
+              <a:rPr lang="en-US" altLang="zh-TW" sz="2400" dirty="0">
                 <a:solidFill>
                   <a:srgbClr val="3366FF"/>
                 </a:solidFill>
@@ -12289,7 +12232,7 @@
               <a:t>special-purpose file systems</a:t>
             </a:r>
             <a:r>
-              <a:rPr lang="en-US" altLang="zh-TW" sz="2400" dirty="0" smtClean="0">
+              <a:rPr lang="en-US" altLang="zh-TW" sz="2400" dirty="0">
                 <a:ea typeface="新細明體" charset="-120"/>
               </a:rPr>
               <a:t>, frequently all within the same operating system or computer (Solaris)</a:t>
@@ -12804,7 +12747,7 @@
           <a:p>
             <a:pPr eaLnBrk="1" hangingPunct="1"/>
             <a:r>
-              <a:rPr lang="en-US" altLang="zh-TW" smtClean="0">
+              <a:rPr lang="en-US" altLang="zh-TW">
                 <a:ea typeface="新細明體" charset="-120"/>
               </a:rPr>
               <a:t>A Typical File-system Organization</a:t>
@@ -15309,7 +15252,7 @@
           <a:p>
             <a:pPr eaLnBrk="1" hangingPunct="1"/>
             <a:r>
-              <a:rPr lang="en-US" altLang="zh-TW" smtClean="0">
+              <a:rPr lang="en-US" altLang="zh-TW">
                 <a:ea typeface="新細明體" charset="-120"/>
               </a:rPr>
               <a:t>Chapter 10:  File System</a:t>
@@ -15338,7 +15281,7 @@
           <a:lstStyle/>
           <a:p>
             <a:r>
-              <a:rPr lang="en-US" altLang="zh-TW" sz="3200" dirty="0" smtClean="0">
+              <a:rPr lang="en-US" altLang="zh-TW" sz="3200" dirty="0">
                 <a:ea typeface="新細明體" charset="-120"/>
               </a:rPr>
               <a:t>File Concept</a:t>
@@ -15346,7 +15289,7 @@
           </a:p>
           <a:p>
             <a:r>
-              <a:rPr lang="en-US" altLang="zh-TW" sz="3200" dirty="0" smtClean="0">
+              <a:rPr lang="en-US" altLang="zh-TW" sz="3200" dirty="0">
                 <a:ea typeface="新細明體" charset="-120"/>
               </a:rPr>
               <a:t>Access Methods</a:t>
@@ -15354,7 +15297,7 @@
           </a:p>
           <a:p>
             <a:r>
-              <a:rPr lang="en-US" altLang="zh-TW" sz="3200" dirty="0" smtClean="0">
+              <a:rPr lang="en-US" altLang="zh-TW" sz="3200" dirty="0">
                 <a:ea typeface="新細明體" charset="-120"/>
               </a:rPr>
               <a:t>Directory Structure</a:t>
@@ -15362,7 +15305,7 @@
           </a:p>
           <a:p>
             <a:r>
-              <a:rPr lang="en-US" altLang="zh-TW" sz="3200" dirty="0" smtClean="0">
+              <a:rPr lang="en-US" altLang="zh-TW" sz="3200" dirty="0">
                 <a:ea typeface="新細明體" charset="-120"/>
               </a:rPr>
               <a:t>File-System Mounting</a:t>
@@ -15370,7 +15313,7 @@
           </a:p>
           <a:p>
             <a:r>
-              <a:rPr lang="en-US" altLang="zh-TW" sz="3200" dirty="0" smtClean="0">
+              <a:rPr lang="en-US" altLang="zh-TW" sz="3200" dirty="0">
                 <a:ea typeface="新細明體" charset="-120"/>
               </a:rPr>
               <a:t>File Sharing</a:t>
@@ -15378,7 +15321,7 @@
           </a:p>
           <a:p>
             <a:r>
-              <a:rPr lang="en-US" altLang="zh-TW" sz="3200" dirty="0" smtClean="0">
+              <a:rPr lang="en-US" altLang="zh-TW" sz="3200" dirty="0">
                 <a:ea typeface="新細明體" charset="-120"/>
               </a:rPr>
               <a:t>Protection</a:t>
@@ -15391,13 +15334,6 @@
   <p:clrMapOvr>
     <a:masterClrMapping/>
   </p:clrMapOvr>
-  <p:timing>
-    <p:tnLst>
-      <p:par>
-        <p:cTn id="1" dur="indefinite" restart="never" nodeType="tmRoot"/>
-      </p:par>
-    </p:tnLst>
-  </p:timing>
 </p:sld>
 </file>
 
@@ -15440,7 +15376,7 @@
           <a:p>
             <a:pPr eaLnBrk="1" hangingPunct="1"/>
             <a:r>
-              <a:rPr lang="en-US" altLang="zh-TW" dirty="0" smtClean="0">
+              <a:rPr lang="en-US" altLang="zh-TW" dirty="0">
                 <a:ea typeface="新細明體" charset="-120"/>
               </a:rPr>
               <a:t>Operations Performed on Directory</a:t>
@@ -15464,7 +15400,7 @@
           <a:lstStyle/>
           <a:p>
             <a:r>
-              <a:rPr lang="en-US" altLang="zh-TW" sz="2800" smtClean="0">
+              <a:rPr lang="en-US" altLang="zh-TW" sz="2800">
                 <a:ea typeface="新細明體" charset="-120"/>
               </a:rPr>
               <a:t>Search for a file</a:t>
@@ -15472,7 +15408,7 @@
           </a:p>
           <a:p>
             <a:r>
-              <a:rPr lang="en-US" altLang="zh-TW" sz="2800" smtClean="0">
+              <a:rPr lang="en-US" altLang="zh-TW" sz="2800">
                 <a:ea typeface="新細明體" charset="-120"/>
               </a:rPr>
               <a:t>Create a file</a:t>
@@ -15480,7 +15416,7 @@
           </a:p>
           <a:p>
             <a:r>
-              <a:rPr lang="en-US" altLang="zh-TW" sz="2800" smtClean="0">
+              <a:rPr lang="en-US" altLang="zh-TW" sz="2800">
                 <a:ea typeface="新細明體" charset="-120"/>
               </a:rPr>
               <a:t>Delete a file</a:t>
@@ -15488,7 +15424,7 @@
           </a:p>
           <a:p>
             <a:r>
-              <a:rPr lang="en-US" altLang="zh-TW" sz="2800" smtClean="0">
+              <a:rPr lang="en-US" altLang="zh-TW" sz="2800">
                 <a:ea typeface="新細明體" charset="-120"/>
               </a:rPr>
               <a:t>List a directory</a:t>
@@ -15496,7 +15432,7 @@
           </a:p>
           <a:p>
             <a:r>
-              <a:rPr lang="en-US" altLang="zh-TW" sz="2800" smtClean="0">
+              <a:rPr lang="en-US" altLang="zh-TW" sz="2800">
                 <a:ea typeface="新細明體" charset="-120"/>
               </a:rPr>
               <a:t>Rename a file</a:t>
@@ -15504,7 +15440,7 @@
           </a:p>
           <a:p>
             <a:r>
-              <a:rPr lang="en-US" altLang="zh-TW" sz="2800" smtClean="0">
+              <a:rPr lang="en-US" altLang="zh-TW" sz="2800">
                 <a:ea typeface="新細明體" charset="-120"/>
               </a:rPr>
               <a:t>Traverse the file system</a:t>
@@ -15517,13 +15453,6 @@
   <p:clrMapOvr>
     <a:masterClrMapping/>
   </p:clrMapOvr>
-  <p:timing>
-    <p:tnLst>
-      <p:par>
-        <p:cTn id="1" dur="indefinite" restart="never" nodeType="tmRoot"/>
-      </p:par>
-    </p:tnLst>
-  </p:timing>
 </p:sld>
 </file>
 
@@ -15566,7 +15495,7 @@
           <a:p>
             <a:pPr eaLnBrk="1" hangingPunct="1"/>
             <a:r>
-              <a:rPr lang="en-US" altLang="zh-TW" dirty="0" smtClean="0">
+              <a:rPr lang="en-US" altLang="zh-TW" dirty="0">
                 <a:ea typeface="新細明體" charset="-120"/>
               </a:rPr>
               <a:t>Organize the Directory (Logically) to Obtain</a:t>
@@ -15595,7 +15524,7 @@
           <a:lstStyle/>
           <a:p>
             <a:r>
-              <a:rPr lang="en-US" altLang="zh-TW" sz="2800" dirty="0" smtClean="0">
+              <a:rPr lang="en-US" altLang="zh-TW" sz="2800" dirty="0">
                 <a:solidFill>
                   <a:srgbClr val="FF0000"/>
                 </a:solidFill>
@@ -15604,7 +15533,7 @@
               <a:t>Efficiency</a:t>
             </a:r>
             <a:r>
-              <a:rPr lang="en-US" altLang="zh-TW" sz="2800" dirty="0" smtClean="0">
+              <a:rPr lang="en-US" altLang="zh-TW" sz="2800" dirty="0">
                 <a:ea typeface="新細明體" charset="-120"/>
               </a:rPr>
               <a:t> – locating a file quickly</a:t>
@@ -15612,7 +15541,7 @@
           </a:p>
           <a:p>
             <a:r>
-              <a:rPr lang="en-US" altLang="zh-TW" sz="2800" dirty="0" smtClean="0">
+              <a:rPr lang="en-US" altLang="zh-TW" sz="2800" dirty="0">
                 <a:solidFill>
                   <a:srgbClr val="FF0000"/>
                 </a:solidFill>
@@ -15621,7 +15550,7 @@
               <a:t>Naming </a:t>
             </a:r>
             <a:r>
-              <a:rPr lang="en-US" altLang="zh-TW" sz="2800" dirty="0" smtClean="0">
+              <a:rPr lang="en-US" altLang="zh-TW" sz="2800" dirty="0">
                 <a:ea typeface="新細明體" charset="-120"/>
               </a:rPr>
               <a:t>– convenient to users</a:t>
@@ -15630,7 +15559,7 @@
           <a:p>
             <a:pPr lvl="1"/>
             <a:r>
-              <a:rPr lang="en-US" altLang="zh-TW" sz="2800" dirty="0" smtClean="0">
+              <a:rPr lang="en-US" altLang="zh-TW" sz="2800" dirty="0">
                 <a:ea typeface="新細明體" charset="-120"/>
               </a:rPr>
               <a:t>Two users can have same name for different files</a:t>
@@ -15639,7 +15568,7 @@
           <a:p>
             <a:pPr lvl="1"/>
             <a:r>
-              <a:rPr lang="en-US" altLang="zh-TW" sz="2800" dirty="0" smtClean="0">
+              <a:rPr lang="en-US" altLang="zh-TW" sz="2800" dirty="0">
                 <a:ea typeface="新細明體" charset="-120"/>
               </a:rPr>
               <a:t>The same file can have several different names</a:t>
@@ -15647,7 +15576,7 @@
           </a:p>
           <a:p>
             <a:r>
-              <a:rPr lang="en-US" altLang="zh-TW" sz="2800" dirty="0" smtClean="0">
+              <a:rPr lang="en-US" altLang="zh-TW" sz="2800" dirty="0">
                 <a:solidFill>
                   <a:srgbClr val="FF0000"/>
                 </a:solidFill>
@@ -15656,7 +15585,7 @@
               <a:t>Grouping </a:t>
             </a:r>
             <a:r>
-              <a:rPr lang="en-US" altLang="zh-TW" sz="2800" dirty="0" smtClean="0">
+              <a:rPr lang="en-US" altLang="zh-TW" sz="2800" dirty="0">
                 <a:ea typeface="新細明體" charset="-120"/>
               </a:rPr>
               <a:t>– logical grouping of files by properties, (e.g., all Java programs, all games, …)</a:t>
@@ -16008,12 +15937,12 @@
           <a:p>
             <a:pPr eaLnBrk="1" hangingPunct="1"/>
             <a:r>
-              <a:rPr lang="en-US" altLang="zh-TW" smtClean="0">
+              <a:rPr lang="en-US" altLang="zh-TW">
                 <a:ea typeface="新細明體" charset="-120"/>
               </a:rPr>
               <a:t>Single-Level Directory</a:t>
             </a:r>
-            <a:endParaRPr lang="en-US" altLang="zh-TW" sz="2400" smtClean="0">
+            <a:endParaRPr lang="en-US" altLang="zh-TW" sz="2400">
               <a:ea typeface="新細明體" charset="-120"/>
             </a:endParaRPr>
           </a:p>
@@ -16040,13 +15969,13 @@
           <a:lstStyle/>
           <a:p>
             <a:r>
-              <a:rPr lang="en-US" altLang="zh-TW" sz="3200" dirty="0" smtClean="0">
+              <a:rPr lang="en-US" altLang="zh-TW" sz="3200" dirty="0">
                 <a:ea typeface="新細明體" charset="-120"/>
               </a:rPr>
               <a:t>A </a:t>
             </a:r>
             <a:r>
-              <a:rPr lang="en-US" altLang="zh-TW" sz="3200" dirty="0" smtClean="0">
+              <a:rPr lang="en-US" altLang="zh-TW" sz="3200" dirty="0">
                 <a:solidFill>
                   <a:srgbClr val="FF0000"/>
                 </a:solidFill>
@@ -16055,7 +15984,7 @@
               <a:t>single directory </a:t>
             </a:r>
             <a:r>
-              <a:rPr lang="en-US" altLang="zh-TW" sz="3200" dirty="0" smtClean="0">
+              <a:rPr lang="en-US" altLang="zh-TW" sz="3200" dirty="0">
                 <a:ea typeface="新細明體" charset="-120"/>
               </a:rPr>
               <a:t>for all users</a:t>
@@ -16099,25 +16028,18 @@
               <a:buChar char="l"/>
             </a:pPr>
             <a:r>
-              <a:rPr lang="zh-TW" altLang="en-US" sz="2800" b="1" dirty="0" smtClean="0">
+              <a:rPr lang="zh-TW" altLang="en-US" sz="2800" b="1" dirty="0">
                 <a:latin typeface="Candara" pitchFamily="34" charset="0"/>
                 <a:ea typeface="新細明體" charset="-120"/>
               </a:rPr>
               <a:t> </a:t>
-            </a:r>
-            <a:r>
-              <a:rPr lang="en-US" altLang="zh-TW" sz="2800" b="1" dirty="0" smtClean="0">
-                <a:latin typeface="Candara" pitchFamily="34" charset="0"/>
-                <a:ea typeface="新細明體" charset="-120"/>
-              </a:rPr>
-              <a:t>Naming </a:t>
             </a:r>
             <a:r>
               <a:rPr lang="en-US" altLang="zh-TW" sz="2800" b="1" dirty="0">
                 <a:latin typeface="Candara" pitchFamily="34" charset="0"/>
                 <a:ea typeface="新細明體" charset="-120"/>
               </a:rPr>
-              <a:t>problem</a:t>
+              <a:t>Naming problem</a:t>
             </a:r>
             <a:br>
               <a:rPr lang="en-US" altLang="zh-TW" sz="2800" b="1" dirty="0">
@@ -16139,25 +16061,18 @@
               <a:buChar char="l"/>
             </a:pPr>
             <a:r>
-              <a:rPr lang="zh-TW" altLang="en-US" sz="2800" b="1" dirty="0" smtClean="0">
+              <a:rPr lang="zh-TW" altLang="en-US" sz="2800" b="1" dirty="0">
                 <a:latin typeface="Candara" pitchFamily="34" charset="0"/>
                 <a:ea typeface="新細明體" charset="-120"/>
               </a:rPr>
               <a:t> </a:t>
-            </a:r>
-            <a:r>
-              <a:rPr lang="en-US" altLang="zh-TW" sz="2800" b="1" dirty="0" smtClean="0">
-                <a:latin typeface="Candara" pitchFamily="34" charset="0"/>
-                <a:ea typeface="新細明體" charset="-120"/>
-              </a:rPr>
-              <a:t>Grouping </a:t>
             </a:r>
             <a:r>
               <a:rPr lang="en-US" altLang="zh-TW" sz="2800" b="1" dirty="0">
                 <a:latin typeface="Candara" pitchFamily="34" charset="0"/>
                 <a:ea typeface="新細明體" charset="-120"/>
               </a:rPr>
-              <a:t>problem</a:t>
+              <a:t>Grouping problem</a:t>
             </a:r>
           </a:p>
         </p:txBody>
@@ -16199,13 +16114,6 @@
   <p:clrMapOvr>
     <a:masterClrMapping/>
   </p:clrMapOvr>
-  <p:timing>
-    <p:tnLst>
-      <p:par>
-        <p:cTn id="1" dur="indefinite" restart="never" nodeType="tmRoot"/>
-      </p:par>
-    </p:tnLst>
-  </p:timing>
 </p:sld>
 </file>
 
@@ -16243,12 +16151,12 @@
           <a:p>
             <a:pPr eaLnBrk="1" hangingPunct="1"/>
             <a:r>
-              <a:rPr lang="en-US" altLang="zh-TW" smtClean="0">
+              <a:rPr lang="en-US" altLang="zh-TW">
                 <a:ea typeface="新細明體" charset="-120"/>
               </a:rPr>
               <a:t>Two-Level Directory</a:t>
             </a:r>
-            <a:endParaRPr lang="en-US" altLang="zh-TW" sz="2400" smtClean="0">
+            <a:endParaRPr lang="en-US" altLang="zh-TW" sz="2400">
               <a:ea typeface="新細明體" charset="-120"/>
             </a:endParaRPr>
           </a:p>
@@ -16275,7 +16183,7 @@
           <a:lstStyle/>
           <a:p>
             <a:r>
-              <a:rPr lang="en-US" altLang="zh-TW" sz="3200" dirty="0" smtClean="0">
+              <a:rPr lang="en-US" altLang="zh-TW" sz="3200" dirty="0">
                 <a:solidFill>
                   <a:srgbClr val="FF0000"/>
                 </a:solidFill>
@@ -16284,7 +16192,7 @@
               <a:t>Separate directory </a:t>
             </a:r>
             <a:r>
-              <a:rPr lang="en-US" altLang="zh-TW" sz="3200" dirty="0" smtClean="0">
+              <a:rPr lang="en-US" altLang="zh-TW" sz="3200" dirty="0">
                 <a:ea typeface="新細明體" charset="-120"/>
               </a:rPr>
               <a:t>for each user</a:t>
@@ -18509,7 +18417,7 @@
           <a:p>
             <a:pPr eaLnBrk="1" hangingPunct="1"/>
             <a:r>
-              <a:rPr lang="en-US" altLang="zh-TW" smtClean="0">
+              <a:rPr lang="en-US" altLang="zh-TW">
                 <a:ea typeface="新細明體" charset="-120"/>
               </a:rPr>
               <a:t>Tree-Structured Directories</a:t>
@@ -21229,7 +21137,7 @@
           <a:p>
             <a:pPr eaLnBrk="1" hangingPunct="1"/>
             <a:r>
-              <a:rPr lang="en-US" altLang="zh-TW" smtClean="0">
+              <a:rPr lang="en-US" altLang="zh-TW">
                 <a:ea typeface="新細明體" charset="-120"/>
               </a:rPr>
               <a:t>Tree-Structured Directories (Cont)</a:t>
@@ -21253,7 +21161,7 @@
           <a:lstStyle/>
           <a:p>
             <a:r>
-              <a:rPr lang="en-US" altLang="zh-TW" sz="3200" dirty="0" smtClean="0">
+              <a:rPr lang="en-US" altLang="zh-TW" sz="3200" dirty="0">
                 <a:ea typeface="新細明體" charset="-120"/>
               </a:rPr>
               <a:t>Efficient searching</a:t>
@@ -21261,7 +21169,7 @@
           </a:p>
           <a:p>
             <a:r>
-              <a:rPr lang="en-US" altLang="zh-TW" sz="3200" dirty="0" smtClean="0">
+              <a:rPr lang="en-US" altLang="zh-TW" sz="3200" dirty="0">
                 <a:ea typeface="新細明體" charset="-120"/>
               </a:rPr>
               <a:t>Grouping Capability</a:t>
@@ -21269,13 +21177,13 @@
           </a:p>
           <a:p>
             <a:r>
-              <a:rPr lang="en-US" altLang="zh-TW" sz="3200" dirty="0" smtClean="0">
+              <a:rPr lang="en-US" altLang="zh-TW" sz="3200" dirty="0">
                 <a:ea typeface="新細明體" charset="-120"/>
               </a:rPr>
               <a:t>Current directory (</a:t>
             </a:r>
             <a:r>
-              <a:rPr lang="en-US" altLang="zh-TW" sz="3200" dirty="0" smtClean="0">
+              <a:rPr lang="en-US" altLang="zh-TW" sz="3200" dirty="0">
                 <a:solidFill>
                   <a:srgbClr val="FF0000"/>
                 </a:solidFill>
@@ -21284,7 +21192,7 @@
               <a:t>working directory</a:t>
             </a:r>
             <a:r>
-              <a:rPr lang="en-US" altLang="zh-TW" sz="3200" dirty="0" smtClean="0">
+              <a:rPr lang="en-US" altLang="zh-TW" sz="3200" dirty="0">
                 <a:ea typeface="新細明體" charset="-120"/>
               </a:rPr>
               <a:t>)</a:t>
@@ -21293,7 +21201,7 @@
           <a:p>
             <a:pPr lvl="1"/>
             <a:r>
-              <a:rPr lang="en-US" altLang="zh-TW" sz="3200" dirty="0" err="1" smtClean="0">
+              <a:rPr lang="en-US" altLang="zh-TW" sz="3200" dirty="0" err="1">
                 <a:solidFill>
                   <a:srgbClr val="0033CC"/>
                 </a:solidFill>
@@ -21302,7 +21210,7 @@
               <a:t>cd</a:t>
             </a:r>
             <a:r>
-              <a:rPr lang="en-US" altLang="zh-TW" sz="3200" dirty="0" smtClean="0">
+              <a:rPr lang="en-US" altLang="zh-TW" sz="3200" dirty="0">
                 <a:solidFill>
                   <a:srgbClr val="0033CC"/>
                 </a:solidFill>
@@ -21311,7 +21219,7 @@
               <a:t> /spell/mail/</a:t>
             </a:r>
             <a:r>
-              <a:rPr lang="en-US" altLang="zh-TW" sz="3200" dirty="0" err="1" smtClean="0">
+              <a:rPr lang="en-US" altLang="zh-TW" sz="3200" dirty="0" err="1">
                 <a:solidFill>
                   <a:srgbClr val="0033CC"/>
                 </a:solidFill>
@@ -21319,7 +21227,7 @@
               </a:rPr>
               <a:t>prog</a:t>
             </a:r>
-            <a:endParaRPr lang="en-US" altLang="zh-TW" sz="3200" dirty="0" smtClean="0">
+            <a:endParaRPr lang="en-US" altLang="zh-TW" sz="3200" dirty="0">
               <a:solidFill>
                 <a:srgbClr val="0033CC"/>
               </a:solidFill>
@@ -21329,7 +21237,7 @@
           <a:p>
             <a:pPr lvl="1"/>
             <a:r>
-              <a:rPr lang="en-US" altLang="zh-TW" sz="3200" dirty="0" smtClean="0">
+              <a:rPr lang="en-US" altLang="zh-TW" sz="3200" dirty="0">
                 <a:solidFill>
                   <a:srgbClr val="0033CC"/>
                 </a:solidFill>
@@ -21689,7 +21597,7 @@
           <a:p>
             <a:pPr eaLnBrk="1" hangingPunct="1"/>
             <a:r>
-              <a:rPr lang="en-US" altLang="zh-TW" smtClean="0">
+              <a:rPr lang="en-US" altLang="zh-TW">
                 <a:ea typeface="新細明體" charset="-120"/>
               </a:rPr>
               <a:t>Tree-Structured Directories (Cont)</a:t>
@@ -21726,25 +21634,25 @@
               </a:tabLst>
             </a:pPr>
             <a:r>
-              <a:rPr lang="en-US" altLang="zh-TW" sz="2400" b="1" dirty="0" smtClean="0">
+              <a:rPr lang="en-US" altLang="zh-TW" sz="2400" b="1" dirty="0">
                 <a:ea typeface="新細明體" charset="-120"/>
               </a:rPr>
               <a:t>Absolute</a:t>
             </a:r>
             <a:r>
-              <a:rPr lang="en-US" altLang="zh-TW" sz="2400" dirty="0" smtClean="0">
+              <a:rPr lang="en-US" altLang="zh-TW" sz="2400" dirty="0">
                 <a:ea typeface="新細明體" charset="-120"/>
               </a:rPr>
               <a:t> or </a:t>
             </a:r>
             <a:r>
-              <a:rPr lang="en-US" altLang="zh-TW" sz="2400" b="1" dirty="0" smtClean="0">
+              <a:rPr lang="en-US" altLang="zh-TW" sz="2400" b="1" dirty="0">
                 <a:ea typeface="新細明體" charset="-120"/>
               </a:rPr>
               <a:t>relative</a:t>
             </a:r>
             <a:r>
-              <a:rPr lang="en-US" altLang="zh-TW" sz="2400" dirty="0" smtClean="0">
+              <a:rPr lang="en-US" altLang="zh-TW" sz="2400" dirty="0">
                 <a:ea typeface="新細明體" charset="-120"/>
               </a:rPr>
               <a:t> path name</a:t>
@@ -21760,13 +21668,13 @@
               </a:tabLst>
             </a:pPr>
             <a:r>
-              <a:rPr lang="en-US" altLang="zh-TW" sz="2400" dirty="0" smtClean="0">
+              <a:rPr lang="en-US" altLang="zh-TW" sz="2400" dirty="0">
                 <a:ea typeface="新細明體" charset="-120"/>
               </a:rPr>
               <a:t>Creating a new file is done in </a:t>
             </a:r>
             <a:r>
-              <a:rPr lang="en-US" altLang="zh-TW" sz="2400" dirty="0" smtClean="0">
+              <a:rPr lang="en-US" altLang="zh-TW" sz="2400" dirty="0">
                 <a:solidFill>
                   <a:srgbClr val="FF0000"/>
                 </a:solidFill>
@@ -21785,7 +21693,7 @@
               </a:tabLst>
             </a:pPr>
             <a:r>
-              <a:rPr lang="en-US" altLang="zh-TW" sz="2400" dirty="0" smtClean="0">
+              <a:rPr lang="en-US" altLang="zh-TW" sz="2400" dirty="0">
                 <a:ea typeface="新細明體" charset="-120"/>
               </a:rPr>
               <a:t>Delete a file</a:t>
@@ -21803,13 +21711,13 @@
               </a:tabLst>
             </a:pPr>
             <a:r>
-              <a:rPr lang="en-US" altLang="zh-TW" sz="2400" dirty="0" smtClean="0">
+              <a:rPr lang="en-US" altLang="zh-TW" sz="2400" dirty="0">
                 <a:ea typeface="新細明體" charset="-120"/>
               </a:rPr>
               <a:t>		</a:t>
             </a:r>
             <a:r>
-              <a:rPr lang="en-US" altLang="zh-TW" sz="2400" dirty="0" err="1" smtClean="0">
+              <a:rPr lang="en-US" altLang="zh-TW" sz="2400" dirty="0" err="1">
                 <a:solidFill>
                   <a:srgbClr val="0033CC"/>
                 </a:solidFill>
@@ -21818,7 +21726,7 @@
               <a:t>rm</a:t>
             </a:r>
             <a:r>
-              <a:rPr lang="en-US" altLang="zh-TW" sz="2400" dirty="0" smtClean="0">
+              <a:rPr lang="en-US" altLang="zh-TW" sz="2400" dirty="0">
                 <a:solidFill>
                   <a:srgbClr val="0033CC"/>
                 </a:solidFill>
@@ -21837,7 +21745,7 @@
               </a:tabLst>
             </a:pPr>
             <a:r>
-              <a:rPr lang="en-US" altLang="zh-TW" sz="2400" dirty="0" smtClean="0">
+              <a:rPr lang="en-US" altLang="zh-TW" sz="2400" dirty="0">
                 <a:ea typeface="新細明體" charset="-120"/>
               </a:rPr>
               <a:t>Creating a new subdirectory is done in current directory</a:t>
@@ -21855,13 +21763,13 @@
               </a:tabLst>
             </a:pPr>
             <a:r>
-              <a:rPr lang="en-US" altLang="zh-TW" sz="2400" dirty="0" smtClean="0">
+              <a:rPr lang="en-US" altLang="zh-TW" sz="2400" dirty="0">
                 <a:ea typeface="新細明體" charset="-120"/>
               </a:rPr>
               <a:t>		</a:t>
             </a:r>
             <a:r>
-              <a:rPr lang="en-US" altLang="zh-TW" sz="2400" dirty="0" err="1" smtClean="0">
+              <a:rPr lang="en-US" altLang="zh-TW" sz="2400" dirty="0" err="1">
                 <a:solidFill>
                   <a:srgbClr val="0033CC"/>
                 </a:solidFill>
@@ -21870,7 +21778,7 @@
               <a:t>mkdir</a:t>
             </a:r>
             <a:r>
-              <a:rPr lang="en-US" altLang="zh-TW" sz="2400" dirty="0" smtClean="0">
+              <a:rPr lang="en-US" altLang="zh-TW" sz="2400" dirty="0">
                 <a:solidFill>
                   <a:srgbClr val="0033CC"/>
                 </a:solidFill>
@@ -21891,13 +21799,13 @@
               </a:tabLst>
             </a:pPr>
             <a:r>
-              <a:rPr lang="en-US" altLang="zh-TW" sz="2400" dirty="0" smtClean="0">
+              <a:rPr lang="en-US" altLang="zh-TW" sz="2400" dirty="0">
                 <a:ea typeface="新細明體" charset="-120"/>
               </a:rPr>
               <a:t>	Example:  if in current directory   </a:t>
             </a:r>
             <a:r>
-              <a:rPr lang="en-US" altLang="zh-TW" sz="2400" dirty="0" smtClean="0">
+              <a:rPr lang="en-US" altLang="zh-TW" sz="2400" dirty="0">
                 <a:solidFill>
                   <a:srgbClr val="0033CC"/>
                 </a:solidFill>
@@ -21918,13 +21826,13 @@
               </a:tabLst>
             </a:pPr>
             <a:r>
-              <a:rPr lang="en-US" altLang="zh-TW" sz="2400" dirty="0" smtClean="0">
+              <a:rPr lang="en-US" altLang="zh-TW" sz="2400" dirty="0">
                 <a:ea typeface="新細明體" charset="-120"/>
               </a:rPr>
               <a:t>		</a:t>
             </a:r>
             <a:r>
-              <a:rPr lang="en-US" altLang="zh-TW" sz="2400" dirty="0" err="1" smtClean="0">
+              <a:rPr lang="en-US" altLang="zh-TW" sz="2400" dirty="0" err="1">
                 <a:solidFill>
                   <a:srgbClr val="0033CC"/>
                 </a:solidFill>
@@ -21933,7 +21841,7 @@
               <a:t>mkdir</a:t>
             </a:r>
             <a:r>
-              <a:rPr lang="en-US" altLang="zh-TW" sz="2400" dirty="0" smtClean="0">
+              <a:rPr lang="en-US" altLang="zh-TW" sz="2400" dirty="0">
                 <a:solidFill>
                   <a:srgbClr val="0033CC"/>
                 </a:solidFill>
@@ -22996,12 +22904,12 @@
           <a:p>
             <a:pPr eaLnBrk="1" hangingPunct="1"/>
             <a:r>
-              <a:rPr lang="en-US" altLang="zh-TW" smtClean="0">
+              <a:rPr lang="en-US" altLang="zh-TW">
                 <a:ea typeface="新細明體" charset="-120"/>
               </a:rPr>
               <a:t>Acyclic-Graph Directories</a:t>
             </a:r>
-            <a:endParaRPr lang="en-US" altLang="zh-TW" sz="2400" smtClean="0">
+            <a:endParaRPr lang="en-US" altLang="zh-TW" sz="2400">
               <a:ea typeface="新細明體" charset="-120"/>
             </a:endParaRPr>
           </a:p>
@@ -23028,13 +22936,13 @@
           <a:lstStyle/>
           <a:p>
             <a:r>
-              <a:rPr lang="en-US" altLang="zh-TW" dirty="0" smtClean="0">
+              <a:rPr lang="en-US" altLang="zh-TW" dirty="0">
                 <a:ea typeface="新細明體" charset="-120"/>
               </a:rPr>
               <a:t>Have </a:t>
             </a:r>
             <a:r>
-              <a:rPr lang="en-US" altLang="zh-TW" dirty="0" smtClean="0">
+              <a:rPr lang="en-US" altLang="zh-TW" dirty="0">
                 <a:solidFill>
                   <a:srgbClr val="FF0000"/>
                 </a:solidFill>
@@ -23043,7 +22951,7 @@
               <a:t>shared subdirectories and files</a:t>
             </a:r>
             <a:r>
-              <a:rPr lang="en-US" altLang="zh-TW" dirty="0" smtClean="0">
+              <a:rPr lang="en-US" altLang="zh-TW" dirty="0">
                 <a:ea typeface="新細明體" charset="-120"/>
               </a:rPr>
               <a:t>, for joined project, for example</a:t>
@@ -23950,7 +23858,7 @@
           <a:p>
             <a:pPr eaLnBrk="1" hangingPunct="1"/>
             <a:r>
-              <a:rPr lang="en-US" altLang="zh-TW" smtClean="0">
+              <a:rPr lang="en-US" altLang="zh-TW">
                 <a:ea typeface="新細明體" charset="-120"/>
               </a:rPr>
               <a:t>Acyclic-Graph Directories (Cont.)</a:t>
@@ -23979,13 +23887,13 @@
           <a:lstStyle/>
           <a:p>
             <a:r>
-              <a:rPr lang="en-US" altLang="zh-TW" sz="2400" dirty="0" smtClean="0">
+              <a:rPr lang="en-US" altLang="zh-TW" sz="2400" dirty="0">
                 <a:ea typeface="新細明體" charset="-120"/>
               </a:rPr>
               <a:t>Allows directories </a:t>
             </a:r>
             <a:r>
-              <a:rPr lang="en-US" altLang="zh-TW" sz="2400" dirty="0" smtClean="0">
+              <a:rPr lang="en-US" altLang="zh-TW" sz="2400" dirty="0">
                 <a:solidFill>
                   <a:srgbClr val="FF0000"/>
                 </a:solidFill>
@@ -23994,13 +23902,13 @@
               <a:t>to share subdirectories and files</a:t>
             </a:r>
             <a:r>
-              <a:rPr lang="en-US" altLang="zh-TW" sz="2400" dirty="0" smtClean="0">
+              <a:rPr lang="en-US" altLang="zh-TW" sz="2400" dirty="0">
                 <a:ea typeface="新細明體" charset="-120"/>
               </a:rPr>
               <a:t>. The same file or subdirector</a:t>
             </a:r>
             <a:r>
-              <a:rPr lang="en-US" altLang="zh-TW" dirty="0" smtClean="0">
+              <a:rPr lang="en-US" altLang="zh-TW" dirty="0">
                 <a:ea typeface="新細明體" charset="-120"/>
               </a:rPr>
               <a:t>y may be in two different directories</a:t>
@@ -24008,24 +23916,24 @@
           </a:p>
           <a:p>
             <a:r>
-              <a:rPr lang="en-US" altLang="zh-TW" sz="2400" dirty="0" smtClean="0">
+              <a:rPr lang="en-US" altLang="zh-TW" sz="2400" dirty="0">
                 <a:ea typeface="新細明體" charset="-120"/>
               </a:rPr>
               <a:t>Shared files </a:t>
             </a:r>
             <a:r>
-              <a:rPr lang="en-US" altLang="zh-TW" dirty="0" smtClean="0">
+              <a:rPr lang="en-US" altLang="zh-TW" dirty="0">
                 <a:ea typeface="新細明體" charset="-120"/>
               </a:rPr>
               <a:t>and subdirectories can be implemented in several ways.</a:t>
             </a:r>
-            <a:endParaRPr lang="en-US" altLang="zh-TW" sz="2400" dirty="0" smtClean="0">
+            <a:endParaRPr lang="en-US" altLang="zh-TW" sz="2400" dirty="0">
               <a:ea typeface="新細明體" charset="-120"/>
             </a:endParaRPr>
           </a:p>
           <a:p>
             <a:r>
-              <a:rPr lang="en-US" altLang="zh-TW" sz="2400" dirty="0" smtClean="0">
+              <a:rPr lang="en-US" altLang="zh-TW" sz="2400" dirty="0">
                 <a:solidFill>
                   <a:srgbClr val="FF0000"/>
                 </a:solidFill>
@@ -24034,7 +23942,7 @@
               <a:t>Create a </a:t>
             </a:r>
             <a:r>
-              <a:rPr lang="en-US" altLang="zh-TW" dirty="0" smtClean="0">
+              <a:rPr lang="en-US" altLang="zh-TW" dirty="0">
                 <a:solidFill>
                   <a:srgbClr val="FF0000"/>
                 </a:solidFill>
@@ -24043,7 +23951,7 @@
               <a:t>new </a:t>
             </a:r>
             <a:r>
-              <a:rPr lang="en-US" altLang="zh-TW" sz="2400" dirty="0" smtClean="0">
+              <a:rPr lang="en-US" altLang="zh-TW" sz="2400" dirty="0">
                 <a:solidFill>
                   <a:srgbClr val="FF0000"/>
                 </a:solidFill>
@@ -24052,13 +23960,13 @@
               <a:t>directory entry  </a:t>
             </a:r>
             <a:r>
-              <a:rPr lang="en-US" altLang="zh-TW" sz="2400" dirty="0" smtClean="0">
+              <a:rPr lang="en-US" altLang="zh-TW" sz="2400" dirty="0">
                 <a:ea typeface="新細明體" charset="-120"/>
               </a:rPr>
               <a:t>- </a:t>
             </a:r>
             <a:r>
-              <a:rPr lang="en-US" altLang="zh-TW" sz="2400" dirty="0" smtClean="0">
+              <a:rPr lang="en-US" altLang="zh-TW" sz="2400" dirty="0">
                 <a:solidFill>
                   <a:srgbClr val="FF0000"/>
                 </a:solidFill>
@@ -24070,7 +23978,7 @@
           <a:p>
             <a:pPr lvl="1"/>
             <a:r>
-              <a:rPr lang="en-US" altLang="zh-TW" sz="2400" b="1" dirty="0" smtClean="0">
+              <a:rPr lang="en-US" altLang="zh-TW" sz="2400" b="1" dirty="0">
                 <a:solidFill>
                   <a:srgbClr val="FF0000"/>
                 </a:solidFill>
@@ -24079,19 +23987,19 @@
               <a:t>Link</a:t>
             </a:r>
             <a:r>
-              <a:rPr lang="en-US" altLang="zh-TW" sz="2400" dirty="0" smtClean="0">
+              <a:rPr lang="en-US" altLang="zh-TW" sz="2400" dirty="0">
                 <a:ea typeface="新細明體" charset="-120"/>
               </a:rPr>
               <a:t> – a pointer to another file or subdirectory. A link may be implemented as an </a:t>
             </a:r>
             <a:r>
-              <a:rPr lang="en-US" altLang="zh-TW" dirty="0" smtClean="0">
+              <a:rPr lang="en-US" altLang="zh-TW" dirty="0">
                 <a:ea typeface="新細明體" charset="-120"/>
               </a:rPr>
               <a:t>absolute or a relative </a:t>
             </a:r>
             <a:r>
-              <a:rPr lang="en-US" altLang="zh-TW" dirty="0" smtClean="0">
+              <a:rPr lang="en-US" altLang="zh-TW" dirty="0">
                 <a:solidFill>
                   <a:srgbClr val="FF0000"/>
                 </a:solidFill>
@@ -24100,19 +24008,19 @@
               <a:t>path name</a:t>
             </a:r>
             <a:r>
-              <a:rPr lang="en-US" altLang="zh-TW" dirty="0" smtClean="0">
+              <a:rPr lang="en-US" altLang="zh-TW" dirty="0">
                 <a:ea typeface="新細明體" charset="-120"/>
               </a:rPr>
               <a:t>. </a:t>
             </a:r>
-            <a:endParaRPr lang="en-US" altLang="zh-TW" sz="2400" dirty="0" smtClean="0">
+            <a:endParaRPr lang="en-US" altLang="zh-TW" sz="2400" dirty="0">
               <a:ea typeface="新細明體" charset="-120"/>
             </a:endParaRPr>
           </a:p>
           <a:p>
             <a:pPr lvl="1"/>
             <a:r>
-              <a:rPr lang="en-US" altLang="zh-TW" sz="2400" b="1" dirty="0" smtClean="0">
+              <a:rPr lang="en-US" altLang="zh-TW" sz="2400" b="1" dirty="0">
                 <a:solidFill>
                   <a:srgbClr val="FF0000"/>
                 </a:solidFill>
@@ -24121,7 +24029,7 @@
               <a:t>Resolve the link</a:t>
             </a:r>
             <a:r>
-              <a:rPr lang="en-US" altLang="zh-TW" sz="2400" dirty="0" smtClean="0">
+              <a:rPr lang="en-US" altLang="zh-TW" sz="2400" dirty="0">
                 <a:solidFill>
                   <a:srgbClr val="FF0000"/>
                 </a:solidFill>
@@ -24130,12 +24038,12 @@
               <a:t> </a:t>
             </a:r>
             <a:r>
-              <a:rPr lang="en-US" altLang="zh-TW" sz="2400" dirty="0" smtClean="0">
+              <a:rPr lang="en-US" altLang="zh-TW" sz="2400" dirty="0">
                 <a:ea typeface="新細明體" charset="-120"/>
               </a:rPr>
               <a:t>– using that path name to locate the real file. Links are easily identified by their format in the directory entry and are effectively indirect pointers.</a:t>
             </a:r>
-            <a:endParaRPr lang="en-US" altLang="zh-TW" sz="2400" b="1" dirty="0" smtClean="0">
+            <a:endParaRPr lang="en-US" altLang="zh-TW" sz="2400" b="1" dirty="0">
               <a:ea typeface="新細明體" charset="-120"/>
             </a:endParaRPr>
           </a:p>
@@ -24485,12 +24393,12 @@
           <a:p>
             <a:pPr eaLnBrk="1" hangingPunct="1"/>
             <a:r>
-              <a:rPr lang="en-US" altLang="zh-TW" smtClean="0">
+              <a:rPr lang="en-US" altLang="zh-TW">
                 <a:ea typeface="新細明體" charset="-120"/>
               </a:rPr>
               <a:t>General Graph Directory</a:t>
             </a:r>
-            <a:endParaRPr lang="en-US" altLang="zh-TW" sz="2400" smtClean="0">
+            <a:endParaRPr lang="en-US" altLang="zh-TW" sz="2400">
               <a:ea typeface="新細明體" charset="-120"/>
             </a:endParaRPr>
           </a:p>
@@ -24580,7 +24488,7 @@
               <a:defRPr/>
             </a:pPr>
             <a:r>
-              <a:rPr kumimoji="1" lang="en-US" altLang="zh-TW" sz="2400" b="1" i="0" u="none" strike="noStrike" kern="0" cap="none" spc="0" normalizeH="0" baseline="0" noProof="0" dirty="0" smtClean="0">
+              <a:rPr kumimoji="1" lang="en-US" altLang="zh-TW" sz="2400" b="1" i="0" u="none" strike="noStrike" kern="0" cap="none" spc="0" normalizeH="0" baseline="0" noProof="0" dirty="0">
                 <a:ln>
                   <a:noFill/>
                 </a:ln>
@@ -24597,7 +24505,7 @@
               <a:t>A serious problem with using acyclic-</a:t>
             </a:r>
             <a:r>
-              <a:rPr kumimoji="1" lang="en-US" altLang="zh-TW" sz="2400" b="1" kern="0" dirty="0" smtClean="0">
+              <a:rPr kumimoji="1" lang="en-US" altLang="zh-TW" sz="2400" b="1" kern="0" dirty="0">
                 <a:latin typeface="Candara" pitchFamily="34" charset="0"/>
                 <a:ea typeface="新細明體" charset="-120"/>
                 <a:cs typeface="Candara" pitchFamily="34" charset="0"/>
@@ -24605,7 +24513,7 @@
               <a:t>graph structure is </a:t>
             </a:r>
             <a:r>
-              <a:rPr kumimoji="1" lang="en-US" altLang="zh-TW" sz="2400" b="1" kern="0" dirty="0" smtClean="0">
+              <a:rPr kumimoji="1" lang="en-US" altLang="zh-TW" sz="2400" b="1" kern="0" dirty="0">
                 <a:solidFill>
                   <a:srgbClr val="FF0000"/>
                 </a:solidFill>
@@ -24616,7 +24524,7 @@
               <a:t>ensuring that there is no cycles</a:t>
             </a:r>
             <a:r>
-              <a:rPr kumimoji="1" lang="en-US" altLang="zh-TW" sz="2400" b="1" kern="0" dirty="0" smtClean="0">
+              <a:rPr kumimoji="1" lang="en-US" altLang="zh-TW" sz="2400" b="1" kern="0" dirty="0">
                 <a:latin typeface="Candara" pitchFamily="34" charset="0"/>
                 <a:ea typeface="新細明體" charset="-120"/>
                 <a:cs typeface="Candara" pitchFamily="34" charset="0"/>
@@ -24645,7 +24553,7 @@
               <a:defRPr/>
             </a:pPr>
             <a:r>
-              <a:rPr kumimoji="1" lang="en-US" altLang="zh-TW" sz="2400" b="1" i="0" u="none" strike="noStrike" kern="0" cap="none" spc="0" normalizeH="0" baseline="0" noProof="0" dirty="0" smtClean="0">
+              <a:rPr kumimoji="1" lang="en-US" altLang="zh-TW" sz="2400" b="1" i="0" u="none" strike="noStrike" kern="0" cap="none" spc="0" normalizeH="0" baseline="0" noProof="0" dirty="0">
                 <a:ln>
                   <a:noFill/>
                 </a:ln>
@@ -24662,7 +24570,7 @@
               <a:t>However,</a:t>
             </a:r>
             <a:r>
-              <a:rPr kumimoji="1" lang="en-US" altLang="zh-TW" sz="2400" b="1" i="0" u="none" strike="noStrike" kern="0" cap="none" spc="0" normalizeH="0" noProof="0" dirty="0" smtClean="0">
+              <a:rPr kumimoji="1" lang="en-US" altLang="zh-TW" sz="2400" b="1" i="0" u="none" strike="noStrike" kern="0" cap="none" spc="0" normalizeH="0" noProof="0" dirty="0">
                 <a:ln>
                   <a:noFill/>
                 </a:ln>
@@ -24679,7 +24587,7 @@
               <a:t> when we </a:t>
             </a:r>
             <a:r>
-              <a:rPr kumimoji="1" lang="en-US" altLang="zh-TW" sz="2400" b="1" i="0" u="none" strike="noStrike" kern="0" cap="none" spc="0" normalizeH="0" noProof="0" dirty="0" smtClean="0">
+              <a:rPr kumimoji="1" lang="en-US" altLang="zh-TW" sz="2400" b="1" i="0" u="none" strike="noStrike" kern="0" cap="none" spc="0" normalizeH="0" noProof="0" dirty="0">
                 <a:ln>
                   <a:noFill/>
                 </a:ln>
@@ -24696,7 +24604,7 @@
               <a:t>add links</a:t>
             </a:r>
             <a:r>
-              <a:rPr kumimoji="1" lang="en-US" altLang="zh-TW" sz="2400" b="1" i="0" u="none" strike="noStrike" kern="0" cap="none" spc="0" normalizeH="0" noProof="0" dirty="0" smtClean="0">
+              <a:rPr kumimoji="1" lang="en-US" altLang="zh-TW" sz="2400" b="1" i="0" u="none" strike="noStrike" kern="0" cap="none" spc="0" normalizeH="0" noProof="0" dirty="0">
                 <a:ln>
                   <a:noFill/>
                 </a:ln>
@@ -24712,7 +24620,7 @@
               </a:rPr>
               <a:t>, the tree structure is destroyed, resulting in a simple graph structure. </a:t>
             </a:r>
-            <a:endParaRPr kumimoji="1" lang="en-US" altLang="zh-TW" sz="2400" b="1" i="0" u="none" strike="noStrike" kern="0" cap="none" spc="0" normalizeH="0" baseline="0" noProof="0" dirty="0" smtClean="0">
+            <a:endParaRPr kumimoji="1" lang="en-US" altLang="zh-TW" sz="2400" b="1" i="0" u="none" strike="noStrike" kern="0" cap="none" spc="0" normalizeH="0" baseline="0" noProof="0" dirty="0">
               <a:ln>
                 <a:noFill/>
               </a:ln>
@@ -25388,7 +25296,7 @@
           <a:lstStyle/>
           <a:p>
             <a:r>
-              <a:rPr lang="en-US" altLang="zh-TW" sz="2400" b="1" dirty="0" smtClean="0">
+              <a:rPr lang="en-US" altLang="zh-TW" sz="2400" b="1" dirty="0">
                 <a:solidFill>
                   <a:srgbClr val="FF0000"/>
                 </a:solidFill>
@@ -25815,7 +25723,7 @@
           <a:p>
             <a:pPr eaLnBrk="1" hangingPunct="1"/>
             <a:r>
-              <a:rPr lang="en-US" altLang="zh-TW" smtClean="0">
+              <a:rPr lang="en-US" altLang="zh-TW">
                 <a:ea typeface="新細明體" charset="-120"/>
               </a:rPr>
               <a:t>Objectives</a:t>
@@ -25844,13 +25752,13 @@
           <a:lstStyle/>
           <a:p>
             <a:r>
-              <a:rPr lang="en-US" altLang="zh-TW" sz="2800" dirty="0" smtClean="0">
+              <a:rPr lang="en-US" altLang="zh-TW" sz="2800" dirty="0">
                 <a:ea typeface="新細明體" charset="-120"/>
               </a:rPr>
               <a:t>To explain the </a:t>
             </a:r>
             <a:r>
-              <a:rPr lang="en-US" altLang="zh-TW" sz="2800" dirty="0" smtClean="0">
+              <a:rPr lang="en-US" altLang="zh-TW" sz="2800" dirty="0">
                 <a:solidFill>
                   <a:srgbClr val="FF0000"/>
                 </a:solidFill>
@@ -25861,13 +25769,13 @@
           </a:p>
           <a:p>
             <a:r>
-              <a:rPr lang="en-US" altLang="zh-TW" sz="2800" dirty="0" smtClean="0">
+              <a:rPr lang="en-US" altLang="zh-TW" sz="2800" dirty="0">
                 <a:ea typeface="新細明體" charset="-120"/>
               </a:rPr>
               <a:t>To describe the </a:t>
             </a:r>
             <a:r>
-              <a:rPr lang="en-US" altLang="zh-TW" sz="2800" dirty="0" smtClean="0">
+              <a:rPr lang="en-US" altLang="zh-TW" sz="2800" dirty="0">
                 <a:solidFill>
                   <a:srgbClr val="FF0000"/>
                 </a:solidFill>
@@ -25878,13 +25786,13 @@
           </a:p>
           <a:p>
             <a:r>
-              <a:rPr lang="en-US" altLang="zh-TW" sz="2800" dirty="0" smtClean="0">
+              <a:rPr lang="en-US" altLang="zh-TW" sz="2800" dirty="0">
                 <a:ea typeface="新細明體" charset="-120"/>
               </a:rPr>
               <a:t>To discuss file-system </a:t>
             </a:r>
             <a:r>
-              <a:rPr lang="en-US" altLang="zh-TW" sz="2800" dirty="0" smtClean="0">
+              <a:rPr lang="en-US" altLang="zh-TW" sz="2800" dirty="0">
                 <a:solidFill>
                   <a:srgbClr val="FF0000"/>
                 </a:solidFill>
@@ -25893,7 +25801,7 @@
               <a:t>design tradeoffs</a:t>
             </a:r>
             <a:r>
-              <a:rPr lang="en-US" altLang="zh-TW" sz="2800" dirty="0" smtClean="0">
+              <a:rPr lang="en-US" altLang="zh-TW" sz="2800" dirty="0">
                 <a:ea typeface="新細明體" charset="-120"/>
               </a:rPr>
               <a:t>, including </a:t>
@@ -25902,7 +25810,7 @@
           <a:p>
             <a:pPr lvl="1"/>
             <a:r>
-              <a:rPr lang="en-US" altLang="zh-TW" sz="2800" dirty="0" smtClean="0">
+              <a:rPr lang="en-US" altLang="zh-TW" sz="2800" dirty="0">
                 <a:ea typeface="新細明體" charset="-120"/>
               </a:rPr>
               <a:t>access methods, </a:t>
@@ -25911,7 +25819,7 @@
           <a:p>
             <a:pPr lvl="1"/>
             <a:r>
-              <a:rPr lang="en-US" altLang="zh-TW" sz="2800" dirty="0" smtClean="0">
+              <a:rPr lang="en-US" altLang="zh-TW" sz="2800" dirty="0">
                 <a:ea typeface="新細明體" charset="-120"/>
               </a:rPr>
               <a:t>file sharing, </a:t>
@@ -25920,7 +25828,7 @@
           <a:p>
             <a:pPr lvl="1"/>
             <a:r>
-              <a:rPr lang="en-US" altLang="zh-TW" sz="2800" dirty="0" smtClean="0">
+              <a:rPr lang="en-US" altLang="zh-TW" sz="2800" dirty="0">
                 <a:ea typeface="新細明體" charset="-120"/>
               </a:rPr>
               <a:t>file locking, and </a:t>
@@ -25929,7 +25837,7 @@
           <a:p>
             <a:pPr lvl="1"/>
             <a:r>
-              <a:rPr lang="en-US" altLang="zh-TW" sz="2800" dirty="0" smtClean="0">
+              <a:rPr lang="en-US" altLang="zh-TW" sz="2800" dirty="0">
                 <a:ea typeface="新細明體" charset="-120"/>
               </a:rPr>
               <a:t>directory structures</a:t>
@@ -25937,13 +25845,13 @@
           </a:p>
           <a:p>
             <a:r>
-              <a:rPr lang="en-US" altLang="zh-TW" sz="2800" dirty="0" smtClean="0">
+              <a:rPr lang="en-US" altLang="zh-TW" sz="2800" dirty="0">
                 <a:ea typeface="新細明體" charset="-120"/>
               </a:rPr>
               <a:t>To explore </a:t>
             </a:r>
             <a:r>
-              <a:rPr lang="en-US" altLang="zh-TW" sz="2800" dirty="0" smtClean="0">
+              <a:rPr lang="en-US" altLang="zh-TW" sz="2800" dirty="0">
                 <a:solidFill>
                   <a:srgbClr val="FF0000"/>
                 </a:solidFill>
@@ -25953,7 +25861,7 @@
             </a:r>
           </a:p>
           <a:p>
-            <a:endParaRPr lang="en-US" altLang="zh-TW" sz="2800" dirty="0" smtClean="0">
+            <a:endParaRPr lang="en-US" altLang="zh-TW" sz="2800" dirty="0">
               <a:ea typeface="新細明體" charset="-120"/>
             </a:endParaRPr>
           </a:p>
@@ -26450,7 +26358,7 @@
           <a:p>
             <a:pPr eaLnBrk="1" hangingPunct="1"/>
             <a:r>
-              <a:rPr lang="en-US" altLang="zh-TW" smtClean="0">
+              <a:rPr lang="en-US" altLang="zh-TW">
                 <a:ea typeface="新細明體" charset="-120"/>
               </a:rPr>
               <a:t>General Graph Directory (Cont.)</a:t>
@@ -26479,7 +26387,7 @@
           <a:lstStyle/>
           <a:p>
             <a:r>
-              <a:rPr lang="en-US" altLang="zh-TW" sz="2800" dirty="0" smtClean="0">
+              <a:rPr lang="en-US" altLang="zh-TW" sz="2800" dirty="0">
                 <a:ea typeface="新細明體" charset="-120"/>
               </a:rPr>
               <a:t>If cycles are allowed to exist in the directory</a:t>
@@ -26488,13 +26396,13 @@
           <a:p>
             <a:pPr lvl="1"/>
             <a:r>
-              <a:rPr lang="en-US" altLang="zh-TW" sz="2800" dirty="0" smtClean="0">
+              <a:rPr lang="en-US" altLang="zh-TW" sz="2800" dirty="0">
                 <a:ea typeface="新細明體" charset="-120"/>
               </a:rPr>
               <a:t>An </a:t>
             </a:r>
             <a:r>
-              <a:rPr lang="en-US" altLang="zh-TW" sz="2800" dirty="0" smtClean="0">
+              <a:rPr lang="en-US" altLang="zh-TW" sz="2800" dirty="0">
                 <a:solidFill>
                   <a:srgbClr val="FF0000"/>
                 </a:solidFill>
@@ -26503,7 +26411,7 @@
               <a:t>infinite loop</a:t>
             </a:r>
             <a:r>
-              <a:rPr lang="en-US" altLang="zh-TW" sz="2800" dirty="0" smtClean="0">
+              <a:rPr lang="en-US" altLang="zh-TW" sz="2800" dirty="0">
                 <a:ea typeface="新細明體" charset="-120"/>
               </a:rPr>
               <a:t> continually searching through the cycle</a:t>
@@ -26512,13 +26420,13 @@
           <a:p>
             <a:pPr lvl="1"/>
             <a:r>
-              <a:rPr lang="en-US" altLang="zh-TW" sz="2800" dirty="0" smtClean="0">
+              <a:rPr lang="en-US" altLang="zh-TW" sz="2800" dirty="0">
                 <a:ea typeface="新細明體" charset="-120"/>
               </a:rPr>
               <a:t>When a file can be </a:t>
             </a:r>
             <a:r>
-              <a:rPr lang="en-US" altLang="zh-TW" sz="2800" dirty="0" smtClean="0">
+              <a:rPr lang="en-US" altLang="zh-TW" sz="2800" dirty="0">
                 <a:solidFill>
                   <a:srgbClr val="FF0000"/>
                 </a:solidFill>
@@ -26527,7 +26435,7 @@
               <a:t>deleted</a:t>
             </a:r>
             <a:r>
-              <a:rPr lang="en-US" altLang="zh-TW" sz="2800" dirty="0" smtClean="0">
+              <a:rPr lang="en-US" altLang="zh-TW" sz="2800" dirty="0">
                 <a:ea typeface="新細明體" charset="-120"/>
               </a:rPr>
               <a:t> ?</a:t>
@@ -26536,13 +26444,13 @@
           <a:p>
             <a:pPr lvl="2"/>
             <a:r>
-              <a:rPr lang="en-US" altLang="zh-TW" dirty="0" smtClean="0">
+              <a:rPr lang="en-US" altLang="zh-TW" dirty="0">
                 <a:ea typeface="新細明體" charset="-120"/>
               </a:rPr>
               <a:t>A </a:t>
             </a:r>
             <a:r>
-              <a:rPr lang="en-US" altLang="zh-TW" dirty="0" smtClean="0">
+              <a:rPr lang="en-US" altLang="zh-TW" dirty="0">
                 <a:solidFill>
                   <a:srgbClr val="FF0000"/>
                 </a:solidFill>
@@ -26551,7 +26459,7 @@
               <a:t>Garbage collection scheme </a:t>
             </a:r>
             <a:r>
-              <a:rPr lang="en-US" altLang="zh-TW" dirty="0" smtClean="0">
+              <a:rPr lang="en-US" altLang="zh-TW" dirty="0">
                 <a:ea typeface="新細明體" charset="-120"/>
               </a:rPr>
               <a:t>is used to determine when the last reference has been deleted and the disk space can be reallocated.</a:t>
@@ -26559,13 +26467,13 @@
           </a:p>
           <a:p>
             <a:r>
-              <a:rPr lang="en-US" altLang="zh-TW" sz="2800" dirty="0" smtClean="0">
+              <a:rPr lang="en-US" altLang="zh-TW" sz="2800" dirty="0">
                 <a:ea typeface="新細明體" charset="-120"/>
               </a:rPr>
               <a:t>Every time a new link is added use a </a:t>
             </a:r>
             <a:r>
-              <a:rPr lang="en-US" altLang="zh-TW" sz="2800" dirty="0" smtClean="0">
+              <a:rPr lang="en-US" altLang="zh-TW" sz="2800" dirty="0">
                 <a:solidFill>
                   <a:srgbClr val="FF0000"/>
                 </a:solidFill>
@@ -26574,7 +26482,7 @@
               <a:t>cycle detection algorithm</a:t>
             </a:r>
             <a:r>
-              <a:rPr lang="en-US" altLang="zh-TW" sz="2800" dirty="0" smtClean="0">
+              <a:rPr lang="en-US" altLang="zh-TW" sz="2800" dirty="0">
                 <a:ea typeface="新細明體" charset="-120"/>
               </a:rPr>
               <a:t> to determine whether it is OK</a:t>
@@ -26837,7 +26745,7 @@
           <a:p>
             <a:pPr eaLnBrk="1" hangingPunct="1"/>
             <a:r>
-              <a:rPr lang="en-US" altLang="zh-TW" dirty="0" smtClean="0">
+              <a:rPr lang="en-US" altLang="zh-TW" dirty="0">
                 <a:ea typeface="新細明體" charset="-120"/>
               </a:rPr>
               <a:t>File System Mounting</a:t>
@@ -26866,13 +26774,13 @@
           <a:lstStyle/>
           <a:p>
             <a:r>
-              <a:rPr lang="en-US" altLang="zh-TW" sz="3200" dirty="0" smtClean="0">
+              <a:rPr lang="en-US" altLang="zh-TW" sz="3200" dirty="0">
                 <a:ea typeface="新細明體" charset="-120"/>
               </a:rPr>
               <a:t>A file system must be </a:t>
             </a:r>
             <a:r>
-              <a:rPr lang="en-US" altLang="zh-TW" sz="3200" b="1" dirty="0" smtClean="0">
+              <a:rPr lang="en-US" altLang="zh-TW" sz="3200" b="1" dirty="0">
                 <a:solidFill>
                   <a:srgbClr val="FF0000"/>
                 </a:solidFill>
@@ -26881,7 +26789,7 @@
               <a:t>mounted</a:t>
             </a:r>
             <a:r>
-              <a:rPr lang="en-US" altLang="zh-TW" sz="3200" dirty="0" smtClean="0">
+              <a:rPr lang="en-US" altLang="zh-TW" sz="3200" dirty="0">
                 <a:ea typeface="新細明體" charset="-120"/>
               </a:rPr>
               <a:t> before it can be accessed</a:t>
@@ -26889,37 +26797,25 @@
           </a:p>
           <a:p>
             <a:r>
-              <a:rPr lang="en-US" altLang="zh-TW" sz="3200" dirty="0" smtClean="0">
+              <a:rPr lang="en-US" altLang="zh-TW" sz="3200" dirty="0">
                 <a:ea typeface="新細明體" charset="-120"/>
               </a:rPr>
               <a:t>A </a:t>
             </a:r>
             <a:r>
-              <a:rPr lang="en-US" altLang="zh-TW" sz="3200" dirty="0" err="1" smtClean="0">
+              <a:rPr lang="en-US" altLang="zh-TW" sz="3200" dirty="0" err="1">
                 <a:ea typeface="新細明體" charset="-120"/>
               </a:rPr>
               <a:t>unmounted</a:t>
             </a:r>
             <a:r>
-              <a:rPr lang="en-US" altLang="zh-TW" sz="3200" dirty="0" smtClean="0">
-                <a:ea typeface="新細明體" charset="-120"/>
-              </a:rPr>
-              <a:t> file system </a:t>
-            </a:r>
-            <a:r>
-              <a:rPr lang="en-US" altLang="zh-TW" sz="3200" dirty="0" smtClean="0">
-                <a:ea typeface="新細明體" charset="-120"/>
-              </a:rPr>
-              <a:t>is </a:t>
-            </a:r>
-            <a:r>
-              <a:rPr lang="en-US" altLang="zh-TW" sz="3200" dirty="0" smtClean="0">
-                <a:ea typeface="新細明體" charset="-120"/>
-              </a:rPr>
-              <a:t>mounted at a </a:t>
-            </a:r>
-            <a:r>
-              <a:rPr lang="en-US" altLang="zh-TW" sz="3200" b="1" dirty="0" smtClean="0">
+              <a:rPr lang="en-US" altLang="zh-TW" sz="3200" dirty="0">
+                <a:ea typeface="新細明體" charset="-120"/>
+              </a:rPr>
+              <a:t> file system is mounted at a </a:t>
+            </a:r>
+            <a:r>
+              <a:rPr lang="en-US" altLang="zh-TW" sz="3200" b="1" dirty="0">
                 <a:solidFill>
                   <a:srgbClr val="FF0000"/>
                 </a:solidFill>
@@ -26927,7 +26823,7 @@
               </a:rPr>
               <a:t>mount point</a:t>
             </a:r>
-            <a:endParaRPr lang="en-US" altLang="zh-TW" sz="3200" dirty="0" smtClean="0">
+            <a:endParaRPr lang="en-US" altLang="zh-TW" sz="3200" dirty="0">
               <a:solidFill>
                 <a:srgbClr val="FF0000"/>
               </a:solidFill>
@@ -26941,13 +26837,6 @@
   <p:clrMapOvr>
     <a:masterClrMapping/>
   </p:clrMapOvr>
-  <p:timing>
-    <p:tnLst>
-      <p:par>
-        <p:cTn id="1" dur="indefinite" restart="never" nodeType="tmRoot"/>
-      </p:par>
-    </p:tnLst>
-  </p:timing>
 </p:sld>
 </file>
 
@@ -26990,19 +26879,19 @@
           <a:p>
             <a:pPr eaLnBrk="1" hangingPunct="1"/>
             <a:r>
-              <a:rPr lang="en-US" altLang="zh-TW" sz="2400" dirty="0" smtClean="0">
+              <a:rPr lang="en-US" altLang="zh-TW" sz="2400" dirty="0">
                 <a:ea typeface="新細明體" charset="-120"/>
               </a:rPr>
               <a:t>(a) Existing.                        (b) </a:t>
             </a:r>
             <a:r>
-              <a:rPr lang="en-US" altLang="zh-TW" sz="2400" dirty="0" err="1" smtClean="0">
+              <a:rPr lang="en-US" altLang="zh-TW" sz="2400" dirty="0" err="1">
                 <a:ea typeface="新細明體" charset="-120"/>
               </a:rPr>
               <a:t>Unmounted</a:t>
             </a:r>
             <a:r>
-              <a:rPr lang="en-US" altLang="zh-TW" sz="2400" dirty="0" smtClean="0">
+              <a:rPr lang="en-US" altLang="zh-TW" sz="2400" dirty="0">
                 <a:ea typeface="新細明體" charset="-120"/>
               </a:rPr>
               <a:t> Partition</a:t>
@@ -27092,7 +26981,7 @@
               <a:defRPr/>
             </a:pPr>
             <a:r>
-              <a:rPr kumimoji="0" lang="en-US" altLang="zh-TW" sz="3600" b="1" i="0" u="none" strike="noStrike" kern="0" cap="none" spc="0" normalizeH="0" baseline="0" noProof="0" smtClean="0">
+              <a:rPr kumimoji="0" lang="en-US" altLang="zh-TW" sz="3600" b="1" i="0" u="none" strike="noStrike" kern="0" cap="none" spc="0" normalizeH="0" baseline="0" noProof="0">
                 <a:ln>
                   <a:noFill/>
                 </a:ln>
@@ -27108,7 +26997,7 @@
               </a:rPr>
               <a:t>File System Mounting</a:t>
             </a:r>
-            <a:endParaRPr kumimoji="0" lang="en-US" altLang="zh-TW" sz="3600" b="1" i="0" u="none" strike="noStrike" kern="0" cap="none" spc="0" normalizeH="0" baseline="0" noProof="0" dirty="0" smtClean="0">
+            <a:endParaRPr kumimoji="0" lang="en-US" altLang="zh-TW" sz="3600" b="1" i="0" u="none" strike="noStrike" kern="0" cap="none" spc="0" normalizeH="0" baseline="0" noProof="0" dirty="0">
               <a:ln>
                 <a:noFill/>
               </a:ln>
@@ -27269,7 +27158,7 @@
               <a:defRPr/>
             </a:pPr>
             <a:r>
-              <a:rPr lang="en-US" altLang="zh-TW" sz="2800" b="1" kern="0" dirty="0" smtClean="0">
+              <a:rPr lang="en-US" altLang="zh-TW" sz="2800" b="1" kern="0" dirty="0">
                 <a:solidFill>
                   <a:srgbClr val="FF0000"/>
                 </a:solidFill>
@@ -27299,7 +27188,7 @@
               <a:defRPr/>
             </a:pPr>
             <a:r>
-              <a:rPr lang="en-US" altLang="zh-TW" sz="2800" b="1" kern="0" dirty="0" smtClean="0">
+              <a:rPr lang="en-US" altLang="zh-TW" sz="2800" b="1" kern="0" dirty="0">
                 <a:solidFill>
                   <a:srgbClr val="FF0000"/>
                 </a:solidFill>
@@ -27310,7 +27199,7 @@
               <a:t>on </a:t>
             </a:r>
             <a:r>
-              <a:rPr lang="en-US" altLang="zh-TW" sz="2800" b="1" i="1" kern="0" dirty="0" smtClean="0">
+              <a:rPr lang="en-US" altLang="zh-TW" sz="2800" b="1" i="1" kern="0" dirty="0">
                 <a:solidFill>
                   <a:srgbClr val="FF0000"/>
                 </a:solidFill>
@@ -27321,7 +27210,7 @@
               <a:t>/device/</a:t>
             </a:r>
             <a:r>
-              <a:rPr lang="en-US" altLang="zh-TW" sz="2800" b="1" i="1" kern="0" dirty="0" err="1" smtClean="0">
+              <a:rPr lang="en-US" altLang="zh-TW" sz="2800" b="1" i="1" kern="0" dirty="0" err="1">
                 <a:solidFill>
                   <a:srgbClr val="FF0000"/>
                 </a:solidFill>
@@ -27332,7 +27221,7 @@
               <a:t>dsk</a:t>
             </a:r>
             <a:r>
-              <a:rPr lang="en-US" altLang="zh-TW" sz="2800" b="1" i="1" kern="0" dirty="0" smtClean="0">
+              <a:rPr lang="en-US" altLang="zh-TW" sz="2800" b="1" i="1" kern="0" dirty="0">
                 <a:solidFill>
                   <a:srgbClr val="FF0000"/>
                 </a:solidFill>
@@ -27343,7 +27232,7 @@
               <a:t> </a:t>
             </a:r>
             <a:r>
-              <a:rPr lang="en-US" altLang="zh-TW" sz="2800" b="1" kern="0" dirty="0" smtClean="0">
+              <a:rPr lang="en-US" altLang="zh-TW" sz="2800" b="1" kern="0" dirty="0">
                 <a:solidFill>
                   <a:srgbClr val="FF0000"/>
                 </a:solidFill>
@@ -27354,7 +27243,7 @@
               <a:t>over </a:t>
             </a:r>
             <a:r>
-              <a:rPr lang="en-US" altLang="zh-TW" sz="2800" b="1" i="1" kern="0" dirty="0" smtClean="0">
+              <a:rPr lang="en-US" altLang="zh-TW" sz="2800" b="1" i="1" kern="0" dirty="0">
                 <a:solidFill>
                   <a:srgbClr val="FF0000"/>
                 </a:solidFill>
@@ -27364,7 +27253,7 @@
               </a:rPr>
               <a:t>/users</a:t>
             </a:r>
-            <a:endParaRPr kumimoji="0" lang="en-US" altLang="zh-TW" sz="2800" b="1" i="1" u="none" strike="noStrike" kern="0" cap="none" spc="0" normalizeH="0" baseline="0" noProof="0" dirty="0" smtClean="0">
+            <a:endParaRPr kumimoji="0" lang="en-US" altLang="zh-TW" sz="2800" b="1" i="1" u="none" strike="noStrike" kern="0" cap="none" spc="0" normalizeH="0" baseline="0" noProof="0" dirty="0">
               <a:ln>
                 <a:noFill/>
               </a:ln>
@@ -27616,12 +27505,12 @@
           <a:p>
             <a:pPr eaLnBrk="1" hangingPunct="1"/>
             <a:r>
-              <a:rPr lang="en-US" altLang="zh-TW" dirty="0" smtClean="0">
+              <a:rPr lang="en-US" altLang="zh-TW" dirty="0">
                 <a:ea typeface="新細明體" charset="-120"/>
               </a:rPr>
               <a:t>Mount Point</a:t>
             </a:r>
-            <a:endParaRPr lang="en-US" altLang="zh-TW" sz="2400" dirty="0" smtClean="0">
+            <a:endParaRPr lang="en-US" altLang="zh-TW" sz="2400" dirty="0">
               <a:ea typeface="新細明體" charset="-120"/>
             </a:endParaRPr>
           </a:p>
@@ -27772,7 +27661,7 @@
               <a:defRPr/>
             </a:pPr>
             <a:r>
-              <a:rPr lang="en-US" altLang="zh-TW" sz="2800" b="1" kern="0" dirty="0" smtClean="0">
+              <a:rPr lang="en-US" altLang="zh-TW" sz="2800" b="1" kern="0" dirty="0">
                 <a:solidFill>
                   <a:srgbClr val="FF0000"/>
                 </a:solidFill>
@@ -27783,7 +27672,7 @@
               <a:t>The volume residing on </a:t>
             </a:r>
             <a:r>
-              <a:rPr lang="en-US" altLang="zh-TW" sz="2800" b="1" i="1" kern="0" dirty="0" smtClean="0">
+              <a:rPr lang="en-US" altLang="zh-TW" sz="2800" b="1" i="1" kern="0" dirty="0">
                 <a:solidFill>
                   <a:srgbClr val="FF0000"/>
                 </a:solidFill>
@@ -27794,7 +27683,7 @@
               <a:t>/device/</a:t>
             </a:r>
             <a:r>
-              <a:rPr lang="en-US" altLang="zh-TW" sz="2800" b="1" i="1" kern="0" dirty="0" err="1" smtClean="0">
+              <a:rPr lang="en-US" altLang="zh-TW" sz="2800" b="1" i="1" kern="0" dirty="0" err="1">
                 <a:solidFill>
                   <a:srgbClr val="FF0000"/>
                 </a:solidFill>
@@ -27805,7 +27694,7 @@
               <a:t>dsk</a:t>
             </a:r>
             <a:r>
-              <a:rPr lang="en-US" altLang="zh-TW" sz="2800" b="1" i="1" kern="0" dirty="0" smtClean="0">
+              <a:rPr lang="en-US" altLang="zh-TW" sz="2800" b="1" i="1" kern="0" dirty="0">
                 <a:solidFill>
                   <a:srgbClr val="FF0000"/>
                 </a:solidFill>
@@ -27835,7 +27724,7 @@
               <a:defRPr/>
             </a:pPr>
             <a:r>
-              <a:rPr lang="en-US" altLang="zh-TW" sz="2800" b="1" kern="0" dirty="0" smtClean="0">
+              <a:rPr lang="en-US" altLang="zh-TW" sz="2800" b="1" kern="0" dirty="0">
                 <a:solidFill>
                   <a:srgbClr val="FF0000"/>
                 </a:solidFill>
@@ -27846,7 +27735,7 @@
               <a:t>is mounted over </a:t>
             </a:r>
             <a:r>
-              <a:rPr lang="en-US" altLang="zh-TW" sz="2800" b="1" i="1" kern="0" dirty="0" smtClean="0">
+              <a:rPr lang="en-US" altLang="zh-TW" sz="2800" b="1" i="1" kern="0" dirty="0">
                 <a:solidFill>
                   <a:srgbClr val="FF0000"/>
                 </a:solidFill>
@@ -27856,7 +27745,7 @@
               </a:rPr>
               <a:t>/users</a:t>
             </a:r>
-            <a:endParaRPr kumimoji="0" lang="en-US" altLang="zh-TW" sz="2800" b="1" i="1" u="none" strike="noStrike" kern="0" cap="none" spc="0" normalizeH="0" baseline="0" noProof="0" dirty="0" smtClean="0">
+            <a:endParaRPr kumimoji="0" lang="en-US" altLang="zh-TW" sz="2800" b="1" i="1" u="none" strike="noStrike" kern="0" cap="none" spc="0" normalizeH="0" baseline="0" noProof="0" dirty="0">
               <a:ln>
                 <a:noFill/>
               </a:ln>
@@ -28121,7 +28010,7 @@
           <a:p>
             <a:pPr eaLnBrk="1" hangingPunct="1"/>
             <a:r>
-              <a:rPr lang="en-US" altLang="zh-TW" smtClean="0">
+              <a:rPr lang="en-US" altLang="zh-TW">
                 <a:ea typeface="新細明體" charset="-120"/>
               </a:rPr>
               <a:t>File Sharing</a:t>
@@ -28150,7 +28039,7 @@
           <a:lstStyle/>
           <a:p>
             <a:r>
-              <a:rPr lang="en-US" altLang="zh-TW" sz="2800" dirty="0" smtClean="0">
+              <a:rPr lang="en-US" altLang="zh-TW" sz="2800" dirty="0">
                 <a:solidFill>
                   <a:srgbClr val="FF0000"/>
                 </a:solidFill>
@@ -28159,7 +28048,7 @@
               <a:t>Sharing of files </a:t>
             </a:r>
             <a:r>
-              <a:rPr lang="en-US" altLang="zh-TW" sz="2800" dirty="0" smtClean="0">
+              <a:rPr lang="en-US" altLang="zh-TW" sz="2800" dirty="0">
                 <a:ea typeface="新細明體" charset="-120"/>
               </a:rPr>
               <a:t>on multi-user systems is desirable</a:t>
@@ -28167,13 +28056,13 @@
           </a:p>
           <a:p>
             <a:r>
-              <a:rPr lang="en-US" altLang="zh-TW" sz="2800" dirty="0" smtClean="0">
+              <a:rPr lang="en-US" altLang="zh-TW" sz="2800" dirty="0">
                 <a:ea typeface="新細明體" charset="-120"/>
               </a:rPr>
               <a:t>Sharing may be done through a </a:t>
             </a:r>
             <a:r>
-              <a:rPr lang="en-US" altLang="zh-TW" sz="2800" b="1" dirty="0" smtClean="0">
+              <a:rPr lang="en-US" altLang="zh-TW" sz="2800" b="1" dirty="0">
                 <a:solidFill>
                   <a:srgbClr val="FF0000"/>
                 </a:solidFill>
@@ -28182,7 +28071,7 @@
               <a:t>protection</a:t>
             </a:r>
             <a:r>
-              <a:rPr lang="en-US" altLang="zh-TW" sz="2800" dirty="0" smtClean="0">
+              <a:rPr lang="en-US" altLang="zh-TW" sz="2800" dirty="0">
                 <a:solidFill>
                   <a:srgbClr val="FF0000"/>
                 </a:solidFill>
@@ -28193,7 +28082,7 @@
           </a:p>
           <a:p>
             <a:r>
-              <a:rPr lang="en-US" altLang="zh-TW" sz="2800" dirty="0" smtClean="0">
+              <a:rPr lang="en-US" altLang="zh-TW" sz="2800" dirty="0">
                 <a:ea typeface="新細明體" charset="-120"/>
               </a:rPr>
               <a:t>On distributed systems, files may be shared across a network</a:t>
@@ -28201,7 +28090,7 @@
           </a:p>
           <a:p>
             <a:r>
-              <a:rPr lang="en-US" altLang="zh-TW" sz="2800" dirty="0" smtClean="0">
+              <a:rPr lang="en-US" altLang="zh-TW" sz="2800" dirty="0">
                 <a:ea typeface="新細明體" charset="-120"/>
               </a:rPr>
               <a:t>Network File System (NFS) is a common distributed file-sharing method</a:t>
@@ -28528,7 +28417,7 @@
           <a:p>
             <a:pPr eaLnBrk="1" hangingPunct="1"/>
             <a:r>
-              <a:rPr lang="en-US" altLang="zh-TW" smtClean="0">
+              <a:rPr lang="en-US" altLang="zh-TW">
                 <a:ea typeface="新細明體" charset="-120"/>
               </a:rPr>
               <a:t>File Sharing – Multiple Users</a:t>
@@ -28557,7 +28446,7 @@
           <a:lstStyle/>
           <a:p>
             <a:r>
-              <a:rPr lang="en-US" altLang="zh-TW" sz="2800" b="1" dirty="0" smtClean="0">
+              <a:rPr lang="en-US" altLang="zh-TW" sz="2800" b="1" dirty="0">
                 <a:solidFill>
                   <a:srgbClr val="FF0000"/>
                 </a:solidFill>
@@ -28566,7 +28455,7 @@
               <a:t>User IDs</a:t>
             </a:r>
             <a:r>
-              <a:rPr lang="en-US" altLang="zh-TW" sz="2800" dirty="0" smtClean="0">
+              <a:rPr lang="en-US" altLang="zh-TW" sz="2800" dirty="0">
                 <a:solidFill>
                   <a:srgbClr val="FF0000"/>
                 </a:solidFill>
@@ -28575,7 +28464,7 @@
               <a:t> </a:t>
             </a:r>
             <a:r>
-              <a:rPr lang="en-US" altLang="zh-TW" sz="2800" dirty="0" smtClean="0">
+              <a:rPr lang="en-US" altLang="zh-TW" sz="2800" dirty="0">
                 <a:ea typeface="新細明體" charset="-120"/>
               </a:rPr>
               <a:t>identify users, allowing permissions and protections to be per-user</a:t>
@@ -28583,7 +28472,7 @@
           </a:p>
           <a:p>
             <a:r>
-              <a:rPr lang="en-US" altLang="zh-TW" sz="2800" b="1" dirty="0" smtClean="0">
+              <a:rPr lang="en-US" altLang="zh-TW" sz="2800" b="1" dirty="0">
                 <a:solidFill>
                   <a:srgbClr val="FF0000"/>
                 </a:solidFill>
@@ -28592,7 +28481,7 @@
               <a:t>Group IDs</a:t>
             </a:r>
             <a:r>
-              <a:rPr lang="en-US" altLang="zh-TW" sz="2800" dirty="0" smtClean="0">
+              <a:rPr lang="en-US" altLang="zh-TW" sz="2800" dirty="0">
                 <a:solidFill>
                   <a:srgbClr val="FF0000"/>
                 </a:solidFill>
@@ -28601,7 +28490,7 @@
               <a:t> </a:t>
             </a:r>
             <a:r>
-              <a:rPr lang="en-US" altLang="zh-TW" sz="2800" dirty="0" smtClean="0">
+              <a:rPr lang="en-US" altLang="zh-TW" sz="2800" dirty="0">
                 <a:ea typeface="新細明體" charset="-120"/>
               </a:rPr>
               <a:t>allow users to be in groups, permitting group access rights</a:t>
@@ -28614,7 +28503,7 @@
               </a:lnSpc>
             </a:pPr>
             <a:r>
-              <a:rPr lang="en-US" altLang="zh-TW" sz="2800" dirty="0" smtClean="0">
+              <a:rPr lang="en-US" altLang="zh-TW" sz="2800" dirty="0">
                 <a:ea typeface="新細明體" charset="-120"/>
               </a:rPr>
               <a:t>Uses networking to allow file system access between systems</a:t>
@@ -28627,7 +28516,7 @@
               </a:lnSpc>
             </a:pPr>
             <a:r>
-              <a:rPr lang="en-US" altLang="zh-TW" sz="2800" dirty="0" smtClean="0">
+              <a:rPr lang="en-US" altLang="zh-TW" sz="2800" dirty="0">
                 <a:solidFill>
                   <a:srgbClr val="FF0000"/>
                 </a:solidFill>
@@ -28636,7 +28525,7 @@
               <a:t>Manually </a:t>
             </a:r>
             <a:r>
-              <a:rPr lang="en-US" altLang="zh-TW" sz="2800" dirty="0" smtClean="0">
+              <a:rPr lang="en-US" altLang="zh-TW" sz="2800" dirty="0">
                 <a:ea typeface="新細明體" charset="-120"/>
               </a:rPr>
               <a:t>via programs like FTP</a:t>
@@ -28649,7 +28538,7 @@
               </a:lnSpc>
             </a:pPr>
             <a:r>
-              <a:rPr lang="en-US" altLang="zh-TW" sz="2800" dirty="0" smtClean="0">
+              <a:rPr lang="en-US" altLang="zh-TW" sz="2800" dirty="0">
                 <a:solidFill>
                   <a:srgbClr val="FF0000"/>
                 </a:solidFill>
@@ -28658,13 +28547,13 @@
               <a:t>Automatically,</a:t>
             </a:r>
             <a:r>
-              <a:rPr lang="en-US" altLang="zh-TW" sz="2800" dirty="0" smtClean="0">
+              <a:rPr lang="en-US" altLang="zh-TW" sz="2800" dirty="0">
                 <a:ea typeface="新細明體" charset="-120"/>
               </a:rPr>
               <a:t> seamlessly using </a:t>
             </a:r>
             <a:r>
-              <a:rPr lang="en-US" altLang="zh-TW" sz="2800" b="1" dirty="0" smtClean="0">
+              <a:rPr lang="en-US" altLang="zh-TW" sz="2800" b="1" dirty="0">
                 <a:ea typeface="新細明體" charset="-120"/>
               </a:rPr>
               <a:t>distributed file systems</a:t>
@@ -28677,7 +28566,7 @@
               </a:lnSpc>
             </a:pPr>
             <a:r>
-              <a:rPr lang="en-US" altLang="zh-TW" sz="2800" dirty="0" smtClean="0">
+              <a:rPr lang="en-US" altLang="zh-TW" sz="2800" dirty="0">
                 <a:solidFill>
                   <a:srgbClr val="FF0000"/>
                 </a:solidFill>
@@ -28686,13 +28575,13 @@
               <a:t>Semi automatically </a:t>
             </a:r>
             <a:r>
-              <a:rPr lang="en-US" altLang="zh-TW" sz="2800" dirty="0" smtClean="0">
+              <a:rPr lang="en-US" altLang="zh-TW" sz="2800" dirty="0">
                 <a:ea typeface="新細明體" charset="-120"/>
               </a:rPr>
               <a:t>via the</a:t>
             </a:r>
             <a:r>
-              <a:rPr lang="en-US" altLang="zh-TW" sz="2800" b="1" dirty="0" smtClean="0">
+              <a:rPr lang="en-US" altLang="zh-TW" sz="2800" b="1" dirty="0">
                 <a:ea typeface="新細明體" charset="-120"/>
               </a:rPr>
               <a:t> WWW</a:t>
@@ -28703,7 +28592,7 @@
               <a:buFont typeface="Monotype Sorts" charset="2"/>
               <a:buNone/>
             </a:pPr>
-            <a:endParaRPr lang="en-US" altLang="zh-TW" sz="2800" dirty="0" smtClean="0">
+            <a:endParaRPr lang="en-US" altLang="zh-TW" sz="2800" dirty="0">
               <a:ea typeface="新細明體" charset="-120"/>
             </a:endParaRPr>
           </a:p>
@@ -29101,7 +28990,7 @@
           <a:p>
             <a:pPr eaLnBrk="1" hangingPunct="1"/>
             <a:r>
-              <a:rPr lang="en-US" altLang="zh-TW" smtClean="0">
+              <a:rPr lang="en-US" altLang="zh-TW">
                 <a:ea typeface="新細明體" charset="-120"/>
               </a:rPr>
               <a:t>File Sharing – Remote File Systems</a:t>
@@ -29135,19 +29024,19 @@
               </a:lnSpc>
             </a:pPr>
             <a:r>
-              <a:rPr lang="en-US" altLang="zh-TW" sz="2400" b="1" dirty="0" smtClean="0">
+              <a:rPr lang="en-US" altLang="zh-TW" sz="2400" b="1" dirty="0">
                 <a:ea typeface="新細明體" charset="-120"/>
               </a:rPr>
               <a:t>Client-server</a:t>
             </a:r>
             <a:r>
-              <a:rPr lang="en-US" altLang="zh-TW" sz="2400" dirty="0" smtClean="0">
+              <a:rPr lang="en-US" altLang="zh-TW" sz="2400" dirty="0">
                 <a:ea typeface="新細明體" charset="-120"/>
               </a:rPr>
               <a:t> model allows </a:t>
             </a:r>
             <a:r>
-              <a:rPr lang="en-US" altLang="zh-TW" sz="2400" dirty="0" smtClean="0">
+              <a:rPr lang="en-US" altLang="zh-TW" sz="2400" dirty="0">
                 <a:solidFill>
                   <a:srgbClr val="FF0000"/>
                 </a:solidFill>
@@ -29163,7 +29052,7 @@
               </a:lnSpc>
             </a:pPr>
             <a:r>
-              <a:rPr lang="en-US" altLang="zh-TW" sz="2400" dirty="0" smtClean="0">
+              <a:rPr lang="en-US" altLang="zh-TW" sz="2400" dirty="0">
                 <a:ea typeface="新細明體" charset="-120"/>
               </a:rPr>
               <a:t>Server can serve multiple clients</a:t>
@@ -29176,13 +29065,13 @@
               </a:lnSpc>
             </a:pPr>
             <a:r>
-              <a:rPr lang="en-US" altLang="zh-TW" sz="2400" dirty="0" smtClean="0">
+              <a:rPr lang="en-US" altLang="zh-TW" sz="2400" dirty="0">
                 <a:ea typeface="新細明體" charset="-120"/>
               </a:rPr>
               <a:t>Client and user-on-client </a:t>
             </a:r>
             <a:r>
-              <a:rPr lang="en-US" altLang="zh-TW" sz="2400" dirty="0" smtClean="0">
+              <a:rPr lang="en-US" altLang="zh-TW" sz="2400" dirty="0">
                 <a:solidFill>
                   <a:srgbClr val="FF0000"/>
                 </a:solidFill>
@@ -29191,7 +29080,7 @@
               <a:t>identification</a:t>
             </a:r>
             <a:r>
-              <a:rPr lang="en-US" altLang="zh-TW" sz="2400" dirty="0" smtClean="0">
+              <a:rPr lang="en-US" altLang="zh-TW" sz="2400" dirty="0">
                 <a:ea typeface="新細明體" charset="-120"/>
               </a:rPr>
               <a:t> is insecure or complicated</a:t>
@@ -29204,7 +29093,7 @@
               </a:lnSpc>
             </a:pPr>
             <a:r>
-              <a:rPr lang="en-US" altLang="zh-TW" sz="2400" b="1" dirty="0" smtClean="0">
+              <a:rPr lang="en-US" altLang="zh-TW" sz="2400" b="1" dirty="0">
                 <a:solidFill>
                   <a:srgbClr val="FF0000"/>
                 </a:solidFill>
@@ -29213,7 +29102,7 @@
               <a:t>NFS</a:t>
             </a:r>
             <a:r>
-              <a:rPr lang="en-US" altLang="zh-TW" sz="2400" dirty="0" smtClean="0">
+              <a:rPr lang="en-US" altLang="zh-TW" sz="2400" dirty="0">
                 <a:ea typeface="新細明體" charset="-120"/>
               </a:rPr>
               <a:t> is standard UNIX client-server file sharing protocol</a:t>
@@ -29226,7 +29115,7 @@
               </a:lnSpc>
             </a:pPr>
             <a:r>
-              <a:rPr lang="en-US" altLang="zh-TW" sz="2400" b="1" dirty="0" smtClean="0">
+              <a:rPr lang="en-US" altLang="zh-TW" sz="2400" b="1" dirty="0">
                 <a:solidFill>
                   <a:srgbClr val="FF0000"/>
                 </a:solidFill>
@@ -29235,7 +29124,7 @@
               <a:t>CIFS</a:t>
             </a:r>
             <a:r>
-              <a:rPr lang="zh-TW" altLang="en-US" sz="2400" b="1" dirty="0" smtClean="0">
+              <a:rPr lang="zh-TW" altLang="en-US" sz="2400" b="1" dirty="0">
                 <a:solidFill>
                   <a:srgbClr val="FF0000"/>
                 </a:solidFill>
@@ -29244,7 +29133,7 @@
               <a:t> </a:t>
             </a:r>
             <a:r>
-              <a:rPr lang="en-US" altLang="zh-TW" sz="2400" b="1" dirty="0" smtClean="0">
+              <a:rPr lang="en-US" altLang="zh-TW" sz="2400" b="1" dirty="0">
                 <a:solidFill>
                   <a:srgbClr val="FF0000"/>
                 </a:solidFill>
@@ -29253,7 +29142,7 @@
               <a:t>(Common Internet File System) </a:t>
             </a:r>
             <a:r>
-              <a:rPr lang="en-US" altLang="zh-TW" sz="2400" dirty="0" smtClean="0">
+              <a:rPr lang="en-US" altLang="zh-TW" sz="2400" dirty="0">
                 <a:ea typeface="新細明體" charset="-120"/>
               </a:rPr>
               <a:t>is standard Windows protocol</a:t>
@@ -29266,7 +29155,7 @@
               </a:lnSpc>
             </a:pPr>
             <a:r>
-              <a:rPr lang="en-US" altLang="zh-TW" sz="2400" dirty="0" smtClean="0">
+              <a:rPr lang="en-US" altLang="zh-TW" sz="2400" dirty="0">
                 <a:ea typeface="新細明體" charset="-120"/>
               </a:rPr>
               <a:t>Standard OS file calls are translated into remote calls</a:t>
@@ -29279,7 +29168,7 @@
               </a:lnSpc>
             </a:pPr>
             <a:r>
-              <a:rPr lang="en-US" altLang="zh-TW" sz="2400" dirty="0" smtClean="0">
+              <a:rPr lang="en-US" altLang="zh-TW" sz="2400" dirty="0">
                 <a:solidFill>
                   <a:srgbClr val="FF0000"/>
                 </a:solidFill>
@@ -29288,7 +29177,7 @@
               <a:t>Distributed Information Systems</a:t>
             </a:r>
             <a:r>
-              <a:rPr lang="en-US" altLang="zh-TW" sz="2800" dirty="0" smtClean="0">
+              <a:rPr lang="en-US" altLang="zh-TW" sz="2800" dirty="0">
                 <a:solidFill>
                   <a:srgbClr val="FF0000"/>
                 </a:solidFill>
@@ -29297,19 +29186,19 @@
               <a:t> </a:t>
             </a:r>
             <a:r>
-              <a:rPr lang="en-US" altLang="zh-TW" sz="2400" b="1" dirty="0" smtClean="0">
+              <a:rPr lang="en-US" altLang="zh-TW" sz="2400" b="1" dirty="0">
                 <a:ea typeface="新細明體" charset="-120"/>
               </a:rPr>
               <a:t>(distributed naming services)</a:t>
             </a:r>
             <a:r>
-              <a:rPr lang="en-US" altLang="zh-TW" sz="2400" dirty="0" smtClean="0">
+              <a:rPr lang="en-US" altLang="zh-TW" sz="2400" dirty="0">
                 <a:ea typeface="新細明體" charset="-120"/>
               </a:rPr>
               <a:t> such as LDAP (lightweight directory access protocol), DNS, NIS, Active Directory (Windows XP and Windows 2000) implement </a:t>
             </a:r>
             <a:r>
-              <a:rPr lang="en-US" altLang="zh-TW" sz="2400" dirty="0" smtClean="0">
+              <a:rPr lang="en-US" altLang="zh-TW" sz="2400" dirty="0">
                 <a:solidFill>
                   <a:srgbClr val="FF0000"/>
                 </a:solidFill>
@@ -29318,7 +29207,7 @@
               <a:t>unified access </a:t>
             </a:r>
             <a:r>
-              <a:rPr lang="en-US" altLang="zh-TW" sz="2400" dirty="0" smtClean="0">
+              <a:rPr lang="en-US" altLang="zh-TW" sz="2400" dirty="0">
                 <a:ea typeface="新細明體" charset="-120"/>
               </a:rPr>
               <a:t>to information needed for remote computing</a:t>
@@ -29828,7 +29717,7 @@
           <a:p>
             <a:pPr eaLnBrk="1" hangingPunct="1"/>
             <a:r>
-              <a:rPr lang="en-US" altLang="zh-TW" smtClean="0">
+              <a:rPr lang="en-US" altLang="zh-TW">
                 <a:ea typeface="新細明體" charset="-120"/>
               </a:rPr>
               <a:t>File Sharing – Failure Modes</a:t>
@@ -29857,13 +29746,13 @@
           <a:lstStyle/>
           <a:p>
             <a:r>
-              <a:rPr lang="en-US" altLang="zh-TW" sz="2800" dirty="0" smtClean="0">
+              <a:rPr lang="en-US" altLang="zh-TW" sz="2800" dirty="0">
                 <a:ea typeface="新細明體" charset="-120"/>
               </a:rPr>
               <a:t>Remote file systems add </a:t>
             </a:r>
             <a:r>
-              <a:rPr lang="en-US" altLang="zh-TW" sz="2800" dirty="0" smtClean="0">
+              <a:rPr lang="en-US" altLang="zh-TW" sz="2800" dirty="0">
                 <a:solidFill>
                   <a:srgbClr val="FF0000"/>
                 </a:solidFill>
@@ -29872,7 +29761,7 @@
               <a:t>new failure modes</a:t>
             </a:r>
             <a:r>
-              <a:rPr lang="en-US" altLang="zh-TW" sz="2800" dirty="0" smtClean="0">
+              <a:rPr lang="en-US" altLang="zh-TW" sz="2800" dirty="0">
                 <a:ea typeface="新細明體" charset="-120"/>
               </a:rPr>
               <a:t>, due to network failure, server failure</a:t>
@@ -29880,13 +29769,13 @@
           </a:p>
           <a:p>
             <a:r>
-              <a:rPr lang="en-US" altLang="zh-TW" sz="2800" dirty="0" smtClean="0">
+              <a:rPr lang="en-US" altLang="zh-TW" sz="2800" dirty="0">
                 <a:ea typeface="新細明體" charset="-120"/>
               </a:rPr>
               <a:t>Recovery from failure can involve </a:t>
             </a:r>
             <a:r>
-              <a:rPr lang="en-US" altLang="zh-TW" sz="2800" dirty="0" smtClean="0">
+              <a:rPr lang="en-US" altLang="zh-TW" sz="2800" dirty="0">
                 <a:solidFill>
                   <a:srgbClr val="FF0000"/>
                 </a:solidFill>
@@ -29895,7 +29784,7 @@
               <a:t>state information </a:t>
             </a:r>
             <a:r>
-              <a:rPr lang="en-US" altLang="zh-TW" sz="2800" dirty="0" smtClean="0">
+              <a:rPr lang="en-US" altLang="zh-TW" sz="2800" dirty="0">
                 <a:ea typeface="新細明體" charset="-120"/>
               </a:rPr>
               <a:t>about status of each remote request</a:t>
@@ -29903,7 +29792,7 @@
           </a:p>
           <a:p>
             <a:r>
-              <a:rPr lang="en-US" altLang="zh-TW" sz="2800" dirty="0" smtClean="0">
+              <a:rPr lang="en-US" altLang="zh-TW" sz="2800" dirty="0">
                 <a:solidFill>
                   <a:srgbClr val="FF0000"/>
                 </a:solidFill>
@@ -29912,7 +29801,7 @@
               <a:t>Stateless protocols</a:t>
             </a:r>
             <a:r>
-              <a:rPr lang="en-US" altLang="zh-TW" sz="2800" dirty="0" smtClean="0">
+              <a:rPr lang="en-US" altLang="zh-TW" sz="2800" dirty="0">
                 <a:ea typeface="新細明體" charset="-120"/>
               </a:rPr>
               <a:t> such as NFS include all information in each request, allowing easy recovery but less security</a:t>
@@ -30183,7 +30072,7 @@
           <a:p>
             <a:pPr eaLnBrk="1" hangingPunct="1"/>
             <a:r>
-              <a:rPr lang="en-US" altLang="zh-TW" dirty="0" smtClean="0">
+              <a:rPr lang="en-US" altLang="zh-TW" dirty="0">
                 <a:ea typeface="新細明體" charset="-120"/>
               </a:rPr>
               <a:t>File Sharing – Consistency Semantics</a:t>
@@ -30217,7 +30106,7 @@
               </a:lnSpc>
             </a:pPr>
             <a:r>
-              <a:rPr lang="en-US" altLang="zh-TW" sz="2800" b="1" dirty="0" smtClean="0">
+              <a:rPr lang="en-US" altLang="zh-TW" sz="2800" b="1" dirty="0">
                 <a:solidFill>
                   <a:srgbClr val="FF0000"/>
                 </a:solidFill>
@@ -30226,7 +30115,7 @@
               <a:t>Consistency semantics</a:t>
             </a:r>
             <a:r>
-              <a:rPr lang="en-US" altLang="zh-TW" sz="2800" dirty="0" smtClean="0">
+              <a:rPr lang="en-US" altLang="zh-TW" sz="2800" dirty="0">
                 <a:solidFill>
                   <a:srgbClr val="FF0000"/>
                 </a:solidFill>
@@ -30235,7 +30124,7 @@
               <a:t> </a:t>
             </a:r>
             <a:r>
-              <a:rPr lang="en-US" altLang="zh-TW" sz="2800" dirty="0" smtClean="0">
+              <a:rPr lang="en-US" altLang="zh-TW" sz="2800" dirty="0">
                 <a:ea typeface="新細明體" charset="-120"/>
               </a:rPr>
               <a:t>specify how multiple users are to access a shared file simultaneously</a:t>
@@ -30248,13 +30137,13 @@
               </a:lnSpc>
             </a:pPr>
             <a:r>
-              <a:rPr lang="en-US" altLang="zh-TW" sz="2000" dirty="0" smtClean="0">
+              <a:rPr lang="en-US" altLang="zh-TW" sz="2000" dirty="0">
                 <a:ea typeface="新細明體" charset="-120"/>
               </a:rPr>
               <a:t>Similar to Ch 6 </a:t>
             </a:r>
             <a:r>
-              <a:rPr lang="en-US" altLang="zh-TW" sz="2000" dirty="0" smtClean="0">
+              <a:rPr lang="en-US" altLang="zh-TW" sz="2000" dirty="0">
                 <a:solidFill>
                   <a:srgbClr val="FF0000"/>
                 </a:solidFill>
@@ -30270,7 +30159,7 @@
               </a:lnSpc>
             </a:pPr>
             <a:r>
-              <a:rPr lang="en-US" altLang="zh-TW" sz="2000" dirty="0" smtClean="0">
+              <a:rPr lang="en-US" altLang="zh-TW" sz="2000" dirty="0">
                 <a:ea typeface="新細明體" charset="-120"/>
               </a:rPr>
               <a:t>Tend to be less complex due to disk I/O and network latency (for remote file systems)</a:t>
@@ -30283,7 +30172,7 @@
               </a:lnSpc>
             </a:pPr>
             <a:r>
-              <a:rPr lang="en-US" altLang="zh-TW" sz="2000" dirty="0" smtClean="0">
+              <a:rPr lang="en-US" altLang="zh-TW" sz="2000" dirty="0">
                 <a:solidFill>
                   <a:srgbClr val="FF0000"/>
                 </a:solidFill>
@@ -30292,7 +30181,7 @@
               <a:t>Andrew File System </a:t>
             </a:r>
             <a:r>
-              <a:rPr lang="en-US" altLang="zh-TW" sz="2000" dirty="0" smtClean="0">
+              <a:rPr lang="en-US" altLang="zh-TW" sz="2000" dirty="0">
                 <a:ea typeface="新細明體" charset="-120"/>
               </a:rPr>
               <a:t>(AFS, Chapter 17) implemented complex remote file sharing semantics</a:t>
@@ -30305,7 +30194,7 @@
               </a:lnSpc>
             </a:pPr>
             <a:r>
-              <a:rPr lang="en-US" altLang="zh-TW" sz="2000" dirty="0" smtClean="0">
+              <a:rPr lang="en-US" altLang="zh-TW" sz="2000" dirty="0">
                 <a:solidFill>
                   <a:srgbClr val="FF0000"/>
                 </a:solidFill>
@@ -30314,7 +30203,7 @@
               <a:t>Unix file system </a:t>
             </a:r>
             <a:r>
-              <a:rPr lang="en-US" altLang="zh-TW" sz="2000" dirty="0" smtClean="0">
+              <a:rPr lang="en-US" altLang="zh-TW" sz="2000" dirty="0">
                 <a:ea typeface="新細明體" charset="-120"/>
               </a:rPr>
               <a:t>(UFS, Chapter 17) implements:</a:t>
@@ -30327,7 +30216,7 @@
               </a:lnSpc>
             </a:pPr>
             <a:r>
-              <a:rPr lang="en-US" altLang="zh-TW" sz="2000" dirty="0" smtClean="0">
+              <a:rPr lang="en-US" altLang="zh-TW" sz="2000" dirty="0">
                 <a:ea typeface="新細明體" charset="-120"/>
               </a:rPr>
               <a:t>Writes to an open file visible immediately to other users of the same open file</a:t>
@@ -30340,13 +30229,13 @@
               </a:lnSpc>
             </a:pPr>
             <a:r>
-              <a:rPr lang="en-US" altLang="zh-TW" sz="2000" dirty="0" smtClean="0">
+              <a:rPr lang="en-US" altLang="zh-TW" sz="2000" dirty="0">
                 <a:ea typeface="新細明體" charset="-120"/>
               </a:rPr>
               <a:t>Sharing </a:t>
             </a:r>
             <a:r>
-              <a:rPr lang="en-US" altLang="zh-TW" sz="2000" b="1" dirty="0" smtClean="0">
+              <a:rPr lang="en-US" altLang="zh-TW" sz="2000" b="1" dirty="0">
                 <a:solidFill>
                   <a:srgbClr val="FF0000"/>
                 </a:solidFill>
@@ -30355,7 +30244,7 @@
               <a:t>file pointer </a:t>
             </a:r>
             <a:r>
-              <a:rPr lang="en-US" altLang="zh-TW" sz="2000" dirty="0" smtClean="0">
+              <a:rPr lang="en-US" altLang="zh-TW" sz="2000" dirty="0">
                 <a:ea typeface="新細明體" charset="-120"/>
               </a:rPr>
               <a:t>to allow multiple users to read and write concurrently</a:t>
@@ -30368,13 +30257,13 @@
               </a:lnSpc>
             </a:pPr>
             <a:r>
-              <a:rPr lang="en-US" altLang="zh-TW" sz="2000" dirty="0" smtClean="0">
+              <a:rPr lang="en-US" altLang="zh-TW" sz="2000" dirty="0">
                 <a:ea typeface="新細明體" charset="-120"/>
               </a:rPr>
               <a:t>AFS has </a:t>
             </a:r>
             <a:r>
-              <a:rPr lang="en-US" altLang="zh-TW" sz="2000" b="1" dirty="0" smtClean="0">
+              <a:rPr lang="en-US" altLang="zh-TW" sz="2000" b="1" dirty="0">
                 <a:solidFill>
                   <a:srgbClr val="FF0000"/>
                 </a:solidFill>
@@ -30390,7 +30279,7 @@
               </a:lnSpc>
             </a:pPr>
             <a:r>
-              <a:rPr lang="en-US" altLang="zh-TW" sz="2000" dirty="0" smtClean="0">
+              <a:rPr lang="en-US" altLang="zh-TW" sz="2000" dirty="0">
                 <a:ea typeface="新細明體" charset="-120"/>
               </a:rPr>
               <a:t>Writes only visible to sessions starting after the file is closed</a:t>
@@ -30402,7 +30291,7 @@
                 <a:spcPct val="90000"/>
               </a:lnSpc>
             </a:pPr>
-            <a:endParaRPr lang="en-US" altLang="zh-TW" sz="2000" dirty="0" smtClean="0">
+            <a:endParaRPr lang="en-US" altLang="zh-TW" sz="2000" dirty="0">
               <a:ea typeface="新細明體" charset="-120"/>
             </a:endParaRPr>
           </a:p>
@@ -30412,7 +30301,7 @@
                 <a:spcPct val="90000"/>
               </a:lnSpc>
             </a:pPr>
-            <a:endParaRPr lang="en-US" altLang="zh-TW" sz="2000" dirty="0" smtClean="0">
+            <a:endParaRPr lang="en-US" altLang="zh-TW" sz="2000" dirty="0">
               <a:ea typeface="新細明體" charset="-120"/>
             </a:endParaRPr>
           </a:p>
@@ -30906,7 +30795,7 @@
           <a:p>
             <a:pPr eaLnBrk="1" hangingPunct="1"/>
             <a:r>
-              <a:rPr lang="en-US" altLang="zh-TW" smtClean="0">
+              <a:rPr lang="en-US" altLang="zh-TW">
                 <a:ea typeface="新細明體" charset="-120"/>
               </a:rPr>
               <a:t>Protection</a:t>
@@ -30935,7 +30824,7 @@
           <a:lstStyle/>
           <a:p>
             <a:r>
-              <a:rPr lang="en-US" altLang="zh-TW" sz="2800" dirty="0" smtClean="0">
+              <a:rPr lang="en-US" altLang="zh-TW" sz="2800" dirty="0">
                 <a:ea typeface="新細明體" charset="-120"/>
               </a:rPr>
               <a:t>File owner/creator should be able to control:</a:t>
@@ -30944,7 +30833,7 @@
           <a:p>
             <a:pPr lvl="1"/>
             <a:r>
-              <a:rPr lang="en-US" altLang="zh-TW" sz="2800" dirty="0" smtClean="0">
+              <a:rPr lang="en-US" altLang="zh-TW" sz="2800" dirty="0">
                 <a:ea typeface="新細明體" charset="-120"/>
               </a:rPr>
               <a:t>what can be done</a:t>
@@ -30953,7 +30842,7 @@
           <a:p>
             <a:pPr lvl="1"/>
             <a:r>
-              <a:rPr lang="en-US" altLang="zh-TW" sz="2800" dirty="0" smtClean="0">
+              <a:rPr lang="en-US" altLang="zh-TW" sz="2800" dirty="0">
                 <a:ea typeface="新細明體" charset="-120"/>
               </a:rPr>
               <a:t>by whom</a:t>
@@ -30961,7 +30850,7 @@
           </a:p>
           <a:p>
             <a:r>
-              <a:rPr lang="en-US" altLang="zh-TW" sz="2800" dirty="0" smtClean="0">
+              <a:rPr lang="en-US" altLang="zh-TW" sz="2800" dirty="0">
                 <a:ea typeface="新細明體" charset="-120"/>
               </a:rPr>
               <a:t>Types of access</a:t>
@@ -30970,7 +30859,7 @@
           <a:p>
             <a:pPr lvl="1"/>
             <a:r>
-              <a:rPr lang="en-US" altLang="zh-TW" sz="2800" b="1" dirty="0" smtClean="0">
+              <a:rPr lang="en-US" altLang="zh-TW" sz="2800" b="1" dirty="0">
                 <a:ea typeface="新細明體" charset="-120"/>
               </a:rPr>
               <a:t>Read</a:t>
@@ -30979,7 +30868,7 @@
           <a:p>
             <a:pPr lvl="1"/>
             <a:r>
-              <a:rPr lang="en-US" altLang="zh-TW" sz="2800" b="1" dirty="0" smtClean="0">
+              <a:rPr lang="en-US" altLang="zh-TW" sz="2800" b="1" dirty="0">
                 <a:ea typeface="新細明體" charset="-120"/>
               </a:rPr>
               <a:t>Write</a:t>
@@ -30988,7 +30877,7 @@
           <a:p>
             <a:pPr lvl="1"/>
             <a:r>
-              <a:rPr lang="en-US" altLang="zh-TW" sz="2800" b="1" dirty="0" smtClean="0">
+              <a:rPr lang="en-US" altLang="zh-TW" sz="2800" b="1" dirty="0">
                 <a:ea typeface="新細明體" charset="-120"/>
               </a:rPr>
               <a:t>Execute</a:t>
@@ -30997,7 +30886,7 @@
           <a:p>
             <a:pPr lvl="1"/>
             <a:r>
-              <a:rPr lang="en-US" altLang="zh-TW" sz="2800" b="1" dirty="0" smtClean="0">
+              <a:rPr lang="en-US" altLang="zh-TW" sz="2800" b="1" dirty="0">
                 <a:ea typeface="新細明體" charset="-120"/>
               </a:rPr>
               <a:t>Append</a:t>
@@ -31006,7 +30895,7 @@
           <a:p>
             <a:pPr lvl="1"/>
             <a:r>
-              <a:rPr lang="en-US" altLang="zh-TW" sz="2800" b="1" dirty="0" smtClean="0">
+              <a:rPr lang="en-US" altLang="zh-TW" sz="2800" b="1" dirty="0">
                 <a:ea typeface="新細明體" charset="-120"/>
               </a:rPr>
               <a:t>Delete</a:t>
@@ -31015,7 +30904,7 @@
           <a:p>
             <a:pPr lvl="1"/>
             <a:r>
-              <a:rPr lang="en-US" altLang="zh-TW" sz="2800" b="1" dirty="0" smtClean="0">
+              <a:rPr lang="en-US" altLang="zh-TW" sz="2800" b="1" dirty="0">
                 <a:ea typeface="新細明體" charset="-120"/>
               </a:rPr>
               <a:t>List</a:t>
@@ -31028,13 +30917,6 @@
   <p:clrMapOvr>
     <a:masterClrMapping/>
   </p:clrMapOvr>
-  <p:timing>
-    <p:tnLst>
-      <p:par>
-        <p:cTn id="1" dur="indefinite" restart="never" nodeType="tmRoot"/>
-      </p:par>
-    </p:tnLst>
-  </p:timing>
 </p:sld>
 </file>
 
@@ -31072,7 +30954,7 @@
           <a:p>
             <a:pPr eaLnBrk="1" hangingPunct="1"/>
             <a:r>
-              <a:rPr lang="en-US" altLang="zh-TW" dirty="0" smtClean="0">
+              <a:rPr lang="en-US" altLang="zh-TW" dirty="0">
                 <a:ea typeface="新細明體" charset="-120"/>
               </a:rPr>
               <a:t>File Concept</a:t>
@@ -31096,7 +30978,7 @@
           <a:lstStyle/>
           <a:p>
             <a:r>
-              <a:rPr lang="en-US" altLang="zh-TW" sz="3200" dirty="0" smtClean="0">
+              <a:rPr lang="en-US" altLang="zh-TW" sz="3200" dirty="0">
                 <a:solidFill>
                   <a:srgbClr val="FF0000"/>
                 </a:solidFill>
@@ -31107,7 +30989,7 @@
           </a:p>
           <a:p>
             <a:r>
-              <a:rPr lang="en-US" altLang="zh-TW" sz="3200" dirty="0" smtClean="0">
+              <a:rPr lang="en-US" altLang="zh-TW" sz="3200" dirty="0">
                 <a:ea typeface="新細明體" charset="-120"/>
               </a:rPr>
               <a:t>Types: </a:t>
@@ -31116,7 +30998,7 @@
           <a:p>
             <a:pPr lvl="1"/>
             <a:r>
-              <a:rPr lang="en-US" altLang="zh-TW" sz="2800" dirty="0" smtClean="0">
+              <a:rPr lang="en-US" altLang="zh-TW" sz="2800" dirty="0">
                 <a:solidFill>
                   <a:srgbClr val="FF0000"/>
                 </a:solidFill>
@@ -31128,7 +31010,7 @@
           <a:p>
             <a:pPr lvl="2"/>
             <a:r>
-              <a:rPr lang="en-US" altLang="zh-TW" sz="2800" dirty="0" smtClean="0">
+              <a:rPr lang="en-US" altLang="zh-TW" sz="2800" dirty="0">
                 <a:ea typeface="新細明體" charset="-120"/>
               </a:rPr>
               <a:t>numeric</a:t>
@@ -31137,7 +31019,7 @@
           <a:p>
             <a:pPr lvl="2"/>
             <a:r>
-              <a:rPr lang="en-US" altLang="zh-TW" sz="2800" dirty="0" smtClean="0">
+              <a:rPr lang="en-US" altLang="zh-TW" sz="2800" dirty="0">
                 <a:ea typeface="新細明體" charset="-120"/>
               </a:rPr>
               <a:t>character</a:t>
@@ -31146,7 +31028,7 @@
           <a:p>
             <a:pPr lvl="2"/>
             <a:r>
-              <a:rPr lang="en-US" altLang="zh-TW" sz="2800" dirty="0" smtClean="0">
+              <a:rPr lang="en-US" altLang="zh-TW" sz="2800" dirty="0">
                 <a:ea typeface="新細明體" charset="-120"/>
               </a:rPr>
               <a:t>binary</a:t>
@@ -31155,7 +31037,7 @@
           <a:p>
             <a:pPr lvl="1"/>
             <a:r>
-              <a:rPr lang="en-US" altLang="zh-TW" sz="2800" dirty="0" smtClean="0">
+              <a:rPr lang="en-US" altLang="zh-TW" sz="2800" dirty="0">
                 <a:solidFill>
                   <a:srgbClr val="FF0000"/>
                 </a:solidFill>
@@ -31171,13 +31053,6 @@
   <p:clrMapOvr>
     <a:masterClrMapping/>
   </p:clrMapOvr>
-  <p:timing>
-    <p:tnLst>
-      <p:par>
-        <p:cTn id="1" dur="indefinite" restart="never" nodeType="tmRoot"/>
-      </p:par>
-    </p:tnLst>
-  </p:timing>
 </p:sld>
 </file>
 
@@ -31215,7 +31090,7 @@
           <a:p>
             <a:pPr eaLnBrk="1" hangingPunct="1"/>
             <a:r>
-              <a:rPr lang="en-US" altLang="zh-TW" smtClean="0">
+              <a:rPr lang="en-US" altLang="zh-TW">
                 <a:ea typeface="新細明體" charset="-120"/>
               </a:rPr>
               <a:t>Access Lists and Groups</a:t>
@@ -31255,7 +31130,7 @@
               </a:tabLst>
             </a:pPr>
             <a:r>
-              <a:rPr lang="en-US" altLang="zh-TW" sz="2000" dirty="0" smtClean="0">
+              <a:rPr lang="en-US" altLang="zh-TW" sz="2000" dirty="0">
                 <a:solidFill>
                   <a:srgbClr val="FF0000"/>
                 </a:solidFill>
@@ -31277,7 +31152,7 @@
               </a:tabLst>
             </a:pPr>
             <a:r>
-              <a:rPr lang="en-US" altLang="zh-TW" sz="2000" dirty="0" smtClean="0">
+              <a:rPr lang="en-US" altLang="zh-TW" sz="2000" dirty="0">
                 <a:ea typeface="新細明體" charset="-120"/>
               </a:rPr>
               <a:t>Three classes of users</a:t>
@@ -31301,7 +31176,7 @@
               </a:tabLst>
             </a:pPr>
             <a:r>
-              <a:rPr lang="en-US" altLang="zh-TW" sz="2000" dirty="0" smtClean="0">
+              <a:rPr lang="en-US" altLang="zh-TW" sz="2000" dirty="0">
                 <a:ea typeface="新細明體" charset="-120"/>
               </a:rPr>
               <a:t>					RWX</a:t>
@@ -31325,13 +31200,13 @@
               </a:tabLst>
             </a:pPr>
             <a:r>
-              <a:rPr lang="en-US" altLang="zh-TW" sz="2000" dirty="0" smtClean="0">
+              <a:rPr lang="en-US" altLang="zh-TW" sz="2000" dirty="0">
                 <a:ea typeface="新細明體" charset="-120"/>
               </a:rPr>
               <a:t>		a) </a:t>
             </a:r>
             <a:r>
-              <a:rPr lang="en-US" altLang="zh-TW" sz="2000" b="1" dirty="0" smtClean="0">
+              <a:rPr lang="en-US" altLang="zh-TW" sz="2000" b="1" dirty="0">
                 <a:solidFill>
                   <a:srgbClr val="FF0000"/>
                 </a:solidFill>
@@ -31340,7 +31215,7 @@
               <a:t>owner access</a:t>
             </a:r>
             <a:r>
-              <a:rPr lang="en-US" altLang="zh-TW" sz="2000" dirty="0" smtClean="0">
+              <a:rPr lang="en-US" altLang="zh-TW" sz="2000" dirty="0">
                 <a:solidFill>
                   <a:srgbClr val="FF0000"/>
                 </a:solidFill>
@@ -31349,26 +31224,26 @@
               <a:t> </a:t>
             </a:r>
             <a:r>
-              <a:rPr lang="en-US" altLang="zh-TW" sz="2000" dirty="0" smtClean="0">
+              <a:rPr lang="en-US" altLang="zh-TW" sz="2000" dirty="0">
                 <a:ea typeface="新細明體" charset="-120"/>
               </a:rPr>
               <a:t>	7	</a:t>
             </a:r>
             <a:r>
-              <a:rPr lang="en-US" altLang="zh-TW" sz="2000" dirty="0" smtClean="0">
+              <a:rPr lang="en-US" altLang="zh-TW" sz="2000" dirty="0">
                 <a:ea typeface="新細明體" charset="-120"/>
                 <a:sym typeface="Symbol" charset="2"/>
               </a:rPr>
               <a:t>	1  1   1</a:t>
             </a:r>
             <a:br>
-              <a:rPr lang="en-US" altLang="zh-TW" sz="2000" dirty="0" smtClean="0">
+              <a:rPr lang="en-US" altLang="zh-TW" sz="2000" dirty="0">
                 <a:ea typeface="新細明體" charset="-120"/>
                 <a:sym typeface="Symbol" charset="2"/>
               </a:rPr>
             </a:br>
             <a:r>
-              <a:rPr lang="en-US" altLang="zh-TW" sz="2000" dirty="0" smtClean="0">
+              <a:rPr lang="en-US" altLang="zh-TW" sz="2000" dirty="0">
                 <a:ea typeface="新細明體" charset="-120"/>
                 <a:sym typeface="Symbol" charset="2"/>
               </a:rPr>
@@ -31393,14 +31268,14 @@
               </a:tabLst>
             </a:pPr>
             <a:r>
-              <a:rPr lang="en-US" altLang="zh-TW" sz="2000" dirty="0" smtClean="0">
+              <a:rPr lang="en-US" altLang="zh-TW" sz="2000" dirty="0">
                 <a:ea typeface="新細明體" charset="-120"/>
                 <a:sym typeface="Symbol" charset="2"/>
               </a:rPr>
               <a:t>		b) </a:t>
             </a:r>
             <a:r>
-              <a:rPr lang="en-US" altLang="zh-TW" sz="2000" b="1" dirty="0" smtClean="0">
+              <a:rPr lang="en-US" altLang="zh-TW" sz="2000" b="1" dirty="0">
                 <a:solidFill>
                   <a:srgbClr val="FF0000"/>
                 </a:solidFill>
@@ -31410,7 +31285,7 @@
               <a:t>group access</a:t>
             </a:r>
             <a:r>
-              <a:rPr lang="en-US" altLang="zh-TW" sz="2000" dirty="0" smtClean="0">
+              <a:rPr lang="en-US" altLang="zh-TW" sz="2000" dirty="0">
                 <a:solidFill>
                   <a:srgbClr val="FF0000"/>
                 </a:solidFill>
@@ -31420,7 +31295,7 @@
               <a:t> </a:t>
             </a:r>
             <a:r>
-              <a:rPr lang="en-US" altLang="zh-TW" sz="2000" dirty="0" smtClean="0">
+              <a:rPr lang="en-US" altLang="zh-TW" sz="2000" dirty="0">
                 <a:ea typeface="新細明體" charset="-120"/>
                 <a:sym typeface="Symbol" charset="2"/>
               </a:rPr>
@@ -31445,7 +31320,7 @@
               </a:tabLst>
             </a:pPr>
             <a:r>
-              <a:rPr lang="en-US" altLang="zh-TW" sz="2000" dirty="0" smtClean="0">
+              <a:rPr lang="en-US" altLang="zh-TW" sz="2000" dirty="0">
                 <a:ea typeface="新細明體" charset="-120"/>
                 <a:sym typeface="Symbol" charset="2"/>
               </a:rPr>
@@ -31470,14 +31345,14 @@
               </a:tabLst>
             </a:pPr>
             <a:r>
-              <a:rPr lang="en-US" altLang="zh-TW" sz="2000" dirty="0" smtClean="0">
+              <a:rPr lang="en-US" altLang="zh-TW" sz="2000" dirty="0">
                 <a:ea typeface="新細明體" charset="-120"/>
                 <a:sym typeface="Symbol" charset="2"/>
               </a:rPr>
               <a:t>		c) </a:t>
             </a:r>
             <a:r>
-              <a:rPr lang="en-US" altLang="zh-TW" sz="2000" b="1" dirty="0" smtClean="0">
+              <a:rPr lang="en-US" altLang="zh-TW" sz="2000" b="1" dirty="0">
                 <a:solidFill>
                   <a:srgbClr val="FF0000"/>
                 </a:solidFill>
@@ -31487,7 +31362,7 @@
               <a:t>public access</a:t>
             </a:r>
             <a:r>
-              <a:rPr lang="en-US" altLang="zh-TW" sz="2000" dirty="0" smtClean="0">
+              <a:rPr lang="en-US" altLang="zh-TW" sz="2000" dirty="0">
                 <a:ea typeface="新細明體" charset="-120"/>
                 <a:sym typeface="Symbol" charset="2"/>
               </a:rPr>
@@ -31507,7 +31382,7 @@
               </a:tabLst>
             </a:pPr>
             <a:r>
-              <a:rPr lang="en-US" altLang="zh-TW" sz="2000" dirty="0" smtClean="0">
+              <a:rPr lang="en-US" altLang="zh-TW" sz="2000" dirty="0">
                 <a:ea typeface="新細明體" charset="-120"/>
                 <a:sym typeface="Symbol" charset="2"/>
               </a:rPr>
@@ -31527,21 +31402,21 @@
               </a:tabLst>
             </a:pPr>
             <a:r>
-              <a:rPr lang="en-US" altLang="zh-TW" sz="2000" dirty="0" smtClean="0">
+              <a:rPr lang="en-US" altLang="zh-TW" sz="2000" dirty="0">
                 <a:ea typeface="新細明體" charset="-120"/>
                 <a:sym typeface="Symbol" charset="2"/>
               </a:rPr>
               <a:t>For a particular file (say </a:t>
             </a:r>
             <a:r>
-              <a:rPr lang="en-US" altLang="zh-TW" sz="2000" i="1" dirty="0" smtClean="0">
+              <a:rPr lang="en-US" altLang="zh-TW" sz="2000" i="1" dirty="0">
                 <a:ea typeface="新細明體" charset="-120"/>
                 <a:sym typeface="Symbol" charset="2"/>
               </a:rPr>
               <a:t>game</a:t>
             </a:r>
             <a:r>
-              <a:rPr lang="en-US" altLang="zh-TW" sz="2000" dirty="0" smtClean="0">
+              <a:rPr lang="en-US" altLang="zh-TW" sz="2000" dirty="0">
                 <a:ea typeface="新細明體" charset="-120"/>
                 <a:sym typeface="Symbol" charset="2"/>
               </a:rPr>
@@ -31997,13 +31872,6 @@
   <p:clrMapOvr>
     <a:masterClrMapping/>
   </p:clrMapOvr>
-  <p:timing>
-    <p:tnLst>
-      <p:par>
-        <p:cTn id="1" dur="indefinite" restart="never" nodeType="tmRoot"/>
-      </p:par>
-    </p:tnLst>
-  </p:timing>
 </p:sld>
 </file>
 
@@ -32046,7 +31914,7 @@
           <a:p>
             <a:pPr eaLnBrk="1" hangingPunct="1"/>
             <a:r>
-              <a:rPr lang="en-US" altLang="zh-TW" sz="3200" dirty="0" smtClean="0">
+              <a:rPr lang="en-US" altLang="zh-TW" sz="3200" dirty="0">
                 <a:ea typeface="新細明體" charset="-120"/>
               </a:rPr>
               <a:t>Windows XP Access-control List Management</a:t>
@@ -33159,7 +33027,7 @@
           <a:p>
             <a:pPr eaLnBrk="1" hangingPunct="1"/>
             <a:r>
-              <a:rPr lang="en-US" altLang="zh-TW" smtClean="0">
+              <a:rPr lang="en-US" altLang="zh-TW">
                 <a:ea typeface="新細明體" charset="-120"/>
               </a:rPr>
               <a:t>A Sample UNIX Directory Listing</a:t>
@@ -33325,7 +33193,7 @@
             <a:lstStyle/>
             <a:p>
               <a:r>
-                <a:rPr lang="en-US" altLang="zh-TW" sz="2400" b="1" dirty="0" smtClean="0">
+                <a:rPr lang="en-US" altLang="zh-TW" sz="2400" b="1" dirty="0">
                   <a:solidFill>
                     <a:srgbClr val="FF0000"/>
                   </a:solidFill>
@@ -33476,7 +33344,7 @@
             <a:lstStyle/>
             <a:p>
               <a:r>
-                <a:rPr lang="en-US" altLang="zh-TW" sz="2400" b="1" dirty="0" smtClean="0">
+                <a:rPr lang="en-US" altLang="zh-TW" sz="2400" b="1" dirty="0">
                   <a:solidFill>
                     <a:srgbClr val="FF0000"/>
                   </a:solidFill>
@@ -33841,7 +33709,7 @@
             <a:lstStyle/>
             <a:p>
               <a:r>
-                <a:rPr lang="en-US" altLang="zh-TW" sz="2400" b="1" dirty="0" smtClean="0">
+                <a:rPr lang="en-US" altLang="zh-TW" sz="2400" b="1" dirty="0">
                   <a:solidFill>
                     <a:srgbClr val="FF0000"/>
                   </a:solidFill>
@@ -34237,7 +34105,7 @@
             <a:lstStyle/>
             <a:p>
               <a:r>
-                <a:rPr lang="en-US" altLang="zh-TW" sz="2400" b="1" dirty="0" smtClean="0">
+                <a:rPr lang="en-US" altLang="zh-TW" sz="2400" b="1" dirty="0">
                   <a:solidFill>
                     <a:srgbClr val="FF0000"/>
                   </a:solidFill>
@@ -34633,7 +34501,7 @@
             <a:lstStyle/>
             <a:p>
               <a:r>
-                <a:rPr lang="en-US" altLang="zh-TW" sz="2400" b="1" dirty="0" smtClean="0">
+                <a:rPr lang="en-US" altLang="zh-TW" sz="2400" b="1" dirty="0">
                   <a:solidFill>
                     <a:srgbClr val="FF0000"/>
                   </a:solidFill>
@@ -35104,7 +34972,7 @@
           <a:p>
             <a:pPr eaLnBrk="1" hangingPunct="1"/>
             <a:r>
-              <a:rPr lang="en-US" altLang="zh-TW" sz="5400" dirty="0" smtClean="0">
+              <a:rPr lang="en-US" altLang="zh-TW" sz="5400" dirty="0">
                 <a:ea typeface="新細明體" charset="-120"/>
               </a:rPr>
               <a:t>End of Chapter 10</a:t>
@@ -35117,13 +34985,6 @@
   <p:clrMapOvr>
     <a:masterClrMapping/>
   </p:clrMapOvr>
-  <p:timing>
-    <p:tnLst>
-      <p:par>
-        <p:cTn id="1" dur="indefinite" restart="never" nodeType="tmRoot"/>
-      </p:par>
-    </p:tnLst>
-  </p:timing>
 </p:sld>
 </file>
 
@@ -35161,7 +35022,7 @@
           <a:p>
             <a:pPr eaLnBrk="1" hangingPunct="1"/>
             <a:r>
-              <a:rPr lang="en-US" altLang="zh-TW" smtClean="0">
+              <a:rPr lang="en-US" altLang="zh-TW">
                 <a:ea typeface="新細明體" charset="-120"/>
               </a:rPr>
               <a:t>File Structure</a:t>
@@ -35195,7 +35056,7 @@
               </a:lnSpc>
             </a:pPr>
             <a:r>
-              <a:rPr lang="en-US" altLang="zh-TW" sz="2400" dirty="0" smtClean="0">
+              <a:rPr lang="en-US" altLang="zh-TW" sz="2400" dirty="0">
                 <a:solidFill>
                   <a:srgbClr val="FF0000"/>
                 </a:solidFill>
@@ -35204,7 +35065,7 @@
               <a:t>None </a:t>
             </a:r>
             <a:r>
-              <a:rPr lang="en-US" altLang="zh-TW" sz="2400" dirty="0" smtClean="0">
+              <a:rPr lang="en-US" altLang="zh-TW" sz="2400" dirty="0">
                 <a:ea typeface="新細明體" charset="-120"/>
               </a:rPr>
               <a:t>- sequence of words, bytes</a:t>
@@ -35217,7 +35078,7 @@
               </a:lnSpc>
             </a:pPr>
             <a:r>
-              <a:rPr lang="en-US" altLang="zh-TW" sz="2400" dirty="0" smtClean="0">
+              <a:rPr lang="en-US" altLang="zh-TW" sz="2400" dirty="0">
                 <a:solidFill>
                   <a:srgbClr val="FF0000"/>
                 </a:solidFill>
@@ -35233,7 +35094,7 @@
               </a:lnSpc>
             </a:pPr>
             <a:r>
-              <a:rPr lang="en-US" altLang="zh-TW" sz="2400" dirty="0" smtClean="0">
+              <a:rPr lang="en-US" altLang="zh-TW" sz="2400" dirty="0">
                 <a:ea typeface="新細明體" charset="-120"/>
               </a:rPr>
               <a:t>Lines </a:t>
@@ -35246,7 +35107,7 @@
               </a:lnSpc>
             </a:pPr>
             <a:r>
-              <a:rPr lang="en-US" altLang="zh-TW" sz="2400" dirty="0" smtClean="0">
+              <a:rPr lang="en-US" altLang="zh-TW" sz="2400" dirty="0">
                 <a:ea typeface="新細明體" charset="-120"/>
               </a:rPr>
               <a:t>Fixed length</a:t>
@@ -35259,7 +35120,7 @@
               </a:lnSpc>
             </a:pPr>
             <a:r>
-              <a:rPr lang="en-US" altLang="zh-TW" sz="2400" dirty="0" smtClean="0">
+              <a:rPr lang="en-US" altLang="zh-TW" sz="2400" dirty="0">
                 <a:ea typeface="新細明體" charset="-120"/>
               </a:rPr>
               <a:t>Variable length</a:t>
@@ -35272,7 +35133,7 @@
               </a:lnSpc>
             </a:pPr>
             <a:r>
-              <a:rPr lang="en-US" altLang="zh-TW" sz="2400" dirty="0" smtClean="0">
+              <a:rPr lang="en-US" altLang="zh-TW" sz="2400" dirty="0">
                 <a:solidFill>
                   <a:srgbClr val="FF0000"/>
                 </a:solidFill>
@@ -35288,7 +35149,7 @@
               </a:lnSpc>
             </a:pPr>
             <a:r>
-              <a:rPr lang="en-US" altLang="zh-TW" sz="2400" dirty="0" smtClean="0">
+              <a:rPr lang="en-US" altLang="zh-TW" sz="2400" dirty="0">
                 <a:ea typeface="新細明體" charset="-120"/>
               </a:rPr>
               <a:t>Formatted document</a:t>
@@ -35301,13 +35162,13 @@
               </a:lnSpc>
             </a:pPr>
             <a:r>
-              <a:rPr lang="en-US" altLang="zh-TW" sz="2400" dirty="0" err="1" smtClean="0">
+              <a:rPr lang="en-US" altLang="zh-TW" sz="2400" dirty="0" err="1">
                 <a:ea typeface="新細明體" charset="-120"/>
               </a:rPr>
               <a:t>Relocatable</a:t>
             </a:r>
             <a:r>
-              <a:rPr lang="en-US" altLang="zh-TW" sz="2400" dirty="0" smtClean="0">
+              <a:rPr lang="en-US" altLang="zh-TW" sz="2400" dirty="0">
                 <a:ea typeface="新細明體" charset="-120"/>
               </a:rPr>
               <a:t> load file	</a:t>
@@ -35320,65 +35181,38 @@
               </a:lnSpc>
             </a:pPr>
             <a:r>
-              <a:rPr lang="en-US" altLang="zh-TW" sz="2400" dirty="0" smtClean="0">
-                <a:ea typeface="新細明體" charset="-120"/>
-              </a:rPr>
-              <a:t>Can simulate last two </a:t>
-            </a:r>
-            <a:r>
-              <a:rPr lang="en-US" altLang="zh-TW" sz="2400" dirty="0" smtClean="0">
-                <a:ea typeface="新細明體" charset="-120"/>
-              </a:rPr>
-              <a:t>methods with </a:t>
-            </a:r>
-            <a:r>
-              <a:rPr lang="en-US" altLang="zh-TW" sz="2400" dirty="0" smtClean="0">
-                <a:ea typeface="新細明體" charset="-120"/>
-              </a:rPr>
-              <a:t>first method by inserting appropriate </a:t>
-            </a:r>
-            <a:r>
-              <a:rPr lang="en-US" altLang="zh-TW" sz="2400" dirty="0" smtClean="0">
+              <a:rPr lang="en-US" altLang="zh-TW" sz="2400" dirty="0">
+                <a:ea typeface="新細明體" charset="-120"/>
+              </a:rPr>
+              <a:t>Can simulate last two methods with first method by inserting appropriate </a:t>
+            </a:r>
+            <a:r>
+              <a:rPr lang="en-US" altLang="zh-TW" sz="2400" dirty="0">
                 <a:solidFill>
                   <a:srgbClr val="FF0000"/>
                 </a:solidFill>
                 <a:ea typeface="新細明體" charset="-120"/>
               </a:rPr>
-              <a:t>control </a:t>
-            </a:r>
-            <a:r>
-              <a:rPr lang="en-US" altLang="zh-TW" sz="2400" dirty="0" smtClean="0">
+              <a:t>control characters</a:t>
+            </a:r>
+            <a:r>
+              <a:rPr lang="zh-TW" altLang="en-US" sz="2400" dirty="0">
                 <a:solidFill>
                   <a:srgbClr val="FF0000"/>
                 </a:solidFill>
                 <a:ea typeface="新細明體" charset="-120"/>
               </a:rPr>
-              <a:t>characters</a:t>
-            </a:r>
-            <a:r>
-              <a:rPr lang="zh-TW" altLang="en-US" sz="2400" dirty="0" smtClean="0">
+              <a:t> </a:t>
+            </a:r>
+            <a:r>
+              <a:rPr lang="en-US" altLang="zh-TW" sz="2400" dirty="0">
                 <a:solidFill>
                   <a:srgbClr val="FF0000"/>
                 </a:solidFill>
                 <a:ea typeface="新細明體" charset="-120"/>
               </a:rPr>
-              <a:t> </a:t>
-            </a:r>
-            <a:r>
-              <a:rPr lang="en-US" altLang="zh-TW" sz="2400" dirty="0" smtClean="0">
-                <a:solidFill>
-                  <a:srgbClr val="FF0000"/>
-                </a:solidFill>
-                <a:ea typeface="新細明體" charset="-120"/>
-              </a:rPr>
               <a:t>(CR, LF)</a:t>
             </a:r>
-            <a:endParaRPr lang="en-US" altLang="zh-TW" sz="2400" dirty="0" smtClean="0">
-              <a:solidFill>
-                <a:srgbClr val="FF0000"/>
-              </a:solidFill>
-              <a:ea typeface="新細明體" charset="-120"/>
-            </a:endParaRPr>
           </a:p>
           <a:p>
             <a:pPr>
@@ -35387,7 +35221,7 @@
               </a:lnSpc>
             </a:pPr>
             <a:r>
-              <a:rPr lang="en-US" altLang="zh-TW" sz="2400" dirty="0" smtClean="0">
+              <a:rPr lang="en-US" altLang="zh-TW" sz="2400" dirty="0">
                 <a:ea typeface="新細明體" charset="-120"/>
               </a:rPr>
               <a:t>Who decides:</a:t>
@@ -35400,7 +35234,7 @@
               </a:lnSpc>
             </a:pPr>
             <a:r>
-              <a:rPr lang="en-US" altLang="zh-TW" sz="2400" dirty="0" smtClean="0">
+              <a:rPr lang="en-US" altLang="zh-TW" sz="2400" dirty="0">
                 <a:ea typeface="新細明體" charset="-120"/>
               </a:rPr>
               <a:t>Operating system</a:t>
@@ -35413,7 +35247,7 @@
               </a:lnSpc>
             </a:pPr>
             <a:r>
-              <a:rPr lang="en-US" altLang="zh-TW" sz="2400" dirty="0" smtClean="0">
+              <a:rPr lang="en-US" altLang="zh-TW" sz="2400" dirty="0">
                 <a:ea typeface="新細明體" charset="-120"/>
               </a:rPr>
               <a:t>Program</a:t>
@@ -36102,7 +35936,7 @@
           <a:p>
             <a:pPr eaLnBrk="1" hangingPunct="1"/>
             <a:r>
-              <a:rPr lang="en-US" altLang="zh-TW" smtClean="0">
+              <a:rPr lang="en-US" altLang="zh-TW">
                 <a:ea typeface="新細明體" charset="-120"/>
               </a:rPr>
               <a:t>File Attributes</a:t>
@@ -36131,7 +35965,7 @@
           <a:lstStyle/>
           <a:p>
             <a:r>
-              <a:rPr lang="en-US" altLang="zh-TW" sz="2400" b="1" dirty="0" smtClean="0">
+              <a:rPr lang="en-US" altLang="zh-TW" sz="2400" b="1" dirty="0">
                 <a:solidFill>
                   <a:srgbClr val="FF0000"/>
                 </a:solidFill>
@@ -36140,7 +35974,7 @@
               <a:t>Name</a:t>
             </a:r>
             <a:r>
-              <a:rPr lang="en-US" altLang="zh-TW" sz="2400" dirty="0" smtClean="0">
+              <a:rPr lang="en-US" altLang="zh-TW" sz="2400" dirty="0">
                 <a:ea typeface="新細明體" charset="-120"/>
               </a:rPr>
               <a:t> – only information kept in human-readable form</a:t>
@@ -36148,7 +35982,7 @@
           </a:p>
           <a:p>
             <a:r>
-              <a:rPr lang="en-US" altLang="zh-TW" sz="2400" b="1" dirty="0" smtClean="0">
+              <a:rPr lang="en-US" altLang="zh-TW" sz="2400" b="1" dirty="0">
                 <a:solidFill>
                   <a:srgbClr val="FF0000"/>
                 </a:solidFill>
@@ -36157,7 +35991,7 @@
               <a:t>Identifier</a:t>
             </a:r>
             <a:r>
-              <a:rPr lang="en-US" altLang="zh-TW" sz="2400" dirty="0" smtClean="0">
+              <a:rPr lang="en-US" altLang="zh-TW" sz="2400" dirty="0">
                 <a:ea typeface="新細明體" charset="-120"/>
               </a:rPr>
               <a:t> – unique tag (number) identifies file within file system</a:t>
@@ -36165,7 +35999,7 @@
           </a:p>
           <a:p>
             <a:r>
-              <a:rPr lang="en-US" altLang="zh-TW" sz="2400" b="1" dirty="0" smtClean="0">
+              <a:rPr lang="en-US" altLang="zh-TW" sz="2400" b="1" dirty="0">
                 <a:solidFill>
                   <a:srgbClr val="FF0000"/>
                 </a:solidFill>
@@ -36174,7 +36008,7 @@
               <a:t>Type</a:t>
             </a:r>
             <a:r>
-              <a:rPr lang="en-US" altLang="zh-TW" sz="2400" dirty="0" smtClean="0">
+              <a:rPr lang="en-US" altLang="zh-TW" sz="2400" dirty="0">
                 <a:ea typeface="新細明體" charset="-120"/>
               </a:rPr>
               <a:t> – needed for systems that support different types</a:t>
@@ -36182,7 +36016,7 @@
           </a:p>
           <a:p>
             <a:r>
-              <a:rPr lang="en-US" altLang="zh-TW" sz="2400" b="1" dirty="0" smtClean="0">
+              <a:rPr lang="en-US" altLang="zh-TW" sz="2400" b="1" dirty="0">
                 <a:solidFill>
                   <a:srgbClr val="FF0000"/>
                 </a:solidFill>
@@ -36191,7 +36025,7 @@
               <a:t>Location</a:t>
             </a:r>
             <a:r>
-              <a:rPr lang="en-US" altLang="zh-TW" sz="2400" dirty="0" smtClean="0">
+              <a:rPr lang="en-US" altLang="zh-TW" sz="2400" dirty="0">
                 <a:ea typeface="新細明體" charset="-120"/>
               </a:rPr>
               <a:t> – pointer to file location on device</a:t>
@@ -36199,7 +36033,7 @@
           </a:p>
           <a:p>
             <a:r>
-              <a:rPr lang="en-US" altLang="zh-TW" sz="2400" b="1" dirty="0" smtClean="0">
+              <a:rPr lang="en-US" altLang="zh-TW" sz="2400" b="1" dirty="0">
                 <a:solidFill>
                   <a:srgbClr val="FF0000"/>
                 </a:solidFill>
@@ -36208,7 +36042,7 @@
               <a:t>Size</a:t>
             </a:r>
             <a:r>
-              <a:rPr lang="en-US" altLang="zh-TW" sz="2400" dirty="0" smtClean="0">
+              <a:rPr lang="en-US" altLang="zh-TW" sz="2400" dirty="0">
                 <a:ea typeface="新細明體" charset="-120"/>
               </a:rPr>
               <a:t> – current file size</a:t>
@@ -36216,7 +36050,7 @@
           </a:p>
           <a:p>
             <a:r>
-              <a:rPr lang="en-US" altLang="zh-TW" sz="2400" b="1" dirty="0" smtClean="0">
+              <a:rPr lang="en-US" altLang="zh-TW" sz="2400" b="1" dirty="0">
                 <a:solidFill>
                   <a:srgbClr val="FF0000"/>
                 </a:solidFill>
@@ -36225,7 +36059,7 @@
               <a:t>Protection</a:t>
             </a:r>
             <a:r>
-              <a:rPr lang="en-US" altLang="zh-TW" sz="2400" dirty="0" smtClean="0">
+              <a:rPr lang="en-US" altLang="zh-TW" sz="2400" dirty="0">
                 <a:solidFill>
                   <a:srgbClr val="FF0000"/>
                 </a:solidFill>
@@ -36234,7 +36068,7 @@
               <a:t> </a:t>
             </a:r>
             <a:r>
-              <a:rPr lang="en-US" altLang="zh-TW" sz="2400" dirty="0" smtClean="0">
+              <a:rPr lang="en-US" altLang="zh-TW" sz="2400" dirty="0">
                 <a:ea typeface="新細明體" charset="-120"/>
               </a:rPr>
               <a:t>– controls who can do reading, writing, executing</a:t>
@@ -36242,7 +36076,7 @@
           </a:p>
           <a:p>
             <a:r>
-              <a:rPr lang="en-US" altLang="zh-TW" sz="2400" b="1" dirty="0" smtClean="0">
+              <a:rPr lang="en-US" altLang="zh-TW" sz="2400" b="1" dirty="0">
                 <a:solidFill>
                   <a:srgbClr val="FF0000"/>
                 </a:solidFill>
@@ -36251,7 +36085,7 @@
               <a:t>Time, date, and user identification</a:t>
             </a:r>
             <a:r>
-              <a:rPr lang="en-US" altLang="zh-TW" sz="2400" dirty="0" smtClean="0">
+              <a:rPr lang="en-US" altLang="zh-TW" sz="2400" dirty="0">
                 <a:solidFill>
                   <a:srgbClr val="FF0000"/>
                 </a:solidFill>
@@ -36260,7 +36094,7 @@
               <a:t> </a:t>
             </a:r>
             <a:r>
-              <a:rPr lang="en-US" altLang="zh-TW" sz="2400" dirty="0" smtClean="0">
+              <a:rPr lang="en-US" altLang="zh-TW" sz="2400" dirty="0">
                 <a:ea typeface="新細明體" charset="-120"/>
               </a:rPr>
               <a:t>– data for protection, security, and usage monitoring</a:t>
@@ -36268,13 +36102,13 @@
           </a:p>
           <a:p>
             <a:r>
-              <a:rPr lang="en-US" altLang="zh-TW" sz="2400" dirty="0" smtClean="0">
+              <a:rPr lang="en-US" altLang="zh-TW" sz="2400" dirty="0">
                 <a:ea typeface="新細明體" charset="-120"/>
               </a:rPr>
               <a:t>Information about files are kept in the </a:t>
             </a:r>
             <a:r>
-              <a:rPr lang="en-US" altLang="zh-TW" sz="2400" b="1" dirty="0" smtClean="0">
+              <a:rPr lang="en-US" altLang="zh-TW" sz="2400" b="1" dirty="0">
                 <a:solidFill>
                   <a:srgbClr val="FF0000"/>
                 </a:solidFill>
@@ -36283,7 +36117,7 @@
               <a:t>directory structure</a:t>
             </a:r>
             <a:r>
-              <a:rPr lang="en-US" altLang="zh-TW" sz="2400" dirty="0" smtClean="0">
+              <a:rPr lang="en-US" altLang="zh-TW" sz="2400" dirty="0">
                 <a:ea typeface="新細明體" charset="-120"/>
               </a:rPr>
               <a:t>, which is maintained on the disk</a:t>
@@ -36854,7 +36688,7 @@
           <a:p>
             <a:pPr eaLnBrk="1" hangingPunct="1"/>
             <a:r>
-              <a:rPr lang="en-US" altLang="zh-TW" smtClean="0">
+              <a:rPr lang="en-US" altLang="zh-TW">
                 <a:ea typeface="新細明體" charset="-120"/>
               </a:rPr>
               <a:t>File Operations</a:t>
@@ -36883,13 +36717,13 @@
           <a:lstStyle/>
           <a:p>
             <a:r>
-              <a:rPr lang="en-US" altLang="zh-TW" sz="2800" dirty="0" smtClean="0">
+              <a:rPr lang="en-US" altLang="zh-TW" sz="2800" dirty="0">
                 <a:ea typeface="新細明體" charset="-120"/>
               </a:rPr>
               <a:t>File is an </a:t>
             </a:r>
             <a:r>
-              <a:rPr lang="en-US" altLang="zh-TW" sz="2800" b="1" dirty="0" smtClean="0">
+              <a:rPr lang="en-US" altLang="zh-TW" sz="2800" b="1" dirty="0">
                 <a:solidFill>
                   <a:srgbClr val="FF0000"/>
                 </a:solidFill>
@@ -36900,7 +36734,7 @@
           </a:p>
           <a:p>
             <a:r>
-              <a:rPr lang="en-US" altLang="zh-TW" sz="2400" b="1" dirty="0" smtClean="0">
+              <a:rPr lang="en-US" altLang="zh-TW" sz="2400" b="1" dirty="0">
                 <a:ea typeface="新細明體" charset="-120"/>
               </a:rPr>
               <a:t>Create</a:t>
@@ -36908,7 +36742,7 @@
           </a:p>
           <a:p>
             <a:r>
-              <a:rPr lang="en-US" altLang="zh-TW" sz="2400" b="1" dirty="0" smtClean="0">
+              <a:rPr lang="en-US" altLang="zh-TW" sz="2400" b="1" dirty="0">
                 <a:ea typeface="新細明體" charset="-120"/>
               </a:rPr>
               <a:t>Write</a:t>
@@ -36916,7 +36750,7 @@
           </a:p>
           <a:p>
             <a:r>
-              <a:rPr lang="en-US" altLang="zh-TW" sz="2400" b="1" dirty="0" smtClean="0">
+              <a:rPr lang="en-US" altLang="zh-TW" sz="2400" b="1" dirty="0">
                 <a:ea typeface="新細明體" charset="-120"/>
               </a:rPr>
               <a:t>Read</a:t>
@@ -36924,7 +36758,7 @@
           </a:p>
           <a:p>
             <a:r>
-              <a:rPr lang="en-US" altLang="zh-TW" sz="2400" b="1" dirty="0" smtClean="0">
+              <a:rPr lang="en-US" altLang="zh-TW" sz="2400" b="1" dirty="0">
                 <a:ea typeface="新細明體" charset="-120"/>
               </a:rPr>
               <a:t>Reposition within file</a:t>
@@ -36932,7 +36766,7 @@
           </a:p>
           <a:p>
             <a:r>
-              <a:rPr lang="en-US" altLang="zh-TW" sz="2400" b="1" dirty="0" smtClean="0">
+              <a:rPr lang="en-US" altLang="zh-TW" sz="2400" b="1" dirty="0">
                 <a:ea typeface="新細明體" charset="-120"/>
               </a:rPr>
               <a:t>Delete</a:t>
@@ -36940,7 +36774,7 @@
           </a:p>
           <a:p>
             <a:r>
-              <a:rPr lang="en-US" altLang="zh-TW" sz="2400" b="1" dirty="0" smtClean="0">
+              <a:rPr lang="en-US" altLang="zh-TW" sz="2400" b="1" dirty="0">
                 <a:ea typeface="新細明體" charset="-120"/>
               </a:rPr>
               <a:t>Truncate</a:t>
@@ -36948,7 +36782,7 @@
           </a:p>
           <a:p>
             <a:r>
-              <a:rPr lang="en-US" altLang="zh-TW" sz="2400" i="1" dirty="0" smtClean="0">
+              <a:rPr lang="en-US" altLang="zh-TW" sz="2400" i="1" dirty="0">
                 <a:solidFill>
                   <a:srgbClr val="FF0000"/>
                 </a:solidFill>
@@ -36957,7 +36791,7 @@
               <a:t>Open(</a:t>
             </a:r>
             <a:r>
-              <a:rPr lang="en-US" altLang="zh-TW" sz="2400" i="1" dirty="0" err="1" smtClean="0">
+              <a:rPr lang="en-US" altLang="zh-TW" sz="2400" i="1" dirty="0" err="1">
                 <a:solidFill>
                   <a:srgbClr val="FF0000"/>
                 </a:solidFill>
@@ -36966,7 +36800,7 @@
               <a:t>F</a:t>
             </a:r>
             <a:r>
-              <a:rPr lang="en-US" altLang="zh-TW" sz="2400" i="1" baseline="-25000" dirty="0" err="1" smtClean="0">
+              <a:rPr lang="en-US" altLang="zh-TW" sz="2400" i="1" baseline="-25000" dirty="0" err="1">
                 <a:solidFill>
                   <a:srgbClr val="FF0000"/>
                 </a:solidFill>
@@ -36975,7 +36809,7 @@
               <a:t>i</a:t>
             </a:r>
             <a:r>
-              <a:rPr lang="en-US" altLang="zh-TW" sz="2400" i="1" dirty="0" smtClean="0">
+              <a:rPr lang="en-US" altLang="zh-TW" sz="2400" i="1" dirty="0">
                 <a:solidFill>
                   <a:srgbClr val="FF0000"/>
                 </a:solidFill>
@@ -36984,25 +36818,25 @@
               <a:t>)</a:t>
             </a:r>
             <a:r>
-              <a:rPr lang="en-US" altLang="zh-TW" sz="2400" dirty="0" smtClean="0">
+              <a:rPr lang="en-US" altLang="zh-TW" sz="2400" dirty="0">
                 <a:ea typeface="新細明體" charset="-120"/>
               </a:rPr>
               <a:t> – search the directory structure on disk for entry </a:t>
             </a:r>
             <a:r>
-              <a:rPr lang="en-US" altLang="zh-TW" sz="2400" i="1" dirty="0" err="1" smtClean="0">
+              <a:rPr lang="en-US" altLang="zh-TW" sz="2400" i="1" dirty="0" err="1">
                 <a:ea typeface="新細明體" charset="-120"/>
               </a:rPr>
               <a:t>F</a:t>
             </a:r>
             <a:r>
-              <a:rPr lang="en-US" altLang="zh-TW" sz="2400" i="1" baseline="-25000" dirty="0" err="1" smtClean="0">
+              <a:rPr lang="en-US" altLang="zh-TW" sz="2400" i="1" baseline="-25000" dirty="0" err="1">
                 <a:ea typeface="新細明體" charset="-120"/>
               </a:rPr>
               <a:t>i</a:t>
             </a:r>
             <a:r>
-              <a:rPr lang="en-US" altLang="zh-TW" sz="2400" dirty="0" smtClean="0">
+              <a:rPr lang="en-US" altLang="zh-TW" sz="2400" dirty="0">
                 <a:ea typeface="新細明體" charset="-120"/>
               </a:rPr>
               <a:t>, and move the content of entry to memory</a:t>
@@ -37010,7 +36844,7 @@
           </a:p>
           <a:p>
             <a:r>
-              <a:rPr lang="en-US" altLang="zh-TW" sz="2400" i="1" dirty="0" smtClean="0">
+              <a:rPr lang="en-US" altLang="zh-TW" sz="2400" i="1" dirty="0">
                 <a:solidFill>
                   <a:srgbClr val="FF0000"/>
                 </a:solidFill>
@@ -37019,7 +36853,7 @@
               <a:t>Close (</a:t>
             </a:r>
             <a:r>
-              <a:rPr lang="en-US" altLang="zh-TW" sz="2400" i="1" dirty="0" err="1" smtClean="0">
+              <a:rPr lang="en-US" altLang="zh-TW" sz="2400" i="1" dirty="0" err="1">
                 <a:solidFill>
                   <a:srgbClr val="FF0000"/>
                 </a:solidFill>
@@ -37028,7 +36862,7 @@
               <a:t>F</a:t>
             </a:r>
             <a:r>
-              <a:rPr lang="en-US" altLang="zh-TW" sz="2400" i="1" baseline="-25000" dirty="0" err="1" smtClean="0">
+              <a:rPr lang="en-US" altLang="zh-TW" sz="2400" i="1" baseline="-25000" dirty="0" err="1">
                 <a:solidFill>
                   <a:srgbClr val="FF0000"/>
                 </a:solidFill>
@@ -37037,7 +36871,7 @@
               <a:t>i</a:t>
             </a:r>
             <a:r>
-              <a:rPr lang="en-US" altLang="zh-TW" sz="2400" i="1" dirty="0" smtClean="0">
+              <a:rPr lang="en-US" altLang="zh-TW" sz="2400" i="1" dirty="0">
                 <a:solidFill>
                   <a:srgbClr val="FF0000"/>
                 </a:solidFill>
@@ -37046,25 +36880,25 @@
               <a:t>)</a:t>
             </a:r>
             <a:r>
-              <a:rPr lang="en-US" altLang="zh-TW" sz="2400" dirty="0" smtClean="0">
+              <a:rPr lang="en-US" altLang="zh-TW" sz="2400" dirty="0">
                 <a:ea typeface="新細明體" charset="-120"/>
               </a:rPr>
               <a:t> – move the content of entry </a:t>
             </a:r>
             <a:r>
-              <a:rPr lang="en-US" altLang="zh-TW" sz="2400" i="1" dirty="0" err="1" smtClean="0">
+              <a:rPr lang="en-US" altLang="zh-TW" sz="2400" i="1" dirty="0" err="1">
                 <a:ea typeface="新細明體" charset="-120"/>
               </a:rPr>
               <a:t>F</a:t>
             </a:r>
             <a:r>
-              <a:rPr lang="en-US" altLang="zh-TW" sz="2400" i="1" baseline="-25000" dirty="0" err="1" smtClean="0">
+              <a:rPr lang="en-US" altLang="zh-TW" sz="2400" i="1" baseline="-25000" dirty="0" err="1">
                 <a:ea typeface="新細明體" charset="-120"/>
               </a:rPr>
               <a:t>i</a:t>
             </a:r>
             <a:r>
-              <a:rPr lang="en-US" altLang="zh-TW" sz="2400" dirty="0" smtClean="0">
+              <a:rPr lang="en-US" altLang="zh-TW" sz="2400" dirty="0">
                 <a:ea typeface="新細明體" charset="-120"/>
               </a:rPr>
               <a:t> in memory to directory structure on disk</a:t>
@@ -37077,13 +36911,6 @@
   <p:clrMapOvr>
     <a:masterClrMapping/>
   </p:clrMapOvr>
-  <p:timing>
-    <p:tnLst>
-      <p:par>
-        <p:cTn id="1" dur="indefinite" restart="never" nodeType="tmRoot"/>
-      </p:par>
-    </p:tnLst>
-  </p:timing>
 </p:sld>
 </file>
 
@@ -37121,7 +36948,7 @@
           <a:p>
             <a:pPr eaLnBrk="1" hangingPunct="1"/>
             <a:r>
-              <a:rPr lang="en-US" altLang="zh-TW" smtClean="0">
+              <a:rPr lang="en-US" altLang="zh-TW">
                 <a:ea typeface="新細明體" charset="-120"/>
               </a:rPr>
               <a:t>Open Files</a:t>
@@ -37150,7 +36977,7 @@
           <a:lstStyle/>
           <a:p>
             <a:r>
-              <a:rPr lang="en-US" altLang="zh-TW" sz="2800" dirty="0" smtClean="0">
+              <a:rPr lang="en-US" altLang="zh-TW" sz="2800" dirty="0">
                 <a:ea typeface="新細明體" charset="-120"/>
               </a:rPr>
               <a:t>Several pieces of data are needed to manage open files:</a:t>
@@ -37159,7 +36986,7 @@
           <a:p>
             <a:pPr lvl="1"/>
             <a:r>
-              <a:rPr lang="en-US" altLang="zh-TW" b="1" dirty="0" smtClean="0">
+              <a:rPr lang="en-US" altLang="zh-TW" b="1" dirty="0">
                 <a:solidFill>
                   <a:srgbClr val="FF0000"/>
                 </a:solidFill>
@@ -37168,7 +36995,7 @@
               <a:t>File pointer</a:t>
             </a:r>
             <a:r>
-              <a:rPr lang="en-US" altLang="zh-TW" dirty="0" smtClean="0">
+              <a:rPr lang="en-US" altLang="zh-TW" dirty="0">
                 <a:ea typeface="新細明體" charset="-120"/>
               </a:rPr>
               <a:t>:  pointer to last read/write location, per process that has the file open</a:t>
@@ -37177,7 +37004,7 @@
           <a:p>
             <a:pPr lvl="1"/>
             <a:r>
-              <a:rPr lang="en-US" altLang="zh-TW" b="1" dirty="0" smtClean="0">
+              <a:rPr lang="en-US" altLang="zh-TW" b="1" dirty="0">
                 <a:solidFill>
                   <a:srgbClr val="FF0000"/>
                 </a:solidFill>
@@ -37186,7 +37013,7 @@
               <a:t>File-open count</a:t>
             </a:r>
             <a:r>
-              <a:rPr lang="en-US" altLang="zh-TW" dirty="0" smtClean="0">
+              <a:rPr lang="en-US" altLang="zh-TW" dirty="0">
                 <a:ea typeface="新細明體" charset="-120"/>
               </a:rPr>
               <a:t>: counter of number of times a file is open – to allow removal of data from open-file table when last process closes it</a:t>
@@ -37195,7 +37022,7 @@
           <a:p>
             <a:pPr lvl="1"/>
             <a:r>
-              <a:rPr lang="en-US" altLang="zh-TW" b="1" dirty="0" smtClean="0">
+              <a:rPr lang="en-US" altLang="zh-TW" b="1" dirty="0">
                 <a:solidFill>
                   <a:srgbClr val="FF0000"/>
                 </a:solidFill>
@@ -37204,7 +37031,7 @@
               <a:t>Disk location of the file</a:t>
             </a:r>
             <a:r>
-              <a:rPr lang="en-US" altLang="zh-TW" dirty="0" smtClean="0">
+              <a:rPr lang="en-US" altLang="zh-TW" dirty="0">
                 <a:ea typeface="新細明體" charset="-120"/>
               </a:rPr>
               <a:t>: cache of data access information</a:t>
@@ -37213,7 +37040,7 @@
           <a:p>
             <a:pPr lvl="1"/>
             <a:r>
-              <a:rPr lang="en-US" altLang="zh-TW" b="1" dirty="0" smtClean="0">
+              <a:rPr lang="en-US" altLang="zh-TW" b="1" dirty="0">
                 <a:solidFill>
                   <a:srgbClr val="FF0000"/>
                 </a:solidFill>
@@ -37222,7 +37049,7 @@
               <a:t>Access rights</a:t>
             </a:r>
             <a:r>
-              <a:rPr lang="en-US" altLang="zh-TW" dirty="0" smtClean="0">
+              <a:rPr lang="en-US" altLang="zh-TW" dirty="0">
                 <a:ea typeface="新細明體" charset="-120"/>
               </a:rPr>
               <a:t>: per-process access mode information</a:t>
@@ -37546,7 +37373,7 @@
           <a:p>
             <a:pPr eaLnBrk="1" hangingPunct="1"/>
             <a:r>
-              <a:rPr lang="en-US" altLang="zh-TW" smtClean="0">
+              <a:rPr lang="en-US" altLang="zh-TW">
                 <a:ea typeface="新細明體" charset="-120"/>
               </a:rPr>
               <a:t>Open File Locking</a:t>
@@ -37575,7 +37402,7 @@
           <a:lstStyle/>
           <a:p>
             <a:r>
-              <a:rPr lang="en-US" altLang="zh-TW" dirty="0" smtClean="0">
+              <a:rPr lang="en-US" altLang="zh-TW" dirty="0">
                 <a:ea typeface="新細明體" charset="-120"/>
               </a:rPr>
               <a:t>Provided by some operating systems and file systems</a:t>
@@ -37583,7 +37410,7 @@
           </a:p>
           <a:p>
             <a:r>
-              <a:rPr lang="en-US" altLang="zh-TW" dirty="0" smtClean="0">
+              <a:rPr lang="en-US" altLang="zh-TW" dirty="0">
                 <a:solidFill>
                   <a:srgbClr val="FF0000"/>
                 </a:solidFill>
@@ -37592,7 +37419,7 @@
               <a:t>Shared Lock</a:t>
             </a:r>
             <a:r>
-              <a:rPr lang="en-US" altLang="zh-TW" dirty="0" smtClean="0">
+              <a:rPr lang="en-US" altLang="zh-TW" dirty="0">
                 <a:ea typeface="新細明體" charset="-120"/>
               </a:rPr>
               <a:t>: several processes can acquire the lock concurrently (like a reader lock)</a:t>
@@ -37600,7 +37427,7 @@
           </a:p>
           <a:p>
             <a:r>
-              <a:rPr lang="en-US" altLang="zh-TW" dirty="0" smtClean="0">
+              <a:rPr lang="en-US" altLang="zh-TW" dirty="0">
                 <a:solidFill>
                   <a:srgbClr val="FF0000"/>
                 </a:solidFill>
@@ -37609,7 +37436,7 @@
               <a:t>Exclusive Lock</a:t>
             </a:r>
             <a:r>
-              <a:rPr lang="en-US" altLang="zh-TW" dirty="0" smtClean="0">
+              <a:rPr lang="en-US" altLang="zh-TW" dirty="0">
                 <a:ea typeface="新細明體" charset="-120"/>
               </a:rPr>
               <a:t>: Only one process at a time can acquire such a lock (like a writer lock)</a:t>
@@ -37617,7 +37444,7 @@
           </a:p>
           <a:p>
             <a:r>
-              <a:rPr lang="en-US" altLang="zh-TW" sz="2800" dirty="0" smtClean="0">
+              <a:rPr lang="en-US" altLang="zh-TW" sz="2800" dirty="0">
                 <a:ea typeface="新細明體" charset="-120"/>
               </a:rPr>
               <a:t>Mandatory or advisory file locking mechanisms:</a:t>
@@ -37626,7 +37453,7 @@
           <a:p>
             <a:pPr lvl="1"/>
             <a:r>
-              <a:rPr lang="en-US" altLang="zh-TW" b="1" dirty="0" smtClean="0">
+              <a:rPr lang="en-US" altLang="zh-TW" b="1" dirty="0">
                 <a:solidFill>
                   <a:srgbClr val="FF0000"/>
                 </a:solidFill>
@@ -37635,7 +37462,7 @@
               <a:t>Mandatory</a:t>
             </a:r>
             <a:r>
-              <a:rPr lang="en-US" altLang="zh-TW" dirty="0" smtClean="0">
+              <a:rPr lang="en-US" altLang="zh-TW" dirty="0">
                 <a:solidFill>
                   <a:srgbClr val="FF0000"/>
                 </a:solidFill>
@@ -37644,7 +37471,7 @@
               <a:t> </a:t>
             </a:r>
             <a:r>
-              <a:rPr lang="en-US" altLang="zh-TW" dirty="0" smtClean="0">
+              <a:rPr lang="en-US" altLang="zh-TW" dirty="0">
                 <a:ea typeface="新細明體" charset="-120"/>
               </a:rPr>
               <a:t>– Once a process acquires an exclusive lock, the OS will prevent any other process from accessing the locked file. (Windows)</a:t>
@@ -37653,7 +37480,7 @@
           <a:p>
             <a:pPr lvl="1"/>
             <a:r>
-              <a:rPr lang="en-US" altLang="zh-TW" b="1" dirty="0" smtClean="0">
+              <a:rPr lang="en-US" altLang="zh-TW" b="1" dirty="0">
                 <a:solidFill>
                   <a:srgbClr val="FF0000"/>
                 </a:solidFill>
@@ -37662,7 +37489,7 @@
               <a:t>Advisory</a:t>
             </a:r>
             <a:r>
-              <a:rPr lang="en-US" altLang="zh-TW" dirty="0" smtClean="0">
+              <a:rPr lang="en-US" altLang="zh-TW" dirty="0">
                 <a:ea typeface="新細明體" charset="-120"/>
               </a:rPr>
               <a:t> – The OS will not prevent a process from acquiring access to a locked file. Rather, the process must be written so that it manually acquiring the lock before accessing the file.  (UNIX)</a:t>
